--- a/Docs/RabbitMQ.pptx
+++ b/Docs/RabbitMQ.pptx
@@ -21,14 +21,15 @@
     <p:sldId id="277" r:id="rId15"/>
     <p:sldId id="282" r:id="rId16"/>
     <p:sldId id="268" r:id="rId17"/>
-    <p:sldId id="269" r:id="rId18"/>
-    <p:sldId id="271" r:id="rId19"/>
-    <p:sldId id="272" r:id="rId20"/>
+    <p:sldId id="272" r:id="rId18"/>
+    <p:sldId id="269" r:id="rId19"/>
+    <p:sldId id="283" r:id="rId20"/>
     <p:sldId id="273" r:id="rId21"/>
     <p:sldId id="274" r:id="rId22"/>
-    <p:sldId id="275" r:id="rId23"/>
-    <p:sldId id="276" r:id="rId24"/>
-    <p:sldId id="278" r:id="rId25"/>
+    <p:sldId id="271" r:id="rId23"/>
+    <p:sldId id="275" r:id="rId24"/>
+    <p:sldId id="276" r:id="rId25"/>
+    <p:sldId id="278" r:id="rId26"/>
   </p:sldIdLst>
   <p:sldSz cx="12192000" cy="6858000"/>
   <p:notesSz cx="6858000" cy="9144000"/>
@@ -282,7 +283,7 @@
           <a:p>
             <a:fld id="{71E31649-FBC0-46BF-9FA8-1C68919ABA2D}" type="datetimeFigureOut">
               <a:rPr lang="en-US" smtClean="0"/>
-              <a:t>6/9/2023</a:t>
+              <a:t>6/11/2023</a:t>
             </a:fld>
             <a:endParaRPr lang="en-US"/>
           </a:p>
@@ -480,7 +481,7 @@
           <a:p>
             <a:fld id="{71E31649-FBC0-46BF-9FA8-1C68919ABA2D}" type="datetimeFigureOut">
               <a:rPr lang="en-US" smtClean="0"/>
-              <a:t>6/9/2023</a:t>
+              <a:t>6/11/2023</a:t>
             </a:fld>
             <a:endParaRPr lang="en-US"/>
           </a:p>
@@ -688,7 +689,7 @@
           <a:p>
             <a:fld id="{71E31649-FBC0-46BF-9FA8-1C68919ABA2D}" type="datetimeFigureOut">
               <a:rPr lang="en-US" smtClean="0"/>
-              <a:t>6/9/2023</a:t>
+              <a:t>6/11/2023</a:t>
             </a:fld>
             <a:endParaRPr lang="en-US"/>
           </a:p>
@@ -886,7 +887,7 @@
           <a:p>
             <a:fld id="{71E31649-FBC0-46BF-9FA8-1C68919ABA2D}" type="datetimeFigureOut">
               <a:rPr lang="en-US" smtClean="0"/>
-              <a:t>6/9/2023</a:t>
+              <a:t>6/11/2023</a:t>
             </a:fld>
             <a:endParaRPr lang="en-US"/>
           </a:p>
@@ -1161,7 +1162,7 @@
           <a:p>
             <a:fld id="{71E31649-FBC0-46BF-9FA8-1C68919ABA2D}" type="datetimeFigureOut">
               <a:rPr lang="en-US" smtClean="0"/>
-              <a:t>6/9/2023</a:t>
+              <a:t>6/11/2023</a:t>
             </a:fld>
             <a:endParaRPr lang="en-US"/>
           </a:p>
@@ -1426,7 +1427,7 @@
           <a:p>
             <a:fld id="{71E31649-FBC0-46BF-9FA8-1C68919ABA2D}" type="datetimeFigureOut">
               <a:rPr lang="en-US" smtClean="0"/>
-              <a:t>6/9/2023</a:t>
+              <a:t>6/11/2023</a:t>
             </a:fld>
             <a:endParaRPr lang="en-US"/>
           </a:p>
@@ -1838,7 +1839,7 @@
           <a:p>
             <a:fld id="{71E31649-FBC0-46BF-9FA8-1C68919ABA2D}" type="datetimeFigureOut">
               <a:rPr lang="en-US" smtClean="0"/>
-              <a:t>6/9/2023</a:t>
+              <a:t>6/11/2023</a:t>
             </a:fld>
             <a:endParaRPr lang="en-US"/>
           </a:p>
@@ -1979,7 +1980,7 @@
           <a:p>
             <a:fld id="{71E31649-FBC0-46BF-9FA8-1C68919ABA2D}" type="datetimeFigureOut">
               <a:rPr lang="en-US" smtClean="0"/>
-              <a:t>6/9/2023</a:t>
+              <a:t>6/11/2023</a:t>
             </a:fld>
             <a:endParaRPr lang="en-US"/>
           </a:p>
@@ -2092,7 +2093,7 @@
           <a:p>
             <a:fld id="{71E31649-FBC0-46BF-9FA8-1C68919ABA2D}" type="datetimeFigureOut">
               <a:rPr lang="en-US" smtClean="0"/>
-              <a:t>6/9/2023</a:t>
+              <a:t>6/11/2023</a:t>
             </a:fld>
             <a:endParaRPr lang="en-US"/>
           </a:p>
@@ -2403,7 +2404,7 @@
           <a:p>
             <a:fld id="{71E31649-FBC0-46BF-9FA8-1C68919ABA2D}" type="datetimeFigureOut">
               <a:rPr lang="en-US" smtClean="0"/>
-              <a:t>6/9/2023</a:t>
+              <a:t>6/11/2023</a:t>
             </a:fld>
             <a:endParaRPr lang="en-US"/>
           </a:p>
@@ -2691,7 +2692,7 @@
           <a:p>
             <a:fld id="{71E31649-FBC0-46BF-9FA8-1C68919ABA2D}" type="datetimeFigureOut">
               <a:rPr lang="en-US" smtClean="0"/>
-              <a:t>6/9/2023</a:t>
+              <a:t>6/11/2023</a:t>
             </a:fld>
             <a:endParaRPr lang="en-US"/>
           </a:p>
@@ -2932,7 +2933,7 @@
           <a:p>
             <a:fld id="{71E31649-FBC0-46BF-9FA8-1C68919ABA2D}" type="datetimeFigureOut">
               <a:rPr lang="en-US" smtClean="0"/>
-              <a:t>6/9/2023</a:t>
+              <a:t>6/11/2023</a:t>
             </a:fld>
             <a:endParaRPr lang="en-US"/>
           </a:p>
@@ -4852,7 +4853,7 @@
           <p:cNvPr id="2" name="Title 1">
             <a:extLst>
               <a:ext uri="{FF2B5EF4-FFF2-40B4-BE49-F238E27FC236}">
-                <a16:creationId xmlns:a16="http://schemas.microsoft.com/office/drawing/2014/main" id="{67BB31C2-E7FE-73B5-EC3E-F6124092E962}"/>
+                <a16:creationId xmlns:a16="http://schemas.microsoft.com/office/drawing/2014/main" id="{8B6F6A75-6F09-3E6E-E3A8-5EC1AA652648}"/>
               </a:ext>
             </a:extLst>
           </p:cNvPr>
@@ -4870,7 +4871,7 @@
           <a:p>
             <a:r>
               <a:rPr lang="en-US" dirty="0"/>
-              <a:t>Acknowledgments and tags</a:t>
+              <a:t>Dead Letter</a:t>
             </a:r>
           </a:p>
         </p:txBody>
@@ -4880,7 +4881,7 @@
           <p:cNvPr id="3" name="Content Placeholder 2">
             <a:extLst>
               <a:ext uri="{FF2B5EF4-FFF2-40B4-BE49-F238E27FC236}">
-                <a16:creationId xmlns:a16="http://schemas.microsoft.com/office/drawing/2014/main" id="{6B2E04B2-6D4A-DE0A-2251-12B111D081FB}"/>
+                <a16:creationId xmlns:a16="http://schemas.microsoft.com/office/drawing/2014/main" id="{FFFCF87B-64A8-3F22-55F6-2466AE21F973}"/>
               </a:ext>
             </a:extLst>
           </p:cNvPr>
@@ -4893,25 +4894,9 @@
         </p:nvSpPr>
         <p:spPr/>
         <p:txBody>
-          <a:bodyPr>
-            <a:normAutofit lnSpcReduction="10000"/>
-          </a:bodyPr>
-          <a:lstStyle/>
-          <a:p>
-            <a:pPr algn="l">
-              <a:buFont typeface="Arial" panose="020B0604020202020204" pitchFamily="34" charset="0"/>
-              <a:buChar char="•"/>
-            </a:pPr>
-            <a:r>
-              <a:rPr lang="en-US" b="1" i="0" dirty="0">
-                <a:solidFill>
-                  <a:srgbClr val="D1D5DB"/>
-                </a:solidFill>
-                <a:effectLst/>
-                <a:latin typeface="Söhne"/>
-              </a:rPr>
-              <a:t>Acknowledgements</a:t>
-            </a:r>
+          <a:bodyPr/>
+          <a:lstStyle/>
+          <a:p>
             <a:r>
               <a:rPr lang="en-US" b="0" i="0" dirty="0">
                 <a:solidFill>
@@ -4920,23 +4905,17 @@
                 <a:effectLst/>
                 <a:latin typeface="Söhne"/>
               </a:rPr>
-              <a:t>: These are signals sent by a consumer to the RabbitMQ broker indicating that a message has been received and properly processed. After the acknowledgement, RabbitMQ can then safely remove the message from the queue.</a:t>
-            </a:r>
-          </a:p>
-          <a:p>
-            <a:pPr algn="l">
-              <a:buFont typeface="Arial" panose="020B0604020202020204" pitchFamily="34" charset="0"/>
-              <a:buChar char="•"/>
-            </a:pPr>
-            <a:r>
-              <a:rPr lang="en-US" b="1" i="0" dirty="0">
-                <a:solidFill>
-                  <a:srgbClr val="D1D5DB"/>
-                </a:solidFill>
-                <a:effectLst/>
-                <a:latin typeface="Söhne"/>
-              </a:rPr>
-              <a:t>Consumer Tags</a:t>
+              <a:t>Dead-lettering is a process where </a:t>
+            </a:r>
+            <a:r>
+              <a:rPr lang="en-US" b="0" i="0" dirty="0" err="1">
+                <a:solidFill>
+                  <a:srgbClr val="D1D5DB"/>
+                </a:solidFill>
+                <a:effectLst/>
+                <a:latin typeface="Söhne"/>
+              </a:rPr>
+              <a:t>unprocessable</a:t>
             </a:r>
             <a:r>
               <a:rPr lang="en-US" b="0" i="0" dirty="0">
@@ -4946,36 +4925,8 @@
                 <a:effectLst/>
                 <a:latin typeface="Söhne"/>
               </a:rPr>
-              <a:t>: These are unique identifiers for a specific consumer on a channel. It's used by RabbitMQ to identify the correct consumer when sending messages or handling other tasks.</a:t>
-            </a:r>
-          </a:p>
-          <a:p>
-            <a:pPr algn="l">
-              <a:buFont typeface="Arial" panose="020B0604020202020204" pitchFamily="34" charset="0"/>
-              <a:buChar char="•"/>
-            </a:pPr>
-            <a:r>
-              <a:rPr lang="en-US" b="1" i="0" dirty="0">
-                <a:solidFill>
-                  <a:srgbClr val="D1D5DB"/>
-                </a:solidFill>
-                <a:effectLst/>
-                <a:latin typeface="Söhne"/>
-              </a:rPr>
-              <a:t>Delivery Tags</a:t>
-            </a:r>
-            <a:r>
-              <a:rPr lang="en-US" b="0" i="0" dirty="0">
-                <a:solidFill>
-                  <a:srgbClr val="D1D5DB"/>
-                </a:solidFill>
-                <a:effectLst/>
-                <a:latin typeface="Söhne"/>
-              </a:rPr>
-              <a:t>: Each message delivered to a consumer by RabbitMQ gets a unique delivery tag, generated by the broker. It's used by consumers to refer to a specific message when they want to acknowledge, reject, or negatively acknowledge it.</a:t>
-            </a:r>
-          </a:p>
-          <a:p>
+              <a:t> messages are moved to a separate queue. When a message is rejected or expires, or a queue reaches its maximum length, RabbitMQ can reroute these messages to a designated dead-letter exchange. From there, they can be sent to a queue (known as a dead-letter queue) for further inspection or reprocessing.</a:t>
+            </a:r>
             <a:endParaRPr lang="en-US" dirty="0"/>
           </a:p>
         </p:txBody>
@@ -4983,7 +4934,7 @@
     </p:spTree>
     <p:extLst>
       <p:ext uri="{BB962C8B-B14F-4D97-AF65-F5344CB8AC3E}">
-        <p14:creationId xmlns:p14="http://schemas.microsoft.com/office/powerpoint/2010/main" val="1716757615"/>
+        <p14:creationId xmlns:p14="http://schemas.microsoft.com/office/powerpoint/2010/main" val="3777424602"/>
       </p:ext>
     </p:extLst>
   </p:cSld>
@@ -5015,7 +4966,7 @@
           <p:cNvPr id="2" name="Title 1">
             <a:extLst>
               <a:ext uri="{FF2B5EF4-FFF2-40B4-BE49-F238E27FC236}">
-                <a16:creationId xmlns:a16="http://schemas.microsoft.com/office/drawing/2014/main" id="{706B582B-C194-876B-183F-5CFD83F05A24}"/>
+                <a16:creationId xmlns:a16="http://schemas.microsoft.com/office/drawing/2014/main" id="{67BB31C2-E7FE-73B5-EC3E-F6124092E962}"/>
               </a:ext>
             </a:extLst>
           </p:cNvPr>
@@ -5033,7 +4984,7 @@
           <a:p>
             <a:r>
               <a:rPr lang="en-US" dirty="0"/>
-              <a:t>Advanced Features</a:t>
+              <a:t>Acknowledgments</a:t>
             </a:r>
           </a:p>
         </p:txBody>
@@ -5043,7 +4994,7 @@
           <p:cNvPr id="3" name="Content Placeholder 2">
             <a:extLst>
               <a:ext uri="{FF2B5EF4-FFF2-40B4-BE49-F238E27FC236}">
-                <a16:creationId xmlns:a16="http://schemas.microsoft.com/office/drawing/2014/main" id="{787F27EB-1EA9-19C4-BCA4-CCD782BA0FA8}"/>
+                <a16:creationId xmlns:a16="http://schemas.microsoft.com/office/drawing/2014/main" id="{6B2E04B2-6D4A-DE0A-2251-12B111D081FB}"/>
               </a:ext>
             </a:extLst>
           </p:cNvPr>
@@ -5057,7 +5008,7 @@
         <p:spPr/>
         <p:txBody>
           <a:bodyPr>
-            <a:normAutofit fontScale="92500" lnSpcReduction="20000"/>
+            <a:normAutofit/>
           </a:bodyPr>
           <a:lstStyle/>
           <a:p>
@@ -5066,16 +5017,6 @@
               <a:buChar char="•"/>
             </a:pPr>
             <a:r>
-              <a:rPr lang="en-US" b="1" i="0" dirty="0">
-                <a:solidFill>
-                  <a:srgbClr val="D1D5DB"/>
-                </a:solidFill>
-                <a:effectLst/>
-                <a:latin typeface="Söhne"/>
-              </a:rPr>
-              <a:t>Message Persistence</a:t>
-            </a:r>
-            <a:r>
               <a:rPr lang="en-US" b="0" i="0" dirty="0">
                 <a:solidFill>
                   <a:srgbClr val="D1D5DB"/>
@@ -5083,7 +5024,7 @@
                 <a:effectLst/>
                 <a:latin typeface="Söhne"/>
               </a:rPr>
-              <a:t>: This refers to the ability of RabbitMQ to store messages on disk so that they are not lost in case of a failure. This includes situations like a crash of the RabbitMQ server or restarts. Making a message persistent does not fully ensure it won't be lost, though; it still has to be sent to a durable queue.</a:t>
+              <a:t>Signals sent by a consumer to the RabbitMQ broker indicating that a message has been received and properly processed.</a:t>
             </a:r>
           </a:p>
           <a:p>
@@ -5092,16 +5033,6 @@
               <a:buChar char="•"/>
             </a:pPr>
             <a:r>
-              <a:rPr lang="en-US" b="1" i="0" dirty="0">
-                <a:solidFill>
-                  <a:srgbClr val="D1D5DB"/>
-                </a:solidFill>
-                <a:effectLst/>
-                <a:latin typeface="Söhne"/>
-              </a:rPr>
-              <a:t>High Availability</a:t>
-            </a:r>
-            <a:r>
               <a:rPr lang="en-US" b="0" i="0" dirty="0">
                 <a:solidFill>
                   <a:srgbClr val="D1D5DB"/>
@@ -5109,7 +5040,7 @@
                 <a:effectLst/>
                 <a:latin typeface="Söhne"/>
               </a:rPr>
-              <a:t>: RabbitMQ supports active/passive and active/active high-availability configurations. In an active/passive setup, the "passive" server only becomes active if the "active" server fails. In an active/active setup, also known as a cluster, messages are replicated across all nodes, so if one node fails, the system continues to operate.</a:t>
+              <a:t>After the acknowledgement, RabbitMQ can then safely remove the message from the queue.</a:t>
             </a:r>
           </a:p>
           <a:p>
@@ -5118,35 +5049,67 @@
               <a:buChar char="•"/>
             </a:pPr>
             <a:r>
-              <a:rPr lang="en-US" b="1" i="0" dirty="0">
-                <a:solidFill>
-                  <a:srgbClr val="D1D5DB"/>
-                </a:solidFill>
-                <a:effectLst/>
-                <a:latin typeface="Söhne"/>
-              </a:rPr>
-              <a:t>Clustering</a:t>
-            </a:r>
-            <a:r>
-              <a:rPr lang="en-US" b="0" i="0" dirty="0">
-                <a:solidFill>
-                  <a:srgbClr val="D1D5DB"/>
-                </a:solidFill>
-                <a:effectLst/>
-                <a:latin typeface="Söhne"/>
-              </a:rPr>
-              <a:t>: RabbitMQ provides a way to run a single logical broker across multiple machines. Each machine (node) in a RabbitMQ cluster is identical, and they all connect to each other. Clustering helps in scaling out the system horizontally and provides high availability.</a:t>
-            </a:r>
-          </a:p>
-          <a:p>
-            <a:endParaRPr lang="en-US" dirty="0"/>
+              <a:rPr lang="en-US" dirty="0">
+                <a:solidFill>
+                  <a:srgbClr val="D1D5DB"/>
+                </a:solidFill>
+                <a:latin typeface="Söhne"/>
+              </a:rPr>
+              <a:t>Ack (acknowledgement): A consumer successfully processed a message</a:t>
+            </a:r>
+          </a:p>
+          <a:p>
+            <a:pPr algn="l">
+              <a:buFont typeface="Arial" panose="020B0604020202020204" pitchFamily="34" charset="0"/>
+              <a:buChar char="•"/>
+            </a:pPr>
+            <a:r>
+              <a:rPr lang="en-US" dirty="0" err="1">
+                <a:solidFill>
+                  <a:srgbClr val="D1D5DB"/>
+                </a:solidFill>
+                <a:latin typeface="Söhne"/>
+              </a:rPr>
+              <a:t>Nack</a:t>
+            </a:r>
+            <a:r>
+              <a:rPr lang="en-US" dirty="0">
+                <a:solidFill>
+                  <a:srgbClr val="D1D5DB"/>
+                </a:solidFill>
+                <a:latin typeface="Söhne"/>
+              </a:rPr>
+              <a:t> (negative acknowledgement): A consumer could not process a message. Message can be requeued or sent to the dead letter queue</a:t>
+            </a:r>
+            <a:endParaRPr lang="en-US" b="0" i="0" dirty="0">
+              <a:solidFill>
+                <a:srgbClr val="D1D5DB"/>
+              </a:solidFill>
+              <a:effectLst/>
+              <a:latin typeface="Söhne"/>
+            </a:endParaRPr>
+          </a:p>
+          <a:p>
+            <a:pPr algn="l">
+              <a:buFont typeface="Arial" panose="020B0604020202020204" pitchFamily="34" charset="0"/>
+              <a:buChar char="•"/>
+            </a:pPr>
+            <a:r>
+              <a:rPr lang="en-US" dirty="0">
+                <a:solidFill>
+                  <a:srgbClr val="D1D5DB"/>
+                </a:solidFill>
+                <a:latin typeface="Söhne"/>
+              </a:rPr>
+              <a:t>Auto acknowledgement is dangerous (explain)</a:t>
+            </a:r>
           </a:p>
         </p:txBody>
       </p:sp>
     </p:spTree>
     <p:extLst>
       <p:ext uri="{BB962C8B-B14F-4D97-AF65-F5344CB8AC3E}">
-        <p14:creationId xmlns:p14="http://schemas.microsoft.com/office/powerpoint/2010/main" val="3733612968"/>
+        <p14:creationId xmlns:p14="http://schemas.microsoft.com/office/powerpoint/2010/main" val="1716757615"/>
       </p:ext>
     </p:extLst>
   </p:cSld>
@@ -5178,7 +5141,7 @@
           <p:cNvPr id="2" name="Title 1">
             <a:extLst>
               <a:ext uri="{FF2B5EF4-FFF2-40B4-BE49-F238E27FC236}">
-                <a16:creationId xmlns:a16="http://schemas.microsoft.com/office/drawing/2014/main" id="{8B6F6A75-6F09-3E6E-E3A8-5EC1AA652648}"/>
+                <a16:creationId xmlns:a16="http://schemas.microsoft.com/office/drawing/2014/main" id="{67BB31C2-E7FE-73B5-EC3E-F6124092E962}"/>
               </a:ext>
             </a:extLst>
           </p:cNvPr>
@@ -5196,7 +5159,7 @@
           <a:p>
             <a:r>
               <a:rPr lang="en-US" dirty="0"/>
-              <a:t>Dead Letter</a:t>
+              <a:t>Tags</a:t>
             </a:r>
           </a:p>
         </p:txBody>
@@ -5206,7 +5169,7 @@
           <p:cNvPr id="3" name="Content Placeholder 2">
             <a:extLst>
               <a:ext uri="{FF2B5EF4-FFF2-40B4-BE49-F238E27FC236}">
-                <a16:creationId xmlns:a16="http://schemas.microsoft.com/office/drawing/2014/main" id="{FFFCF87B-64A8-3F22-55F6-2466AE21F973}"/>
+                <a16:creationId xmlns:a16="http://schemas.microsoft.com/office/drawing/2014/main" id="{6B2E04B2-6D4A-DE0A-2251-12B111D081FB}"/>
               </a:ext>
             </a:extLst>
           </p:cNvPr>
@@ -5219,9 +5182,25 @@
         </p:nvSpPr>
         <p:spPr/>
         <p:txBody>
-          <a:bodyPr/>
-          <a:lstStyle/>
-          <a:p>
+          <a:bodyPr>
+            <a:normAutofit/>
+          </a:bodyPr>
+          <a:lstStyle/>
+          <a:p>
+            <a:pPr algn="l">
+              <a:buFont typeface="Arial" panose="020B0604020202020204" pitchFamily="34" charset="0"/>
+              <a:buChar char="•"/>
+            </a:pPr>
+            <a:r>
+              <a:rPr lang="en-US" b="1" i="0" dirty="0">
+                <a:solidFill>
+                  <a:srgbClr val="D1D5DB"/>
+                </a:solidFill>
+                <a:effectLst/>
+                <a:latin typeface="Söhne"/>
+              </a:rPr>
+              <a:t>Consumer Tags</a:t>
+            </a:r>
             <a:r>
               <a:rPr lang="en-US" b="0" i="0" dirty="0">
                 <a:solidFill>
@@ -5230,17 +5209,23 @@
                 <a:effectLst/>
                 <a:latin typeface="Söhne"/>
               </a:rPr>
-              <a:t>Dead-lettering is a process where </a:t>
-            </a:r>
-            <a:r>
-              <a:rPr lang="en-US" b="0" i="0" dirty="0" err="1">
-                <a:solidFill>
-                  <a:srgbClr val="D1D5DB"/>
-                </a:solidFill>
-                <a:effectLst/>
-                <a:latin typeface="Söhne"/>
-              </a:rPr>
-              <a:t>unprocessable</a:t>
+              <a:t>: These are unique identifiers for a specific consumer on a channel. It's used by RabbitMQ to identify the correct consumer when sending messages or handling other tasks.</a:t>
+            </a:r>
+          </a:p>
+          <a:p>
+            <a:pPr algn="l">
+              <a:buFont typeface="Arial" panose="020B0604020202020204" pitchFamily="34" charset="0"/>
+              <a:buChar char="•"/>
+            </a:pPr>
+            <a:r>
+              <a:rPr lang="en-US" b="1" i="0" dirty="0">
+                <a:solidFill>
+                  <a:srgbClr val="D1D5DB"/>
+                </a:solidFill>
+                <a:effectLst/>
+                <a:latin typeface="Söhne"/>
+              </a:rPr>
+              <a:t>Delivery Tags</a:t>
             </a:r>
             <a:r>
               <a:rPr lang="en-US" b="0" i="0" dirty="0">
@@ -5250,8 +5235,10 @@
                 <a:effectLst/>
                 <a:latin typeface="Söhne"/>
               </a:rPr>
-              <a:t> messages are moved to a separate queue. When a message is rejected or expires, or a queue reaches its maximum length, RabbitMQ can reroute these messages to a designated dead-letter exchange. From there, they can be sent to a queue (known as a dead-letter queue) for further inspection or reprocessing.</a:t>
-            </a:r>
+              <a:t>: Each message delivered to a consumer by RabbitMQ gets a unique delivery tag, generated by the broker. It's used by consumers to refer to a specific message when they want to acknowledge, reject, or negatively acknowledge it.</a:t>
+            </a:r>
+          </a:p>
+          <a:p>
             <a:endParaRPr lang="en-US" dirty="0"/>
           </a:p>
         </p:txBody>
@@ -5259,7 +5246,7 @@
     </p:spTree>
     <p:extLst>
       <p:ext uri="{BB962C8B-B14F-4D97-AF65-F5344CB8AC3E}">
-        <p14:creationId xmlns:p14="http://schemas.microsoft.com/office/powerpoint/2010/main" val="3777424602"/>
+        <p14:creationId xmlns:p14="http://schemas.microsoft.com/office/powerpoint/2010/main" val="1042321783"/>
       </p:ext>
     </p:extLst>
   </p:cSld>
@@ -5399,7 +5386,7 @@
           <a:p>
             <a:r>
               <a:rPr lang="en-US" dirty="0"/>
-              <a:t>QoS</a:t>
+              <a:t>QoS (Quality of Service)</a:t>
             </a:r>
           </a:p>
         </p:txBody>
@@ -5433,7 +5420,31 @@
                 <a:effectLst/>
                 <a:latin typeface="Söhne"/>
               </a:rPr>
-              <a:t>QoS settings in RabbitMQ allow you to control how many messages or how much payload a consumer can prefetch. This is useful for preventing consumers from getting overwhelmed by a large number of messages. You can set the prefetch count at the level of a channel or a consumer.</a:t>
+              <a:t>Used to configure how messages are delivered from broker to consumer</a:t>
+            </a:r>
+          </a:p>
+          <a:p>
+            <a:r>
+              <a:rPr lang="en-US" b="0" i="0" dirty="0">
+                <a:solidFill>
+                  <a:srgbClr val="D1D5DB"/>
+                </a:solidFill>
+                <a:effectLst/>
+                <a:latin typeface="Söhne"/>
+              </a:rPr>
+              <a:t>Allows you to control how many messages or how much payload a consumer can prefetch.</a:t>
+            </a:r>
+          </a:p>
+          <a:p>
+            <a:r>
+              <a:rPr lang="en-US" b="0" i="0" dirty="0">
+                <a:solidFill>
+                  <a:srgbClr val="D1D5DB"/>
+                </a:solidFill>
+                <a:effectLst/>
+                <a:latin typeface="Söhne"/>
+              </a:rPr>
+              <a:t>Useful for preventing consumers from getting overwhelmed by a large number of messages. You can set the prefetch count at the level of a channel or a consumer.</a:t>
             </a:r>
             <a:endParaRPr lang="en-US" dirty="0"/>
           </a:p>
@@ -5526,7 +5537,31 @@
                 <a:effectLst/>
                 <a:latin typeface="Söhne"/>
               </a:rPr>
-              <a:t>TTL settings allow you to specify how long a message or a queue can live before it's automatically discarded. Message TTL can be set for each individual message or for an entire queue. Queue TTL, on the other hand, is the time after which an unused queue (one with no consumers and to which no new messages are being published) will be deleted.</a:t>
+              <a:t>TTL settings allow you to specify how long a message or a queue can live before it's automatically discarded.</a:t>
+            </a:r>
+          </a:p>
+          <a:p>
+            <a:r>
+              <a:rPr lang="en-US" b="0" i="0" dirty="0">
+                <a:solidFill>
+                  <a:srgbClr val="D1D5DB"/>
+                </a:solidFill>
+                <a:effectLst/>
+                <a:latin typeface="Söhne"/>
+              </a:rPr>
+              <a:t>Message TTL can be set for each individual message or for an entire queue.</a:t>
+            </a:r>
+          </a:p>
+          <a:p>
+            <a:r>
+              <a:rPr lang="en-US" b="0" i="0" dirty="0">
+                <a:solidFill>
+                  <a:srgbClr val="D1D5DB"/>
+                </a:solidFill>
+                <a:effectLst/>
+                <a:latin typeface="Söhne"/>
+              </a:rPr>
+              <a:t>Queue TTL, on the other hand, is the time after which an unused queue (one with no consumers and to which no new messages are being published) will be deleted.</a:t>
             </a:r>
             <a:endParaRPr lang="en-US" dirty="0"/>
           </a:p>
@@ -5567,7 +5602,7 @@
           <p:cNvPr id="2" name="Title 1">
             <a:extLst>
               <a:ext uri="{FF2B5EF4-FFF2-40B4-BE49-F238E27FC236}">
-                <a16:creationId xmlns:a16="http://schemas.microsoft.com/office/drawing/2014/main" id="{81C6D78C-3F17-BBEE-67A5-FBA32C34A507}"/>
+                <a16:creationId xmlns:a16="http://schemas.microsoft.com/office/drawing/2014/main" id="{706B582B-C194-876B-183F-5CFD83F05A24}"/>
               </a:ext>
             </a:extLst>
           </p:cNvPr>
@@ -5585,7 +5620,7 @@
           <a:p>
             <a:r>
               <a:rPr lang="en-US" dirty="0"/>
-              <a:t>Use Cases</a:t>
+              <a:t>Advanced Features</a:t>
             </a:r>
           </a:p>
         </p:txBody>
@@ -5595,7 +5630,7 @@
           <p:cNvPr id="3" name="Content Placeholder 2">
             <a:extLst>
               <a:ext uri="{FF2B5EF4-FFF2-40B4-BE49-F238E27FC236}">
-                <a16:creationId xmlns:a16="http://schemas.microsoft.com/office/drawing/2014/main" id="{178BDC3B-65A2-3223-2179-8A4054E3E5A1}"/>
+                <a16:creationId xmlns:a16="http://schemas.microsoft.com/office/drawing/2014/main" id="{787F27EB-1EA9-19C4-BCA4-CCD782BA0FA8}"/>
               </a:ext>
             </a:extLst>
           </p:cNvPr>
@@ -5608,10 +5643,25 @@
         </p:nvSpPr>
         <p:spPr/>
         <p:txBody>
-          <a:bodyPr/>
-          <a:lstStyle/>
-          <a:p>
-            <a:pPr algn="l"/>
+          <a:bodyPr>
+            <a:normAutofit fontScale="92500" lnSpcReduction="20000"/>
+          </a:bodyPr>
+          <a:lstStyle/>
+          <a:p>
+            <a:pPr algn="l">
+              <a:buFont typeface="Arial" panose="020B0604020202020204" pitchFamily="34" charset="0"/>
+              <a:buChar char="•"/>
+            </a:pPr>
+            <a:r>
+              <a:rPr lang="en-US" b="1" i="0" dirty="0">
+                <a:solidFill>
+                  <a:srgbClr val="D1D5DB"/>
+                </a:solidFill>
+                <a:effectLst/>
+                <a:latin typeface="Söhne"/>
+              </a:rPr>
+              <a:t>Message Persistence</a:t>
+            </a:r>
             <a:r>
               <a:rPr lang="en-US" b="0" i="0" dirty="0">
                 <a:solidFill>
@@ -5620,17 +5670,23 @@
                 <a:effectLst/>
                 <a:latin typeface="Söhne"/>
               </a:rPr>
-              <a:t>RabbitMQ is commonly used in systems where decoupling of components, message durability, and </a:t>
-            </a:r>
-            <a:r>
-              <a:rPr lang="en-US" b="0" i="0" dirty="0" err="1">
-                <a:solidFill>
-                  <a:srgbClr val="D1D5DB"/>
-                </a:solidFill>
-                <a:effectLst/>
-                <a:latin typeface="Söhne"/>
-              </a:rPr>
-              <a:t>asynchronicity</a:t>
+              <a:t>: This refers to the ability of RabbitMQ to store messages on disk so that they are not lost in case of a failure. This includes situations like a crash of the RabbitMQ server or restarts. Making a message persistent does not fully ensure it won't be lost, though; it still has to be sent to a durable queue.</a:t>
+            </a:r>
+          </a:p>
+          <a:p>
+            <a:pPr algn="l">
+              <a:buFont typeface="Arial" panose="020B0604020202020204" pitchFamily="34" charset="0"/>
+              <a:buChar char="•"/>
+            </a:pPr>
+            <a:r>
+              <a:rPr lang="en-US" b="1" i="0" dirty="0">
+                <a:solidFill>
+                  <a:srgbClr val="D1D5DB"/>
+                </a:solidFill>
+                <a:effectLst/>
+                <a:latin typeface="Söhne"/>
+              </a:rPr>
+              <a:t>High Availability</a:t>
             </a:r>
             <a:r>
               <a:rPr lang="en-US" b="0" i="0" dirty="0">
@@ -5640,11 +5696,24 @@
                 <a:effectLst/>
                 <a:latin typeface="Söhne"/>
               </a:rPr>
-              <a:t> are required. This includes distributed systems, microservices architectures, task queues, and real-time streaming applications, among others.</a:t>
-            </a:r>
-          </a:p>
-          <a:p>
-            <a:pPr algn="l"/>
+              <a:t>: RabbitMQ supports active/passive and active/active high-availability configurations. In an active/passive setup, the "passive" server only becomes active if the "active" server fails. In an active/active setup, also known as a cluster, messages are replicated across all nodes, so if one node fails, the system continues to operate.</a:t>
+            </a:r>
+          </a:p>
+          <a:p>
+            <a:pPr algn="l">
+              <a:buFont typeface="Arial" panose="020B0604020202020204" pitchFamily="34" charset="0"/>
+              <a:buChar char="•"/>
+            </a:pPr>
+            <a:r>
+              <a:rPr lang="en-US" b="1" i="0" dirty="0">
+                <a:solidFill>
+                  <a:srgbClr val="D1D5DB"/>
+                </a:solidFill>
+                <a:effectLst/>
+                <a:latin typeface="Söhne"/>
+              </a:rPr>
+              <a:t>Clustering</a:t>
+            </a:r>
             <a:r>
               <a:rPr lang="en-US" b="0" i="0" dirty="0">
                 <a:solidFill>
@@ -5653,20 +5722,7 @@
                 <a:effectLst/>
                 <a:latin typeface="Söhne"/>
               </a:rPr>
-              <a:t>Share a few real-world examples of RabbitMQ in action:</a:t>
-            </a:r>
-          </a:p>
-          <a:p>
-            <a:pPr algn="l"/>
-            <a:r>
-              <a:rPr lang="en-US" b="0" i="0" dirty="0">
-                <a:solidFill>
-                  <a:srgbClr val="D1D5DB"/>
-                </a:solidFill>
-                <a:effectLst/>
-                <a:latin typeface="Söhne"/>
-              </a:rPr>
-              <a:t>Various large-scale, high-traffic services such as GitHub, Trello, and indeed.com use RabbitMQ for diverse needs ranging from distributing tasks among workers, dealing with heavy compute jobs in the background, to processing user actions in real-time.</a:t>
+              <a:t>: RabbitMQ provides a way to run a single logical broker across multiple machines. Each machine (node) in a RabbitMQ cluster is identical, and they all connect to each other. Clustering helps in scaling out the system horizontally and provides high availability.</a:t>
             </a:r>
           </a:p>
           <a:p>
@@ -5677,7 +5733,7 @@
     </p:spTree>
     <p:extLst>
       <p:ext uri="{BB962C8B-B14F-4D97-AF65-F5344CB8AC3E}">
-        <p14:creationId xmlns:p14="http://schemas.microsoft.com/office/powerpoint/2010/main" val="3800182521"/>
+        <p14:creationId xmlns:p14="http://schemas.microsoft.com/office/powerpoint/2010/main" val="3733612968"/>
       </p:ext>
     </p:extLst>
   </p:cSld>
@@ -5709,6 +5765,148 @@
           <p:cNvPr id="2" name="Title 1">
             <a:extLst>
               <a:ext uri="{FF2B5EF4-FFF2-40B4-BE49-F238E27FC236}">
+                <a16:creationId xmlns:a16="http://schemas.microsoft.com/office/drawing/2014/main" id="{81C6D78C-3F17-BBEE-67A5-FBA32C34A507}"/>
+              </a:ext>
+            </a:extLst>
+          </p:cNvPr>
+          <p:cNvSpPr>
+            <a:spLocks noGrp="1"/>
+          </p:cNvSpPr>
+          <p:nvPr>
+            <p:ph type="title"/>
+          </p:nvPr>
+        </p:nvSpPr>
+        <p:spPr/>
+        <p:txBody>
+          <a:bodyPr/>
+          <a:lstStyle/>
+          <a:p>
+            <a:r>
+              <a:rPr lang="en-US" dirty="0"/>
+              <a:t>Use Cases</a:t>
+            </a:r>
+          </a:p>
+        </p:txBody>
+      </p:sp>
+      <p:sp>
+        <p:nvSpPr>
+          <p:cNvPr id="3" name="Content Placeholder 2">
+            <a:extLst>
+              <a:ext uri="{FF2B5EF4-FFF2-40B4-BE49-F238E27FC236}">
+                <a16:creationId xmlns:a16="http://schemas.microsoft.com/office/drawing/2014/main" id="{178BDC3B-65A2-3223-2179-8A4054E3E5A1}"/>
+              </a:ext>
+            </a:extLst>
+          </p:cNvPr>
+          <p:cNvSpPr>
+            <a:spLocks noGrp="1"/>
+          </p:cNvSpPr>
+          <p:nvPr>
+            <p:ph idx="1"/>
+          </p:nvPr>
+        </p:nvSpPr>
+        <p:spPr/>
+        <p:txBody>
+          <a:bodyPr/>
+          <a:lstStyle/>
+          <a:p>
+            <a:pPr algn="l"/>
+            <a:r>
+              <a:rPr lang="en-US" b="0" i="0" dirty="0">
+                <a:solidFill>
+                  <a:srgbClr val="D1D5DB"/>
+                </a:solidFill>
+                <a:effectLst/>
+                <a:latin typeface="Söhne"/>
+              </a:rPr>
+              <a:t>RabbitMQ is commonly used in systems where decoupling of components, message durability, and </a:t>
+            </a:r>
+            <a:r>
+              <a:rPr lang="en-US" b="0" i="0" dirty="0" err="1">
+                <a:solidFill>
+                  <a:srgbClr val="D1D5DB"/>
+                </a:solidFill>
+                <a:effectLst/>
+                <a:latin typeface="Söhne"/>
+              </a:rPr>
+              <a:t>asynchronicity</a:t>
+            </a:r>
+            <a:r>
+              <a:rPr lang="en-US" b="0" i="0" dirty="0">
+                <a:solidFill>
+                  <a:srgbClr val="D1D5DB"/>
+                </a:solidFill>
+                <a:effectLst/>
+                <a:latin typeface="Söhne"/>
+              </a:rPr>
+              <a:t> are required. This includes distributed systems, microservices architectures, task queues, and real-time streaming applications, among others.</a:t>
+            </a:r>
+          </a:p>
+          <a:p>
+            <a:pPr algn="l"/>
+            <a:r>
+              <a:rPr lang="en-US" b="0" i="0" dirty="0">
+                <a:solidFill>
+                  <a:srgbClr val="D1D5DB"/>
+                </a:solidFill>
+                <a:effectLst/>
+                <a:latin typeface="Söhne"/>
+              </a:rPr>
+              <a:t>Share a few real-world examples of RabbitMQ in action:</a:t>
+            </a:r>
+          </a:p>
+          <a:p>
+            <a:pPr algn="l"/>
+            <a:r>
+              <a:rPr lang="en-US" b="0" i="0" dirty="0">
+                <a:solidFill>
+                  <a:srgbClr val="D1D5DB"/>
+                </a:solidFill>
+                <a:effectLst/>
+                <a:latin typeface="Söhne"/>
+              </a:rPr>
+              <a:t>Various large-scale, high-traffic services such as GitHub, Trello, and indeed.com use RabbitMQ for diverse needs ranging from distributing tasks among workers, dealing with heavy compute jobs in the background, to processing user actions in real-time.</a:t>
+            </a:r>
+          </a:p>
+          <a:p>
+            <a:endParaRPr lang="en-US" dirty="0"/>
+          </a:p>
+        </p:txBody>
+      </p:sp>
+    </p:spTree>
+    <p:extLst>
+      <p:ext uri="{BB962C8B-B14F-4D97-AF65-F5344CB8AC3E}">
+        <p14:creationId xmlns:p14="http://schemas.microsoft.com/office/powerpoint/2010/main" val="3800182521"/>
+      </p:ext>
+    </p:extLst>
+  </p:cSld>
+  <p:clrMapOvr>
+    <a:masterClrMapping/>
+  </p:clrMapOvr>
+</p:sld>
+</file>
+
+<file path=ppt/slides/slide24.xml><?xml version="1.0" encoding="utf-8"?>
+<p:sld xmlns:a="http://schemas.openxmlformats.org/drawingml/2006/main" xmlns:r="http://schemas.openxmlformats.org/officeDocument/2006/relationships" xmlns:p="http://schemas.openxmlformats.org/presentationml/2006/main">
+  <p:cSld>
+    <p:spTree>
+      <p:nvGrpSpPr>
+        <p:cNvPr id="1" name=""/>
+        <p:cNvGrpSpPr/>
+        <p:nvPr/>
+      </p:nvGrpSpPr>
+      <p:grpSpPr>
+        <a:xfrm>
+          <a:off x="0" y="0"/>
+          <a:ext cx="0" cy="0"/>
+          <a:chOff x="0" y="0"/>
+          <a:chExt cx="0" cy="0"/>
+        </a:xfrm>
+      </p:grpSpPr>
+      <p:sp>
+        <p:nvSpPr>
+          <p:cNvPr id="2" name="Title 1">
+            <a:extLst>
+              <a:ext uri="{FF2B5EF4-FFF2-40B4-BE49-F238E27FC236}">
                 <a16:creationId xmlns:a16="http://schemas.microsoft.com/office/drawing/2014/main" id="{6CA3F112-275A-1DD9-D3F0-038AF1F5E8A5}"/>
               </a:ext>
             </a:extLst>
@@ -5820,7 +6018,7 @@
 </p:sld>
 </file>
 
-<file path=ppt/slides/slide24.xml><?xml version="1.0" encoding="utf-8"?>
+<file path=ppt/slides/slide25.xml><?xml version="1.0" encoding="utf-8"?>
 <p:sld xmlns:a="http://schemas.openxmlformats.org/drawingml/2006/main" xmlns:r="http://schemas.openxmlformats.org/officeDocument/2006/relationships" xmlns:p="http://schemas.openxmlformats.org/presentationml/2006/main">
   <p:cSld>
     <p:spTree>

--- a/Docs/RabbitMQ.pptx
+++ b/Docs/RabbitMQ.pptx
@@ -284,7 +284,7 @@
           <a:p>
             <a:fld id="{71E31649-FBC0-46BF-9FA8-1C68919ABA2D}" type="datetimeFigureOut">
               <a:rPr lang="en-US" smtClean="0"/>
-              <a:t>6/16/2023</a:t>
+              <a:t>6/20/2023</a:t>
             </a:fld>
             <a:endParaRPr lang="en-US"/>
           </a:p>
@@ -482,7 +482,7 @@
           <a:p>
             <a:fld id="{71E31649-FBC0-46BF-9FA8-1C68919ABA2D}" type="datetimeFigureOut">
               <a:rPr lang="en-US" smtClean="0"/>
-              <a:t>6/16/2023</a:t>
+              <a:t>6/20/2023</a:t>
             </a:fld>
             <a:endParaRPr lang="en-US"/>
           </a:p>
@@ -690,7 +690,7 @@
           <a:p>
             <a:fld id="{71E31649-FBC0-46BF-9FA8-1C68919ABA2D}" type="datetimeFigureOut">
               <a:rPr lang="en-US" smtClean="0"/>
-              <a:t>6/16/2023</a:t>
+              <a:t>6/20/2023</a:t>
             </a:fld>
             <a:endParaRPr lang="en-US"/>
           </a:p>
@@ -888,7 +888,7 @@
           <a:p>
             <a:fld id="{71E31649-FBC0-46BF-9FA8-1C68919ABA2D}" type="datetimeFigureOut">
               <a:rPr lang="en-US" smtClean="0"/>
-              <a:t>6/16/2023</a:t>
+              <a:t>6/20/2023</a:t>
             </a:fld>
             <a:endParaRPr lang="en-US"/>
           </a:p>
@@ -1163,7 +1163,7 @@
           <a:p>
             <a:fld id="{71E31649-FBC0-46BF-9FA8-1C68919ABA2D}" type="datetimeFigureOut">
               <a:rPr lang="en-US" smtClean="0"/>
-              <a:t>6/16/2023</a:t>
+              <a:t>6/20/2023</a:t>
             </a:fld>
             <a:endParaRPr lang="en-US"/>
           </a:p>
@@ -1428,7 +1428,7 @@
           <a:p>
             <a:fld id="{71E31649-FBC0-46BF-9FA8-1C68919ABA2D}" type="datetimeFigureOut">
               <a:rPr lang="en-US" smtClean="0"/>
-              <a:t>6/16/2023</a:t>
+              <a:t>6/20/2023</a:t>
             </a:fld>
             <a:endParaRPr lang="en-US"/>
           </a:p>
@@ -1840,7 +1840,7 @@
           <a:p>
             <a:fld id="{71E31649-FBC0-46BF-9FA8-1C68919ABA2D}" type="datetimeFigureOut">
               <a:rPr lang="en-US" smtClean="0"/>
-              <a:t>6/16/2023</a:t>
+              <a:t>6/20/2023</a:t>
             </a:fld>
             <a:endParaRPr lang="en-US"/>
           </a:p>
@@ -1981,7 +1981,7 @@
           <a:p>
             <a:fld id="{71E31649-FBC0-46BF-9FA8-1C68919ABA2D}" type="datetimeFigureOut">
               <a:rPr lang="en-US" smtClean="0"/>
-              <a:t>6/16/2023</a:t>
+              <a:t>6/20/2023</a:t>
             </a:fld>
             <a:endParaRPr lang="en-US"/>
           </a:p>
@@ -2094,7 +2094,7 @@
           <a:p>
             <a:fld id="{71E31649-FBC0-46BF-9FA8-1C68919ABA2D}" type="datetimeFigureOut">
               <a:rPr lang="en-US" smtClean="0"/>
-              <a:t>6/16/2023</a:t>
+              <a:t>6/20/2023</a:t>
             </a:fld>
             <a:endParaRPr lang="en-US"/>
           </a:p>
@@ -2405,7 +2405,7 @@
           <a:p>
             <a:fld id="{71E31649-FBC0-46BF-9FA8-1C68919ABA2D}" type="datetimeFigureOut">
               <a:rPr lang="en-US" smtClean="0"/>
-              <a:t>6/16/2023</a:t>
+              <a:t>6/20/2023</a:t>
             </a:fld>
             <a:endParaRPr lang="en-US"/>
           </a:p>
@@ -2693,7 +2693,7 @@
           <a:p>
             <a:fld id="{71E31649-FBC0-46BF-9FA8-1C68919ABA2D}" type="datetimeFigureOut">
               <a:rPr lang="en-US" smtClean="0"/>
-              <a:t>6/16/2023</a:t>
+              <a:t>6/20/2023</a:t>
             </a:fld>
             <a:endParaRPr lang="en-US"/>
           </a:p>
@@ -2934,7 +2934,7 @@
           <a:p>
             <a:fld id="{71E31649-FBC0-46BF-9FA8-1C68919ABA2D}" type="datetimeFigureOut">
               <a:rPr lang="en-US" smtClean="0"/>
-              <a:t>6/16/2023</a:t>
+              <a:t>6/20/2023</a:t>
             </a:fld>
             <a:endParaRPr lang="en-US"/>
           </a:p>
@@ -25217,7 +25217,7 @@
         <p:spPr>
           <a:xfrm>
             <a:off x="198835" y="364720"/>
-            <a:ext cx="10049546" cy="584775"/>
+            <a:ext cx="6865982" cy="584775"/>
           </a:xfrm>
           <a:prstGeom prst="rect">
             <a:avLst/>
@@ -25234,7 +25234,7 @@
               <a:rPr lang="en-US" sz="3200" dirty="0">
                 <a:latin typeface="Berlin Sans FB Demi" panose="020E0802020502020306" pitchFamily="34" charset="0"/>
               </a:rPr>
-              <a:t>Broker and Consumer Communication in .NET Library</a:t>
+              <a:t>RabbitMQ .NET Library Architecture</a:t>
             </a:r>
           </a:p>
         </p:txBody>
@@ -25320,8 +25320,8 @@
         </p:nvSpPr>
         <p:spPr>
           <a:xfrm>
-            <a:off x="1351766" y="2767280"/>
-            <a:ext cx="9665396" cy="1323439"/>
+            <a:off x="838199" y="3362266"/>
+            <a:ext cx="9665396" cy="1015663"/>
           </a:xfrm>
           <a:prstGeom prst="rect">
             <a:avLst/>
@@ -25339,12 +25339,50 @@
               <a:rPr lang="en-US" sz="2000" dirty="0">
                 <a:latin typeface="Berlin Sans FB Demi" panose="020E0802020502020306" pitchFamily="34" charset="0"/>
               </a:rPr>
-              <a:t>RabbitMQ solves the problems of decoupling, asynchronicity, horizontal scaling of workers and can serve as a fault tolerant system. RabbitMQ solves these problems by serving as an intermediary that decouples applications and allows consumers to have full control over the number of processors, processing speed and error handling</a:t>
+              <a:t>RabbitMQ serves as an intermediary that decouples applications and allows consumers to have full control over the number of processors, processing speed and error handling</a:t>
             </a:r>
             <a:endParaRPr lang="en-US" sz="2000" b="0" i="0" dirty="0">
               <a:effectLst/>
               <a:latin typeface="Berlin Sans FB Demi" panose="020E0802020502020306" pitchFamily="34" charset="0"/>
             </a:endParaRPr>
+          </a:p>
+        </p:txBody>
+      </p:sp>
+      <p:sp>
+        <p:nvSpPr>
+          <p:cNvPr id="3" name="TextBox 2">
+            <a:extLst>
+              <a:ext uri="{FF2B5EF4-FFF2-40B4-BE49-F238E27FC236}">
+                <a16:creationId xmlns:a16="http://schemas.microsoft.com/office/drawing/2014/main" id="{B8ADADB9-DBEB-22F7-A1D7-82428FE0B0DF}"/>
+              </a:ext>
+            </a:extLst>
+          </p:cNvPr>
+          <p:cNvSpPr txBox="1"/>
+          <p:nvPr/>
+        </p:nvSpPr>
+        <p:spPr>
+          <a:xfrm>
+            <a:off x="838199" y="2092963"/>
+            <a:ext cx="9665396" cy="707886"/>
+          </a:xfrm>
+          <a:prstGeom prst="rect">
+            <a:avLst/>
+          </a:prstGeom>
+          <a:noFill/>
+        </p:spPr>
+        <p:txBody>
+          <a:bodyPr wrap="square" rtlCol="0">
+            <a:spAutoFit/>
+          </a:bodyPr>
+          <a:lstStyle/>
+          <a:p>
+            <a:pPr algn="l"/>
+            <a:r>
+              <a:rPr lang="en-US" sz="2000" dirty="0">
+                <a:latin typeface="Berlin Sans FB Demi" panose="020E0802020502020306" pitchFamily="34" charset="0"/>
+              </a:rPr>
+              <a:t>RabbitMQ solves the problems of decoupling, asynchronicity, horizontal scaling of workers and can serve as a fault tolerant system</a:t>
+            </a:r>
           </a:p>
         </p:txBody>
       </p:sp>
@@ -25358,6 +25396,146 @@
   <p:clrMapOvr>
     <a:masterClrMapping/>
   </p:clrMapOvr>
+  <p:timing>
+    <p:tnLst>
+      <p:par>
+        <p:cTn id="1" dur="indefinite" restart="never" nodeType="tmRoot">
+          <p:childTnLst>
+            <p:seq concurrent="1" nextAc="seek">
+              <p:cTn id="2" dur="indefinite" nodeType="mainSeq">
+                <p:childTnLst>
+                  <p:par>
+                    <p:cTn id="3" fill="hold">
+                      <p:stCondLst>
+                        <p:cond delay="indefinite"/>
+                      </p:stCondLst>
+                      <p:childTnLst>
+                        <p:par>
+                          <p:cTn id="4" fill="hold">
+                            <p:stCondLst>
+                              <p:cond delay="0"/>
+                            </p:stCondLst>
+                            <p:childTnLst>
+                              <p:par>
+                                <p:cTn id="5" presetID="10" presetClass="entr" presetSubtype="0" fill="hold" grpId="0" nodeType="clickEffect">
+                                  <p:stCondLst>
+                                    <p:cond delay="0"/>
+                                  </p:stCondLst>
+                                  <p:childTnLst>
+                                    <p:set>
+                                      <p:cBhvr>
+                                        <p:cTn id="6" dur="1" fill="hold">
+                                          <p:stCondLst>
+                                            <p:cond delay="0"/>
+                                          </p:stCondLst>
+                                        </p:cTn>
+                                        <p:tgtEl>
+                                          <p:spTgt spid="3"/>
+                                        </p:tgtEl>
+                                        <p:attrNameLst>
+                                          <p:attrName>style.visibility</p:attrName>
+                                        </p:attrNameLst>
+                                      </p:cBhvr>
+                                      <p:to>
+                                        <p:strVal val="visible"/>
+                                      </p:to>
+                                    </p:set>
+                                    <p:animEffect transition="in" filter="fade">
+                                      <p:cBhvr>
+                                        <p:cTn id="7" dur="500"/>
+                                        <p:tgtEl>
+                                          <p:spTgt spid="3"/>
+                                        </p:tgtEl>
+                                      </p:cBhvr>
+                                    </p:animEffect>
+                                  </p:childTnLst>
+                                </p:cTn>
+                              </p:par>
+                            </p:childTnLst>
+                          </p:cTn>
+                        </p:par>
+                      </p:childTnLst>
+                    </p:cTn>
+                  </p:par>
+                  <p:par>
+                    <p:cTn id="8" fill="hold">
+                      <p:stCondLst>
+                        <p:cond delay="indefinite"/>
+                      </p:stCondLst>
+                      <p:childTnLst>
+                        <p:par>
+                          <p:cTn id="9" fill="hold">
+                            <p:stCondLst>
+                              <p:cond delay="0"/>
+                            </p:stCondLst>
+                            <p:childTnLst>
+                              <p:par>
+                                <p:cTn id="10" presetID="10" presetClass="entr" presetSubtype="0" fill="hold" grpId="0" nodeType="clickEffect">
+                                  <p:stCondLst>
+                                    <p:cond delay="0"/>
+                                  </p:stCondLst>
+                                  <p:childTnLst>
+                                    <p:set>
+                                      <p:cBhvr>
+                                        <p:cTn id="11" dur="1" fill="hold">
+                                          <p:stCondLst>
+                                            <p:cond delay="0"/>
+                                          </p:stCondLst>
+                                        </p:cTn>
+                                        <p:tgtEl>
+                                          <p:spTgt spid="8"/>
+                                        </p:tgtEl>
+                                        <p:attrNameLst>
+                                          <p:attrName>style.visibility</p:attrName>
+                                        </p:attrNameLst>
+                                      </p:cBhvr>
+                                      <p:to>
+                                        <p:strVal val="visible"/>
+                                      </p:to>
+                                    </p:set>
+                                    <p:animEffect transition="in" filter="fade">
+                                      <p:cBhvr>
+                                        <p:cTn id="12" dur="500"/>
+                                        <p:tgtEl>
+                                          <p:spTgt spid="8"/>
+                                        </p:tgtEl>
+                                      </p:cBhvr>
+                                    </p:animEffect>
+                                  </p:childTnLst>
+                                </p:cTn>
+                              </p:par>
+                            </p:childTnLst>
+                          </p:cTn>
+                        </p:par>
+                      </p:childTnLst>
+                    </p:cTn>
+                  </p:par>
+                </p:childTnLst>
+              </p:cTn>
+              <p:prevCondLst>
+                <p:cond evt="onPrev" delay="0">
+                  <p:tgtEl>
+                    <p:sldTgt/>
+                  </p:tgtEl>
+                </p:cond>
+              </p:prevCondLst>
+              <p:nextCondLst>
+                <p:cond evt="onNext" delay="0">
+                  <p:tgtEl>
+                    <p:sldTgt/>
+                  </p:tgtEl>
+                </p:cond>
+              </p:nextCondLst>
+            </p:seq>
+          </p:childTnLst>
+        </p:cTn>
+      </p:par>
+    </p:tnLst>
+    <p:bldLst>
+      <p:bldP spid="8" grpId="0"/>
+      <p:bldP spid="3" grpId="0"/>
+    </p:bldLst>
+  </p:timing>
 </p:sld>
 </file>
 
@@ -25647,6 +25825,146 @@
   <p:clrMapOvr>
     <a:masterClrMapping/>
   </p:clrMapOvr>
+  <p:timing>
+    <p:tnLst>
+      <p:par>
+        <p:cTn id="1" dur="indefinite" restart="never" nodeType="tmRoot">
+          <p:childTnLst>
+            <p:seq concurrent="1" nextAc="seek">
+              <p:cTn id="2" dur="indefinite" nodeType="mainSeq">
+                <p:childTnLst>
+                  <p:par>
+                    <p:cTn id="3" fill="hold">
+                      <p:stCondLst>
+                        <p:cond delay="indefinite"/>
+                      </p:stCondLst>
+                      <p:childTnLst>
+                        <p:par>
+                          <p:cTn id="4" fill="hold">
+                            <p:stCondLst>
+                              <p:cond delay="0"/>
+                            </p:stCondLst>
+                            <p:childTnLst>
+                              <p:par>
+                                <p:cTn id="5" presetID="10" presetClass="entr" presetSubtype="0" fill="hold" grpId="0" nodeType="clickEffect">
+                                  <p:stCondLst>
+                                    <p:cond delay="0"/>
+                                  </p:stCondLst>
+                                  <p:childTnLst>
+                                    <p:set>
+                                      <p:cBhvr>
+                                        <p:cTn id="6" dur="1" fill="hold">
+                                          <p:stCondLst>
+                                            <p:cond delay="0"/>
+                                          </p:stCondLst>
+                                        </p:cTn>
+                                        <p:tgtEl>
+                                          <p:spTgt spid="8"/>
+                                        </p:tgtEl>
+                                        <p:attrNameLst>
+                                          <p:attrName>style.visibility</p:attrName>
+                                        </p:attrNameLst>
+                                      </p:cBhvr>
+                                      <p:to>
+                                        <p:strVal val="visible"/>
+                                      </p:to>
+                                    </p:set>
+                                    <p:animEffect transition="in" filter="fade">
+                                      <p:cBhvr>
+                                        <p:cTn id="7" dur="500"/>
+                                        <p:tgtEl>
+                                          <p:spTgt spid="8"/>
+                                        </p:tgtEl>
+                                      </p:cBhvr>
+                                    </p:animEffect>
+                                  </p:childTnLst>
+                                </p:cTn>
+                              </p:par>
+                            </p:childTnLst>
+                          </p:cTn>
+                        </p:par>
+                      </p:childTnLst>
+                    </p:cTn>
+                  </p:par>
+                  <p:par>
+                    <p:cTn id="8" fill="hold">
+                      <p:stCondLst>
+                        <p:cond delay="indefinite"/>
+                      </p:stCondLst>
+                      <p:childTnLst>
+                        <p:par>
+                          <p:cTn id="9" fill="hold">
+                            <p:stCondLst>
+                              <p:cond delay="0"/>
+                            </p:stCondLst>
+                            <p:childTnLst>
+                              <p:par>
+                                <p:cTn id="10" presetID="10" presetClass="entr" presetSubtype="0" fill="hold" grpId="0" nodeType="clickEffect">
+                                  <p:stCondLst>
+                                    <p:cond delay="0"/>
+                                  </p:stCondLst>
+                                  <p:childTnLst>
+                                    <p:set>
+                                      <p:cBhvr>
+                                        <p:cTn id="11" dur="1" fill="hold">
+                                          <p:stCondLst>
+                                            <p:cond delay="0"/>
+                                          </p:stCondLst>
+                                        </p:cTn>
+                                        <p:tgtEl>
+                                          <p:spTgt spid="5"/>
+                                        </p:tgtEl>
+                                        <p:attrNameLst>
+                                          <p:attrName>style.visibility</p:attrName>
+                                        </p:attrNameLst>
+                                      </p:cBhvr>
+                                      <p:to>
+                                        <p:strVal val="visible"/>
+                                      </p:to>
+                                    </p:set>
+                                    <p:animEffect transition="in" filter="fade">
+                                      <p:cBhvr>
+                                        <p:cTn id="12" dur="500"/>
+                                        <p:tgtEl>
+                                          <p:spTgt spid="5"/>
+                                        </p:tgtEl>
+                                      </p:cBhvr>
+                                    </p:animEffect>
+                                  </p:childTnLst>
+                                </p:cTn>
+                              </p:par>
+                            </p:childTnLst>
+                          </p:cTn>
+                        </p:par>
+                      </p:childTnLst>
+                    </p:cTn>
+                  </p:par>
+                </p:childTnLst>
+              </p:cTn>
+              <p:prevCondLst>
+                <p:cond evt="onPrev" delay="0">
+                  <p:tgtEl>
+                    <p:sldTgt/>
+                  </p:tgtEl>
+                </p:cond>
+              </p:prevCondLst>
+              <p:nextCondLst>
+                <p:cond evt="onNext" delay="0">
+                  <p:tgtEl>
+                    <p:sldTgt/>
+                  </p:tgtEl>
+                </p:cond>
+              </p:nextCondLst>
+            </p:seq>
+          </p:childTnLst>
+        </p:cTn>
+      </p:par>
+    </p:tnLst>
+    <p:bldLst>
+      <p:bldP spid="8" grpId="0"/>
+      <p:bldP spid="5" grpId="0"/>
+    </p:bldLst>
+  </p:timing>
 </p:sld>
 </file>
 
@@ -25718,8 +26036,8 @@
         </p:nvSpPr>
         <p:spPr>
           <a:xfrm>
-            <a:off x="838199" y="1753736"/>
-            <a:ext cx="10053181" cy="3170099"/>
+            <a:off x="838197" y="5275765"/>
+            <a:ext cx="10053181" cy="707886"/>
           </a:xfrm>
           <a:prstGeom prst="rect">
             <a:avLst/>
@@ -25737,7 +26055,121 @@
               <a:rPr lang="en-US" sz="2000" dirty="0">
                 <a:latin typeface="Berlin Sans FB Demi" panose="020E0802020502020306" pitchFamily="34" charset="0"/>
               </a:rPr>
-              <a:t>We saw that messages are published to exchanges which are components that route messages to one or more queues based on the message routing key and the queue binding key. We learned that each there are 4 types of exchanges that provide different routing rules to facilitate the delivery of messages to queues, which are essentially buffers on the RabbitMQ broker. Once a queue gets a message, one or more consumers handle the message and acknowledge the success or failure of processing by using acknowledgements. Finally, we saw that RabbitMQ has the concept of connections and channels which represent TCP connections and virtual connections within a connection, respectively. Messages are tied to channels when published or consumed and have a corresponding delivery tag for each channel they flow through.</a:t>
+              <a:t>Messages are tied to channels when published or consumed and have a corresponding delivery tag for each channel they flow through</a:t>
+            </a:r>
+          </a:p>
+        </p:txBody>
+      </p:sp>
+      <p:sp>
+        <p:nvSpPr>
+          <p:cNvPr id="6" name="TextBox 5">
+            <a:extLst>
+              <a:ext uri="{FF2B5EF4-FFF2-40B4-BE49-F238E27FC236}">
+                <a16:creationId xmlns:a16="http://schemas.microsoft.com/office/drawing/2014/main" id="{72D89EB3-7DD9-0FAE-5CF2-1D2786BE6E9E}"/>
+              </a:ext>
+            </a:extLst>
+          </p:cNvPr>
+          <p:cNvSpPr txBox="1"/>
+          <p:nvPr/>
+        </p:nvSpPr>
+        <p:spPr>
+          <a:xfrm>
+            <a:off x="838197" y="1682583"/>
+            <a:ext cx="10053181" cy="1015663"/>
+          </a:xfrm>
+          <a:prstGeom prst="rect">
+            <a:avLst/>
+          </a:prstGeom>
+          <a:noFill/>
+        </p:spPr>
+        <p:txBody>
+          <a:bodyPr wrap="square">
+            <a:spAutoFit/>
+          </a:bodyPr>
+          <a:lstStyle/>
+          <a:p>
+            <a:pPr algn="l"/>
+            <a:r>
+              <a:rPr lang="en-US" sz="2000" dirty="0">
+                <a:latin typeface="Berlin Sans FB Demi" panose="020E0802020502020306" pitchFamily="34" charset="0"/>
+              </a:rPr>
+              <a:t>There are 4 types of exchanges (direct, fanout, topic, header) that provide different routing rules to facilitate the delivery of messages to queues, which are essentially buffers on the RabbitMQ broker</a:t>
+            </a:r>
+          </a:p>
+        </p:txBody>
+      </p:sp>
+      <p:sp>
+        <p:nvSpPr>
+          <p:cNvPr id="7" name="TextBox 6">
+            <a:extLst>
+              <a:ext uri="{FF2B5EF4-FFF2-40B4-BE49-F238E27FC236}">
+                <a16:creationId xmlns:a16="http://schemas.microsoft.com/office/drawing/2014/main" id="{4CC0FCCE-2793-6B38-86D2-61D4C5F4474F}"/>
+              </a:ext>
+            </a:extLst>
+          </p:cNvPr>
+          <p:cNvSpPr txBox="1"/>
+          <p:nvPr/>
+        </p:nvSpPr>
+        <p:spPr>
+          <a:xfrm>
+            <a:off x="838197" y="3085495"/>
+            <a:ext cx="10053181" cy="707886"/>
+          </a:xfrm>
+          <a:prstGeom prst="rect">
+            <a:avLst/>
+          </a:prstGeom>
+          <a:noFill/>
+        </p:spPr>
+        <p:txBody>
+          <a:bodyPr wrap="square">
+            <a:spAutoFit/>
+          </a:bodyPr>
+          <a:lstStyle/>
+          <a:p>
+            <a:pPr algn="l"/>
+            <a:r>
+              <a:rPr lang="en-US" sz="2000" dirty="0">
+                <a:latin typeface="Berlin Sans FB Demi" panose="020E0802020502020306" pitchFamily="34" charset="0"/>
+              </a:rPr>
+              <a:t>Once a queue gets a message, one or more consumers handle the message and acknowledge the success or failure of processing by using acknowledgements</a:t>
+            </a:r>
+          </a:p>
+        </p:txBody>
+      </p:sp>
+      <p:sp>
+        <p:nvSpPr>
+          <p:cNvPr id="8" name="TextBox 7">
+            <a:extLst>
+              <a:ext uri="{FF2B5EF4-FFF2-40B4-BE49-F238E27FC236}">
+                <a16:creationId xmlns:a16="http://schemas.microsoft.com/office/drawing/2014/main" id="{8BD5A7AD-620C-0C96-7889-DF189CDC85D8}"/>
+              </a:ext>
+            </a:extLst>
+          </p:cNvPr>
+          <p:cNvSpPr txBox="1"/>
+          <p:nvPr/>
+        </p:nvSpPr>
+        <p:spPr>
+          <a:xfrm>
+            <a:off x="838197" y="4180630"/>
+            <a:ext cx="10053181" cy="707886"/>
+          </a:xfrm>
+          <a:prstGeom prst="rect">
+            <a:avLst/>
+          </a:prstGeom>
+          <a:noFill/>
+        </p:spPr>
+        <p:txBody>
+          <a:bodyPr wrap="square">
+            <a:spAutoFit/>
+          </a:bodyPr>
+          <a:lstStyle/>
+          <a:p>
+            <a:pPr algn="l"/>
+            <a:r>
+              <a:rPr lang="en-US" sz="2000" dirty="0">
+                <a:latin typeface="Berlin Sans FB Demi" panose="020E0802020502020306" pitchFamily="34" charset="0"/>
+              </a:rPr>
+              <a:t>RabbitMQ has the concept of connections and channels which represent TCP connections and virtual connections</a:t>
             </a:r>
           </a:p>
         </p:txBody>
@@ -25752,6 +26184,254 @@
   <p:clrMapOvr>
     <a:masterClrMapping/>
   </p:clrMapOvr>
+  <p:timing>
+    <p:tnLst>
+      <p:par>
+        <p:cTn id="1" dur="indefinite" restart="never" nodeType="tmRoot">
+          <p:childTnLst>
+            <p:seq concurrent="1" nextAc="seek">
+              <p:cTn id="2" dur="indefinite" nodeType="mainSeq">
+                <p:childTnLst>
+                  <p:par>
+                    <p:cTn id="3" fill="hold">
+                      <p:stCondLst>
+                        <p:cond delay="indefinite"/>
+                      </p:stCondLst>
+                      <p:childTnLst>
+                        <p:par>
+                          <p:cTn id="4" fill="hold">
+                            <p:stCondLst>
+                              <p:cond delay="0"/>
+                            </p:stCondLst>
+                            <p:childTnLst>
+                              <p:par>
+                                <p:cTn id="5" presetID="10" presetClass="entr" presetSubtype="0" fill="hold" grpId="0" nodeType="clickEffect">
+                                  <p:stCondLst>
+                                    <p:cond delay="0"/>
+                                  </p:stCondLst>
+                                  <p:childTnLst>
+                                    <p:set>
+                                      <p:cBhvr>
+                                        <p:cTn id="6" dur="1" fill="hold">
+                                          <p:stCondLst>
+                                            <p:cond delay="0"/>
+                                          </p:stCondLst>
+                                        </p:cTn>
+                                        <p:tgtEl>
+                                          <p:spTgt spid="6"/>
+                                        </p:tgtEl>
+                                        <p:attrNameLst>
+                                          <p:attrName>style.visibility</p:attrName>
+                                        </p:attrNameLst>
+                                      </p:cBhvr>
+                                      <p:to>
+                                        <p:strVal val="visible"/>
+                                      </p:to>
+                                    </p:set>
+                                    <p:animEffect transition="in" filter="fade">
+                                      <p:cBhvr>
+                                        <p:cTn id="7" dur="500"/>
+                                        <p:tgtEl>
+                                          <p:spTgt spid="6"/>
+                                        </p:tgtEl>
+                                      </p:cBhvr>
+                                    </p:animEffect>
+                                  </p:childTnLst>
+                                </p:cTn>
+                              </p:par>
+                            </p:childTnLst>
+                          </p:cTn>
+                        </p:par>
+                      </p:childTnLst>
+                    </p:cTn>
+                  </p:par>
+                  <p:par>
+                    <p:cTn id="8" fill="hold">
+                      <p:stCondLst>
+                        <p:cond delay="indefinite"/>
+                      </p:stCondLst>
+                      <p:childTnLst>
+                        <p:par>
+                          <p:cTn id="9" fill="hold">
+                            <p:stCondLst>
+                              <p:cond delay="0"/>
+                            </p:stCondLst>
+                            <p:childTnLst>
+                              <p:par>
+                                <p:cTn id="10" presetID="10" presetClass="entr" presetSubtype="0" fill="hold" grpId="0" nodeType="clickEffect">
+                                  <p:stCondLst>
+                                    <p:cond delay="0"/>
+                                  </p:stCondLst>
+                                  <p:childTnLst>
+                                    <p:set>
+                                      <p:cBhvr>
+                                        <p:cTn id="11" dur="1" fill="hold">
+                                          <p:stCondLst>
+                                            <p:cond delay="0"/>
+                                          </p:stCondLst>
+                                        </p:cTn>
+                                        <p:tgtEl>
+                                          <p:spTgt spid="7"/>
+                                        </p:tgtEl>
+                                        <p:attrNameLst>
+                                          <p:attrName>style.visibility</p:attrName>
+                                        </p:attrNameLst>
+                                      </p:cBhvr>
+                                      <p:to>
+                                        <p:strVal val="visible"/>
+                                      </p:to>
+                                    </p:set>
+                                    <p:animEffect transition="in" filter="fade">
+                                      <p:cBhvr>
+                                        <p:cTn id="12" dur="500"/>
+                                        <p:tgtEl>
+                                          <p:spTgt spid="7"/>
+                                        </p:tgtEl>
+                                      </p:cBhvr>
+                                    </p:animEffect>
+                                  </p:childTnLst>
+                                </p:cTn>
+                              </p:par>
+                            </p:childTnLst>
+                          </p:cTn>
+                        </p:par>
+                      </p:childTnLst>
+                    </p:cTn>
+                  </p:par>
+                  <p:par>
+                    <p:cTn id="13" fill="hold">
+                      <p:stCondLst>
+                        <p:cond delay="indefinite"/>
+                      </p:stCondLst>
+                      <p:childTnLst>
+                        <p:par>
+                          <p:cTn id="14" fill="hold">
+                            <p:stCondLst>
+                              <p:cond delay="0"/>
+                            </p:stCondLst>
+                            <p:childTnLst>
+                              <p:par>
+                                <p:cTn id="15" presetID="10" presetClass="entr" presetSubtype="0" fill="hold" grpId="0" nodeType="clickEffect">
+                                  <p:stCondLst>
+                                    <p:cond delay="0"/>
+                                  </p:stCondLst>
+                                  <p:childTnLst>
+                                    <p:set>
+                                      <p:cBhvr>
+                                        <p:cTn id="16" dur="1" fill="hold">
+                                          <p:stCondLst>
+                                            <p:cond delay="0"/>
+                                          </p:stCondLst>
+                                        </p:cTn>
+                                        <p:tgtEl>
+                                          <p:spTgt spid="8"/>
+                                        </p:tgtEl>
+                                        <p:attrNameLst>
+                                          <p:attrName>style.visibility</p:attrName>
+                                        </p:attrNameLst>
+                                      </p:cBhvr>
+                                      <p:to>
+                                        <p:strVal val="visible"/>
+                                      </p:to>
+                                    </p:set>
+                                    <p:animEffect transition="in" filter="fade">
+                                      <p:cBhvr>
+                                        <p:cTn id="17" dur="500"/>
+                                        <p:tgtEl>
+                                          <p:spTgt spid="8"/>
+                                        </p:tgtEl>
+                                      </p:cBhvr>
+                                    </p:animEffect>
+                                  </p:childTnLst>
+                                </p:cTn>
+                              </p:par>
+                            </p:childTnLst>
+                          </p:cTn>
+                        </p:par>
+                      </p:childTnLst>
+                    </p:cTn>
+                  </p:par>
+                  <p:par>
+                    <p:cTn id="18" fill="hold">
+                      <p:stCondLst>
+                        <p:cond delay="indefinite"/>
+                      </p:stCondLst>
+                      <p:childTnLst>
+                        <p:par>
+                          <p:cTn id="19" fill="hold">
+                            <p:stCondLst>
+                              <p:cond delay="0"/>
+                            </p:stCondLst>
+                            <p:childTnLst>
+                              <p:par>
+                                <p:cTn id="20" presetID="10" presetClass="entr" presetSubtype="0" fill="hold" grpId="0" nodeType="clickEffect">
+                                  <p:stCondLst>
+                                    <p:cond delay="0"/>
+                                  </p:stCondLst>
+                                  <p:childTnLst>
+                                    <p:set>
+                                      <p:cBhvr>
+                                        <p:cTn id="21" dur="1" fill="hold">
+                                          <p:stCondLst>
+                                            <p:cond delay="0"/>
+                                          </p:stCondLst>
+                                        </p:cTn>
+                                        <p:tgtEl>
+                                          <p:spTgt spid="4"/>
+                                        </p:tgtEl>
+                                        <p:attrNameLst>
+                                          <p:attrName>style.visibility</p:attrName>
+                                        </p:attrNameLst>
+                                      </p:cBhvr>
+                                      <p:to>
+                                        <p:strVal val="visible"/>
+                                      </p:to>
+                                    </p:set>
+                                    <p:animEffect transition="in" filter="fade">
+                                      <p:cBhvr>
+                                        <p:cTn id="22" dur="500"/>
+                                        <p:tgtEl>
+                                          <p:spTgt spid="4"/>
+                                        </p:tgtEl>
+                                      </p:cBhvr>
+                                    </p:animEffect>
+                                  </p:childTnLst>
+                                </p:cTn>
+                              </p:par>
+                            </p:childTnLst>
+                          </p:cTn>
+                        </p:par>
+                      </p:childTnLst>
+                    </p:cTn>
+                  </p:par>
+                </p:childTnLst>
+              </p:cTn>
+              <p:prevCondLst>
+                <p:cond evt="onPrev" delay="0">
+                  <p:tgtEl>
+                    <p:sldTgt/>
+                  </p:tgtEl>
+                </p:cond>
+              </p:prevCondLst>
+              <p:nextCondLst>
+                <p:cond evt="onNext" delay="0">
+                  <p:tgtEl>
+                    <p:sldTgt/>
+                  </p:tgtEl>
+                </p:cond>
+              </p:nextCondLst>
+            </p:seq>
+          </p:childTnLst>
+        </p:cTn>
+      </p:par>
+    </p:tnLst>
+    <p:bldLst>
+      <p:bldP spid="4" grpId="0"/>
+      <p:bldP spid="6" grpId="0"/>
+      <p:bldP spid="7" grpId="0"/>
+      <p:bldP spid="8" grpId="0"/>
+    </p:bldLst>
+  </p:timing>
 </p:sld>
 </file>
 
@@ -25823,8 +26503,8 @@
         </p:nvSpPr>
         <p:spPr>
           <a:xfrm>
-            <a:off x="838199" y="1753736"/>
-            <a:ext cx="10053181" cy="2554545"/>
+            <a:off x="838198" y="1753736"/>
+            <a:ext cx="10053181" cy="1015663"/>
           </a:xfrm>
           <a:prstGeom prst="rect">
             <a:avLst/>
@@ -25842,7 +26522,83 @@
               <a:rPr lang="en-US" sz="2000" dirty="0">
                 <a:latin typeface="Berlin Sans FB Demi" panose="020E0802020502020306" pitchFamily="34" charset="0"/>
               </a:rPr>
-              <a:t>We first understood the architecture in the .NET RabbitMQ library. We learned that the C# library uses System.Net.Sockets for reading and writing data to RabbitMQ and that it utilizes a single read loop and a single write loop controlled by System.Threading.Channels. We then saw how to use the .NET RabbitMQ library which gives users full control but on the other hand requires a good understanding of RabbitMQ. Because of this, we tried using the popular .NET library called EasyNetQ, which simplifies the things and makes producing and consuming messages very easy by providing an object-oriented approach to messaging.</a:t>
+              <a:t>The .NET RabbitMQ library uses System.Net.Sockets for reading and writing data to the broker and that it utilizes a single read loop and a single write loop controlled by System.Threading.Channels</a:t>
+            </a:r>
+          </a:p>
+        </p:txBody>
+      </p:sp>
+      <p:sp>
+        <p:nvSpPr>
+          <p:cNvPr id="3" name="TextBox 2">
+            <a:extLst>
+              <a:ext uri="{FF2B5EF4-FFF2-40B4-BE49-F238E27FC236}">
+                <a16:creationId xmlns:a16="http://schemas.microsoft.com/office/drawing/2014/main" id="{D7BD4854-6F69-651D-F850-B06E535AA1C3}"/>
+              </a:ext>
+            </a:extLst>
+          </p:cNvPr>
+          <p:cNvSpPr txBox="1"/>
+          <p:nvPr/>
+        </p:nvSpPr>
+        <p:spPr>
+          <a:xfrm>
+            <a:off x="838198" y="4592969"/>
+            <a:ext cx="10053181" cy="1015663"/>
+          </a:xfrm>
+          <a:prstGeom prst="rect">
+            <a:avLst/>
+          </a:prstGeom>
+          <a:noFill/>
+        </p:spPr>
+        <p:txBody>
+          <a:bodyPr wrap="square">
+            <a:spAutoFit/>
+          </a:bodyPr>
+          <a:lstStyle/>
+          <a:p>
+            <a:pPr algn="l"/>
+            <a:r>
+              <a:rPr lang="en-US" sz="2000" dirty="0">
+                <a:latin typeface="Berlin Sans FB Demi" panose="020E0802020502020306" pitchFamily="34" charset="0"/>
+              </a:rPr>
+              <a:t>We tried using the popular .NET library called EasyNetQ, which simplifies the things and makes producing and consuming messages very easy by providing an object-oriented approach to messaging.</a:t>
+            </a:r>
+          </a:p>
+        </p:txBody>
+      </p:sp>
+      <p:sp>
+        <p:nvSpPr>
+          <p:cNvPr id="5" name="TextBox 4">
+            <a:extLst>
+              <a:ext uri="{FF2B5EF4-FFF2-40B4-BE49-F238E27FC236}">
+                <a16:creationId xmlns:a16="http://schemas.microsoft.com/office/drawing/2014/main" id="{7FD8CE8C-5870-FE35-7CAA-FD2B12891380}"/>
+              </a:ext>
+            </a:extLst>
+          </p:cNvPr>
+          <p:cNvSpPr txBox="1"/>
+          <p:nvPr/>
+        </p:nvSpPr>
+        <p:spPr>
+          <a:xfrm>
+            <a:off x="838198" y="3327241"/>
+            <a:ext cx="10053181" cy="707886"/>
+          </a:xfrm>
+          <a:prstGeom prst="rect">
+            <a:avLst/>
+          </a:prstGeom>
+          <a:noFill/>
+        </p:spPr>
+        <p:txBody>
+          <a:bodyPr wrap="square">
+            <a:spAutoFit/>
+          </a:bodyPr>
+          <a:lstStyle/>
+          <a:p>
+            <a:pPr algn="l"/>
+            <a:r>
+              <a:rPr lang="en-US" sz="2000" dirty="0">
+                <a:latin typeface="Berlin Sans FB Demi" panose="020E0802020502020306" pitchFamily="34" charset="0"/>
+              </a:rPr>
+              <a:t>We then saw how to use the .NET RabbitMQ library which, on one hand, gives users full control but on the other hand requires a good understanding of RabbitMQ</a:t>
             </a:r>
           </a:p>
         </p:txBody>
@@ -25857,6 +26613,200 @@
   <p:clrMapOvr>
     <a:masterClrMapping/>
   </p:clrMapOvr>
+  <p:timing>
+    <p:tnLst>
+      <p:par>
+        <p:cTn id="1" dur="indefinite" restart="never" nodeType="tmRoot">
+          <p:childTnLst>
+            <p:seq concurrent="1" nextAc="seek">
+              <p:cTn id="2" dur="indefinite" nodeType="mainSeq">
+                <p:childTnLst>
+                  <p:par>
+                    <p:cTn id="3" fill="hold">
+                      <p:stCondLst>
+                        <p:cond delay="indefinite"/>
+                      </p:stCondLst>
+                      <p:childTnLst>
+                        <p:par>
+                          <p:cTn id="4" fill="hold">
+                            <p:stCondLst>
+                              <p:cond delay="0"/>
+                            </p:stCondLst>
+                            <p:childTnLst>
+                              <p:par>
+                                <p:cTn id="5" presetID="10" presetClass="entr" presetSubtype="0" fill="hold" grpId="0" nodeType="clickEffect">
+                                  <p:stCondLst>
+                                    <p:cond delay="0"/>
+                                  </p:stCondLst>
+                                  <p:childTnLst>
+                                    <p:set>
+                                      <p:cBhvr>
+                                        <p:cTn id="6" dur="1" fill="hold">
+                                          <p:stCondLst>
+                                            <p:cond delay="0"/>
+                                          </p:stCondLst>
+                                        </p:cTn>
+                                        <p:tgtEl>
+                                          <p:spTgt spid="4"/>
+                                        </p:tgtEl>
+                                        <p:attrNameLst>
+                                          <p:attrName>style.visibility</p:attrName>
+                                        </p:attrNameLst>
+                                      </p:cBhvr>
+                                      <p:to>
+                                        <p:strVal val="visible"/>
+                                      </p:to>
+                                    </p:set>
+                                    <p:animEffect transition="in" filter="fade">
+                                      <p:cBhvr>
+                                        <p:cTn id="7" dur="500"/>
+                                        <p:tgtEl>
+                                          <p:spTgt spid="4"/>
+                                        </p:tgtEl>
+                                      </p:cBhvr>
+                                    </p:animEffect>
+                                  </p:childTnLst>
+                                </p:cTn>
+                              </p:par>
+                            </p:childTnLst>
+                          </p:cTn>
+                        </p:par>
+                      </p:childTnLst>
+                    </p:cTn>
+                  </p:par>
+                  <p:par>
+                    <p:cTn id="8" fill="hold">
+                      <p:stCondLst>
+                        <p:cond delay="indefinite"/>
+                      </p:stCondLst>
+                      <p:childTnLst>
+                        <p:par>
+                          <p:cTn id="9" fill="hold">
+                            <p:stCondLst>
+                              <p:cond delay="0"/>
+                            </p:stCondLst>
+                            <p:childTnLst>
+                              <p:par>
+                                <p:cTn id="10" presetID="10" presetClass="entr" presetSubtype="0" fill="hold" grpId="0" nodeType="clickEffect">
+                                  <p:stCondLst>
+                                    <p:cond delay="0"/>
+                                  </p:stCondLst>
+                                  <p:childTnLst>
+                                    <p:set>
+                                      <p:cBhvr>
+                                        <p:cTn id="11" dur="1" fill="hold">
+                                          <p:stCondLst>
+                                            <p:cond delay="0"/>
+                                          </p:stCondLst>
+                                        </p:cTn>
+                                        <p:tgtEl>
+                                          <p:spTgt spid="5"/>
+                                        </p:tgtEl>
+                                        <p:attrNameLst>
+                                          <p:attrName>style.visibility</p:attrName>
+                                        </p:attrNameLst>
+                                      </p:cBhvr>
+                                      <p:to>
+                                        <p:strVal val="visible"/>
+                                      </p:to>
+                                    </p:set>
+                                    <p:animEffect transition="in" filter="fade">
+                                      <p:cBhvr>
+                                        <p:cTn id="12" dur="500"/>
+                                        <p:tgtEl>
+                                          <p:spTgt spid="5"/>
+                                        </p:tgtEl>
+                                      </p:cBhvr>
+                                    </p:animEffect>
+                                  </p:childTnLst>
+                                </p:cTn>
+                              </p:par>
+                            </p:childTnLst>
+                          </p:cTn>
+                        </p:par>
+                      </p:childTnLst>
+                    </p:cTn>
+                  </p:par>
+                  <p:par>
+                    <p:cTn id="13" fill="hold">
+                      <p:stCondLst>
+                        <p:cond delay="indefinite"/>
+                      </p:stCondLst>
+                      <p:childTnLst>
+                        <p:par>
+                          <p:cTn id="14" fill="hold">
+                            <p:stCondLst>
+                              <p:cond delay="0"/>
+                            </p:stCondLst>
+                            <p:childTnLst>
+                              <p:par>
+                                <p:cTn id="15" presetID="10" presetClass="entr" presetSubtype="0" fill="hold" grpId="0" nodeType="clickEffect">
+                                  <p:stCondLst>
+                                    <p:cond delay="0"/>
+                                  </p:stCondLst>
+                                  <p:childTnLst>
+                                    <p:set>
+                                      <p:cBhvr>
+                                        <p:cTn id="16" dur="1" fill="hold">
+                                          <p:stCondLst>
+                                            <p:cond delay="0"/>
+                                          </p:stCondLst>
+                                        </p:cTn>
+                                        <p:tgtEl>
+                                          <p:spTgt spid="3"/>
+                                        </p:tgtEl>
+                                        <p:attrNameLst>
+                                          <p:attrName>style.visibility</p:attrName>
+                                        </p:attrNameLst>
+                                      </p:cBhvr>
+                                      <p:to>
+                                        <p:strVal val="visible"/>
+                                      </p:to>
+                                    </p:set>
+                                    <p:animEffect transition="in" filter="fade">
+                                      <p:cBhvr>
+                                        <p:cTn id="17" dur="500"/>
+                                        <p:tgtEl>
+                                          <p:spTgt spid="3"/>
+                                        </p:tgtEl>
+                                      </p:cBhvr>
+                                    </p:animEffect>
+                                  </p:childTnLst>
+                                </p:cTn>
+                              </p:par>
+                            </p:childTnLst>
+                          </p:cTn>
+                        </p:par>
+                      </p:childTnLst>
+                    </p:cTn>
+                  </p:par>
+                </p:childTnLst>
+              </p:cTn>
+              <p:prevCondLst>
+                <p:cond evt="onPrev" delay="0">
+                  <p:tgtEl>
+                    <p:sldTgt/>
+                  </p:tgtEl>
+                </p:cond>
+              </p:prevCondLst>
+              <p:nextCondLst>
+                <p:cond evt="onNext" delay="0">
+                  <p:tgtEl>
+                    <p:sldTgt/>
+                  </p:tgtEl>
+                </p:cond>
+              </p:nextCondLst>
+            </p:seq>
+          </p:childTnLst>
+        </p:cTn>
+      </p:par>
+    </p:tnLst>
+    <p:bldLst>
+      <p:bldP spid="4" grpId="0"/>
+      <p:bldP spid="3" grpId="0"/>
+      <p:bldP spid="5" grpId="0"/>
+    </p:bldLst>
+  </p:timing>
 </p:sld>
 </file>
 
@@ -26064,10 +27014,10 @@
         </p:nvGrpSpPr>
         <p:grpSpPr>
           <a:xfrm>
-            <a:off x="838200" y="2902899"/>
-            <a:ext cx="10879898" cy="1200329"/>
-            <a:chOff x="838200" y="3030015"/>
-            <a:chExt cx="10879898" cy="1200329"/>
+            <a:off x="838199" y="2902899"/>
+            <a:ext cx="10879899" cy="1200329"/>
+            <a:chOff x="838199" y="3030015"/>
+            <a:chExt cx="10879899" cy="1200329"/>
           </a:xfrm>
         </p:grpSpPr>
         <p:sp>
@@ -26141,7 +27091,7 @@
           </p:blipFill>
           <p:spPr>
             <a:xfrm>
-              <a:off x="838200" y="3117749"/>
+              <a:off x="838199" y="3302415"/>
               <a:ext cx="655529" cy="655529"/>
             </a:xfrm>
             <a:prstGeom prst="rect">
@@ -29425,6 +30375,53 @@
           </a:p>
         </p:txBody>
       </p:sp>
+      <p:pic>
+        <p:nvPicPr>
+          <p:cNvPr id="3" name="Picture 2" descr="RabbitMQ&quot; Icon - Download for free – Iconduck">
+            <a:extLst>
+              <a:ext uri="{FF2B5EF4-FFF2-40B4-BE49-F238E27FC236}">
+                <a16:creationId xmlns:a16="http://schemas.microsoft.com/office/drawing/2014/main" id="{BE73AF80-5CB8-6675-797C-8159D973F27E}"/>
+              </a:ext>
+            </a:extLst>
+          </p:cNvPr>
+          <p:cNvPicPr>
+            <a:picLocks noChangeAspect="1" noChangeArrowheads="1"/>
+          </p:cNvPicPr>
+          <p:nvPr/>
+        </p:nvPicPr>
+        <p:blipFill>
+          <a:blip r:embed="rId2">
+            <a:extLst>
+              <a:ext uri="{28A0092B-C50C-407E-A947-70E740481C1C}">
+                <a14:useLocalDpi xmlns:a14="http://schemas.microsoft.com/office/drawing/2010/main" val="0"/>
+              </a:ext>
+            </a:extLst>
+          </a:blip>
+          <a:srcRect/>
+          <a:stretch>
+            <a:fillRect/>
+          </a:stretch>
+        </p:blipFill>
+        <p:spPr bwMode="auto">
+          <a:xfrm>
+            <a:off x="8545885" y="4057403"/>
+            <a:ext cx="420273" cy="445335"/>
+          </a:xfrm>
+          <a:prstGeom prst="rect">
+            <a:avLst/>
+          </a:prstGeom>
+          <a:noFill/>
+          <a:extLst>
+            <a:ext uri="{909E8E84-426E-40DD-AFC4-6F175D3DCCD1}">
+              <a14:hiddenFill xmlns:a14="http://schemas.microsoft.com/office/drawing/2010/main">
+                <a:solidFill>
+                  <a:srgbClr val="FFFFFF"/>
+                </a:solidFill>
+              </a14:hiddenFill>
+            </a:ext>
+          </a:extLst>
+        </p:spPr>
+      </p:pic>
     </p:spTree>
     <p:extLst>
       <p:ext uri="{BB962C8B-B14F-4D97-AF65-F5344CB8AC3E}">

--- a/Docs/RabbitMQ.pptx
+++ b/Docs/RabbitMQ.pptx
@@ -11234,11 +11234,14 @@
         </p:nvSpPr>
         <p:spPr>
           <a:xfrm rot="16200000" flipV="1">
-            <a:off x="8017437" y="1557433"/>
-            <a:ext cx="116700" cy="302775"/>
+            <a:off x="7903720" y="1595893"/>
+            <a:ext cx="185460" cy="194100"/>
           </a:xfrm>
           <a:prstGeom prst="rightBrace">
-            <a:avLst/>
+            <a:avLst>
+              <a:gd name="adj1" fmla="val 8333"/>
+              <a:gd name="adj2" fmla="val 54446"/>
+            </a:avLst>
           </a:prstGeom>
           <a:noFill/>
           <a:ln w="12700">
@@ -12978,7 +12981,7 @@
         </p:nvSpPr>
         <p:spPr>
           <a:xfrm>
-            <a:off x="9556082" y="1536508"/>
+            <a:off x="9479636" y="1559475"/>
             <a:ext cx="169102" cy="567845"/>
           </a:xfrm>
           <a:prstGeom prst="roundRect">
@@ -13154,11 +13157,14 @@
         </p:nvSpPr>
         <p:spPr>
           <a:xfrm rot="16200000" flipV="1">
-            <a:off x="8017437" y="1557433"/>
-            <a:ext cx="116700" cy="302775"/>
+            <a:off x="7991668" y="1488338"/>
+            <a:ext cx="203665" cy="406511"/>
           </a:xfrm>
           <a:prstGeom prst="rightBrace">
-            <a:avLst/>
+            <a:avLst>
+              <a:gd name="adj1" fmla="val 8333"/>
+              <a:gd name="adj2" fmla="val 50743"/>
+            </a:avLst>
           </a:prstGeom>
           <a:noFill/>
           <a:ln w="12700">
@@ -13293,6 +13299,113 @@
               </a:rPr>
               <a:t>Prefetch size: the amount of unacknowledged data a consumer can receive from a queue at a time</a:t>
             </a:r>
+          </a:p>
+        </p:txBody>
+      </p:sp>
+      <p:sp>
+        <p:nvSpPr>
+          <p:cNvPr id="8" name="Rectangle: Rounded Corners 7">
+            <a:extLst>
+              <a:ext uri="{FF2B5EF4-FFF2-40B4-BE49-F238E27FC236}">
+                <a16:creationId xmlns:a16="http://schemas.microsoft.com/office/drawing/2014/main" id="{BC22854C-001D-3721-52B3-9261EC0F6465}"/>
+              </a:ext>
+            </a:extLst>
+          </p:cNvPr>
+          <p:cNvSpPr/>
+          <p:nvPr/>
+        </p:nvSpPr>
+        <p:spPr>
+          <a:xfrm>
+            <a:off x="8161809" y="1909457"/>
+            <a:ext cx="169102" cy="567845"/>
+          </a:xfrm>
+          <a:prstGeom prst="roundRect">
+            <a:avLst/>
+          </a:prstGeom>
+          <a:solidFill>
+            <a:schemeClr val="accent4">
+              <a:lumMod val="20000"/>
+              <a:lumOff val="80000"/>
+            </a:schemeClr>
+          </a:solidFill>
+          <a:ln>
+            <a:noFill/>
+          </a:ln>
+        </p:spPr>
+        <p:style>
+          <a:lnRef idx="2">
+            <a:schemeClr val="accent1">
+              <a:shade val="15000"/>
+            </a:schemeClr>
+          </a:lnRef>
+          <a:fillRef idx="1">
+            <a:schemeClr val="accent1"/>
+          </a:fillRef>
+          <a:effectRef idx="0">
+            <a:schemeClr val="accent1"/>
+          </a:effectRef>
+          <a:fontRef idx="minor">
+            <a:schemeClr val="lt1"/>
+          </a:fontRef>
+        </p:style>
+        <p:txBody>
+          <a:bodyPr rtlCol="0" anchor="ctr"/>
+          <a:lstStyle/>
+          <a:p>
+            <a:pPr algn="ctr"/>
+            <a:endParaRPr lang="en-US" dirty="0"/>
+          </a:p>
+        </p:txBody>
+      </p:sp>
+      <p:sp>
+        <p:nvSpPr>
+          <p:cNvPr id="9" name="Rectangle: Rounded Corners 8">
+            <a:extLst>
+              <a:ext uri="{FF2B5EF4-FFF2-40B4-BE49-F238E27FC236}">
+                <a16:creationId xmlns:a16="http://schemas.microsoft.com/office/drawing/2014/main" id="{2CBB05CD-822A-9314-8DB9-C92BFBB9C49D}"/>
+              </a:ext>
+            </a:extLst>
+          </p:cNvPr>
+          <p:cNvSpPr/>
+          <p:nvPr/>
+        </p:nvSpPr>
+        <p:spPr>
+          <a:xfrm>
+            <a:off x="9704641" y="1559476"/>
+            <a:ext cx="169102" cy="567845"/>
+          </a:xfrm>
+          <a:prstGeom prst="roundRect">
+            <a:avLst/>
+          </a:prstGeom>
+          <a:solidFill>
+            <a:schemeClr val="accent2"/>
+          </a:solidFill>
+          <a:ln>
+            <a:noFill/>
+          </a:ln>
+        </p:spPr>
+        <p:style>
+          <a:lnRef idx="2">
+            <a:schemeClr val="accent1">
+              <a:shade val="15000"/>
+            </a:schemeClr>
+          </a:lnRef>
+          <a:fillRef idx="1">
+            <a:schemeClr val="accent1"/>
+          </a:fillRef>
+          <a:effectRef idx="0">
+            <a:schemeClr val="accent1"/>
+          </a:effectRef>
+          <a:fontRef idx="minor">
+            <a:schemeClr val="lt1"/>
+          </a:fontRef>
+        </p:style>
+        <p:txBody>
+          <a:bodyPr rtlCol="0" anchor="ctr"/>
+          <a:lstStyle/>
+          <a:p>
+            <a:pPr algn="ctr"/>
+            <a:endParaRPr lang="en-US" dirty="0"/>
           </a:p>
         </p:txBody>
       </p:sp>
@@ -13567,7 +13680,7 @@
         <p:spPr>
           <a:xfrm>
             <a:off x="516071" y="4185899"/>
-            <a:ext cx="11159858" cy="1077218"/>
+            <a:ext cx="11159858" cy="769441"/>
           </a:xfrm>
           <a:prstGeom prst="rect">
             <a:avLst/>
@@ -13593,7 +13706,7 @@
               <a:rPr lang="en-US" sz="2000" dirty="0">
                 <a:latin typeface="Berlin Sans FB Demi" panose="020E0802020502020306" pitchFamily="34" charset="0"/>
               </a:rPr>
-              <a:t>Using acknowledgements guarantees “at least once” delivery, not using acknowledgements guarantees “at most once” delivery</a:t>
+              <a:t>Messages can be delivered multiple times</a:t>
             </a:r>
           </a:p>
         </p:txBody>
@@ -13630,16 +13743,15 @@
               <a:rPr lang="en-US" sz="2400" dirty="0">
                 <a:latin typeface="Berlin Sans FB Demi" panose="020E0802020502020306" pitchFamily="34" charset="0"/>
               </a:rPr>
-              <a:t>Durability</a:t>
+              <a:t>Data Loss</a:t>
             </a:r>
           </a:p>
           <a:p>
-            <a:pPr algn="l"/>
             <a:r>
               <a:rPr lang="en-US" sz="2000" dirty="0">
                 <a:latin typeface="Berlin Sans FB Demi" panose="020E0802020502020306" pitchFamily="34" charset="0"/>
               </a:rPr>
-              <a:t>Messages and queues can be either transient or durable. If one or both are transient, data loss is possible</a:t>
+              <a:t>Messages can be transient or persistent. Queues can be transient or durable. Data loss is possible unless messages are persistent and queues are durable</a:t>
             </a:r>
           </a:p>
         </p:txBody>
@@ -15001,7 +15113,7 @@
         </p:nvSpPr>
         <p:spPr>
           <a:xfrm>
-            <a:off x="1342960" y="4842289"/>
+            <a:off x="1299947" y="4406651"/>
             <a:ext cx="9592106" cy="400110"/>
           </a:xfrm>
           <a:prstGeom prst="rect">
@@ -17793,7 +17905,7 @@
         <p:spPr>
           <a:xfrm>
             <a:off x="198835" y="364720"/>
-            <a:ext cx="6519734" cy="584775"/>
+            <a:ext cx="10189008" cy="584775"/>
           </a:xfrm>
           <a:prstGeom prst="rect">
             <a:avLst/>
@@ -17810,7 +17922,7 @@
               <a:rPr lang="en-US" sz="3200" dirty="0">
                 <a:latin typeface="Berlin Sans FB Demi" panose="020E0802020502020306" pitchFamily="34" charset="0"/>
               </a:rPr>
-              <a:t>Direct Exchange (Multiple Queues)</a:t>
+              <a:t>Direct Exchange (Multiple Queues, Same Binding Keys)</a:t>
             </a:r>
           </a:p>
         </p:txBody>
@@ -29188,7 +29300,7 @@
               <a:rPr lang="en-US" sz="2000" dirty="0">
                 <a:latin typeface="Berlin Sans FB Demi" panose="020E0802020502020306" pitchFamily="34" charset="0"/>
               </a:rPr>
-              <a:t>RabbitMQ solves the problems of decoupling, asynchronicity, horizontal scaling of workers and can serve as a fault tolerant system</a:t>
+              <a:t>RabbitMQ solves the problems of decoupling, asynchronicity, horizontal scaling of workers and can also be used for developing fault tolerant systems</a:t>
             </a:r>
           </a:p>
         </p:txBody>
@@ -29831,44 +29943,6 @@
       </p:sp>
       <p:sp>
         <p:nvSpPr>
-          <p:cNvPr id="4" name="TextBox 3">
-            <a:extLst>
-              <a:ext uri="{FF2B5EF4-FFF2-40B4-BE49-F238E27FC236}">
-                <a16:creationId xmlns:a16="http://schemas.microsoft.com/office/drawing/2014/main" id="{780C2C84-2CF7-30B5-412F-5B35EAA1865E}"/>
-              </a:ext>
-            </a:extLst>
-          </p:cNvPr>
-          <p:cNvSpPr txBox="1"/>
-          <p:nvPr/>
-        </p:nvSpPr>
-        <p:spPr>
-          <a:xfrm>
-            <a:off x="838197" y="5275765"/>
-            <a:ext cx="10053181" cy="707886"/>
-          </a:xfrm>
-          <a:prstGeom prst="rect">
-            <a:avLst/>
-          </a:prstGeom>
-          <a:noFill/>
-        </p:spPr>
-        <p:txBody>
-          <a:bodyPr wrap="square">
-            <a:spAutoFit/>
-          </a:bodyPr>
-          <a:lstStyle/>
-          <a:p>
-            <a:pPr algn="l"/>
-            <a:r>
-              <a:rPr lang="en-US" sz="2000" dirty="0">
-                <a:latin typeface="Berlin Sans FB Demi" panose="020E0802020502020306" pitchFamily="34" charset="0"/>
-              </a:rPr>
-              <a:t>Messages are tied to channels when published or consumed and have a corresponding delivery tag for each channel they flow through</a:t>
-            </a:r>
-          </a:p>
-        </p:txBody>
-      </p:sp>
-      <p:sp>
-        <p:nvSpPr>
           <p:cNvPr id="6" name="TextBox 5">
             <a:extLst>
               <a:ext uri="{FF2B5EF4-FFF2-40B4-BE49-F238E27FC236}">
@@ -29939,44 +30013,6 @@
                 <a:latin typeface="Berlin Sans FB Demi" panose="020E0802020502020306" pitchFamily="34" charset="0"/>
               </a:rPr>
               <a:t>Once a queue gets a message, one or more consumers handle the message and acknowledge the success or failure of processing by using acknowledgements</a:t>
-            </a:r>
-          </a:p>
-        </p:txBody>
-      </p:sp>
-      <p:sp>
-        <p:nvSpPr>
-          <p:cNvPr id="8" name="TextBox 7">
-            <a:extLst>
-              <a:ext uri="{FF2B5EF4-FFF2-40B4-BE49-F238E27FC236}">
-                <a16:creationId xmlns:a16="http://schemas.microsoft.com/office/drawing/2014/main" id="{8BD5A7AD-620C-0C96-7889-DF189CDC85D8}"/>
-              </a:ext>
-            </a:extLst>
-          </p:cNvPr>
-          <p:cNvSpPr txBox="1"/>
-          <p:nvPr/>
-        </p:nvSpPr>
-        <p:spPr>
-          <a:xfrm>
-            <a:off x="838197" y="4180630"/>
-            <a:ext cx="10053181" cy="707886"/>
-          </a:xfrm>
-          <a:prstGeom prst="rect">
-            <a:avLst/>
-          </a:prstGeom>
-          <a:noFill/>
-        </p:spPr>
-        <p:txBody>
-          <a:bodyPr wrap="square">
-            <a:spAutoFit/>
-          </a:bodyPr>
-          <a:lstStyle/>
-          <a:p>
-            <a:pPr algn="l"/>
-            <a:r>
-              <a:rPr lang="en-US" sz="2000" dirty="0">
-                <a:latin typeface="Berlin Sans FB Demi" panose="020E0802020502020306" pitchFamily="34" charset="0"/>
-              </a:rPr>
-              <a:t>RabbitMQ has the concept of connections and channels which represent TCP connections and virtual connections</a:t>
             </a:r>
           </a:p>
         </p:txBody>
@@ -30105,112 +30141,6 @@
                       </p:childTnLst>
                     </p:cTn>
                   </p:par>
-                  <p:par>
-                    <p:cTn id="13" fill="hold">
-                      <p:stCondLst>
-                        <p:cond delay="indefinite"/>
-                      </p:stCondLst>
-                      <p:childTnLst>
-                        <p:par>
-                          <p:cTn id="14" fill="hold">
-                            <p:stCondLst>
-                              <p:cond delay="0"/>
-                            </p:stCondLst>
-                            <p:childTnLst>
-                              <p:par>
-                                <p:cTn id="15" presetID="10" presetClass="entr" presetSubtype="0" fill="hold" grpId="0" nodeType="clickEffect">
-                                  <p:stCondLst>
-                                    <p:cond delay="0"/>
-                                  </p:stCondLst>
-                                  <p:childTnLst>
-                                    <p:set>
-                                      <p:cBhvr>
-                                        <p:cTn id="16" dur="1" fill="hold">
-                                          <p:stCondLst>
-                                            <p:cond delay="0"/>
-                                          </p:stCondLst>
-                                        </p:cTn>
-                                        <p:tgtEl>
-                                          <p:spTgt spid="8"/>
-                                        </p:tgtEl>
-                                        <p:attrNameLst>
-                                          <p:attrName>style.visibility</p:attrName>
-                                        </p:attrNameLst>
-                                      </p:cBhvr>
-                                      <p:to>
-                                        <p:strVal val="visible"/>
-                                      </p:to>
-                                    </p:set>
-                                    <p:animEffect transition="in" filter="fade">
-                                      <p:cBhvr>
-                                        <p:cTn id="17" dur="500"/>
-                                        <p:tgtEl>
-                                          <p:spTgt spid="8"/>
-                                        </p:tgtEl>
-                                      </p:cBhvr>
-                                    </p:animEffect>
-                                  </p:childTnLst>
-                                </p:cTn>
-                              </p:par>
-                            </p:childTnLst>
-                          </p:cTn>
-                        </p:par>
-                      </p:childTnLst>
-                    </p:cTn>
-                  </p:par>
-                  <p:par>
-                    <p:cTn id="18" fill="hold">
-                      <p:stCondLst>
-                        <p:cond delay="indefinite"/>
-                      </p:stCondLst>
-                      <p:childTnLst>
-                        <p:par>
-                          <p:cTn id="19" fill="hold">
-                            <p:stCondLst>
-                              <p:cond delay="0"/>
-                            </p:stCondLst>
-                            <p:childTnLst>
-                              <p:par>
-                                <p:cTn id="20" presetID="10" presetClass="entr" presetSubtype="0" fill="hold" grpId="0" nodeType="clickEffect">
-                                  <p:stCondLst>
-                                    <p:cond delay="0"/>
-                                  </p:stCondLst>
-                                  <p:childTnLst>
-                                    <p:set>
-                                      <p:cBhvr>
-                                        <p:cTn id="21" dur="1" fill="hold">
-                                          <p:stCondLst>
-                                            <p:cond delay="0"/>
-                                          </p:stCondLst>
-                                        </p:cTn>
-                                        <p:tgtEl>
-                                          <p:spTgt spid="4"/>
-                                        </p:tgtEl>
-                                        <p:attrNameLst>
-                                          <p:attrName>style.visibility</p:attrName>
-                                        </p:attrNameLst>
-                                      </p:cBhvr>
-                                      <p:to>
-                                        <p:strVal val="visible"/>
-                                      </p:to>
-                                    </p:set>
-                                    <p:animEffect transition="in" filter="fade">
-                                      <p:cBhvr>
-                                        <p:cTn id="22" dur="500"/>
-                                        <p:tgtEl>
-                                          <p:spTgt spid="4"/>
-                                        </p:tgtEl>
-                                      </p:cBhvr>
-                                    </p:animEffect>
-                                  </p:childTnLst>
-                                </p:cTn>
-                              </p:par>
-                            </p:childTnLst>
-                          </p:cTn>
-                        </p:par>
-                      </p:childTnLst>
-                    </p:cTn>
-                  </p:par>
                 </p:childTnLst>
               </p:cTn>
               <p:prevCondLst>
@@ -30233,10 +30163,8 @@
       </p:par>
     </p:tnLst>
     <p:bldLst>
-      <p:bldP spid="4" grpId="0"/>
       <p:bldP spid="6" grpId="0"/>
       <p:bldP spid="7" grpId="0"/>
-      <p:bldP spid="8" grpId="0"/>
     </p:bldLst>
   </p:timing>
 </p:sld>

--- a/Docs/RabbitMQ.pptx
+++ b/Docs/RabbitMQ.pptx
@@ -287,7 +287,7 @@
           <a:p>
             <a:fld id="{71E31649-FBC0-46BF-9FA8-1C68919ABA2D}" type="datetimeFigureOut">
               <a:rPr lang="en-US" smtClean="0"/>
-              <a:t>6/21/2023</a:t>
+              <a:t>6/27/2023</a:t>
             </a:fld>
             <a:endParaRPr lang="en-US"/>
           </a:p>
@@ -485,7 +485,7 @@
           <a:p>
             <a:fld id="{71E31649-FBC0-46BF-9FA8-1C68919ABA2D}" type="datetimeFigureOut">
               <a:rPr lang="en-US" smtClean="0"/>
-              <a:t>6/21/2023</a:t>
+              <a:t>6/27/2023</a:t>
             </a:fld>
             <a:endParaRPr lang="en-US"/>
           </a:p>
@@ -693,7 +693,7 @@
           <a:p>
             <a:fld id="{71E31649-FBC0-46BF-9FA8-1C68919ABA2D}" type="datetimeFigureOut">
               <a:rPr lang="en-US" smtClean="0"/>
-              <a:t>6/21/2023</a:t>
+              <a:t>6/27/2023</a:t>
             </a:fld>
             <a:endParaRPr lang="en-US"/>
           </a:p>
@@ -891,7 +891,7 @@
           <a:p>
             <a:fld id="{71E31649-FBC0-46BF-9FA8-1C68919ABA2D}" type="datetimeFigureOut">
               <a:rPr lang="en-US" smtClean="0"/>
-              <a:t>6/21/2023</a:t>
+              <a:t>6/27/2023</a:t>
             </a:fld>
             <a:endParaRPr lang="en-US"/>
           </a:p>
@@ -1166,7 +1166,7 @@
           <a:p>
             <a:fld id="{71E31649-FBC0-46BF-9FA8-1C68919ABA2D}" type="datetimeFigureOut">
               <a:rPr lang="en-US" smtClean="0"/>
-              <a:t>6/21/2023</a:t>
+              <a:t>6/27/2023</a:t>
             </a:fld>
             <a:endParaRPr lang="en-US"/>
           </a:p>
@@ -1431,7 +1431,7 @@
           <a:p>
             <a:fld id="{71E31649-FBC0-46BF-9FA8-1C68919ABA2D}" type="datetimeFigureOut">
               <a:rPr lang="en-US" smtClean="0"/>
-              <a:t>6/21/2023</a:t>
+              <a:t>6/27/2023</a:t>
             </a:fld>
             <a:endParaRPr lang="en-US"/>
           </a:p>
@@ -1843,7 +1843,7 @@
           <a:p>
             <a:fld id="{71E31649-FBC0-46BF-9FA8-1C68919ABA2D}" type="datetimeFigureOut">
               <a:rPr lang="en-US" smtClean="0"/>
-              <a:t>6/21/2023</a:t>
+              <a:t>6/27/2023</a:t>
             </a:fld>
             <a:endParaRPr lang="en-US"/>
           </a:p>
@@ -1984,7 +1984,7 @@
           <a:p>
             <a:fld id="{71E31649-FBC0-46BF-9FA8-1C68919ABA2D}" type="datetimeFigureOut">
               <a:rPr lang="en-US" smtClean="0"/>
-              <a:t>6/21/2023</a:t>
+              <a:t>6/27/2023</a:t>
             </a:fld>
             <a:endParaRPr lang="en-US"/>
           </a:p>
@@ -2097,7 +2097,7 @@
           <a:p>
             <a:fld id="{71E31649-FBC0-46BF-9FA8-1C68919ABA2D}" type="datetimeFigureOut">
               <a:rPr lang="en-US" smtClean="0"/>
-              <a:t>6/21/2023</a:t>
+              <a:t>6/27/2023</a:t>
             </a:fld>
             <a:endParaRPr lang="en-US"/>
           </a:p>
@@ -2408,7 +2408,7 @@
           <a:p>
             <a:fld id="{71E31649-FBC0-46BF-9FA8-1C68919ABA2D}" type="datetimeFigureOut">
               <a:rPr lang="en-US" smtClean="0"/>
-              <a:t>6/21/2023</a:t>
+              <a:t>6/27/2023</a:t>
             </a:fld>
             <a:endParaRPr lang="en-US"/>
           </a:p>
@@ -2696,7 +2696,7 @@
           <a:p>
             <a:fld id="{71E31649-FBC0-46BF-9FA8-1C68919ABA2D}" type="datetimeFigureOut">
               <a:rPr lang="en-US" smtClean="0"/>
-              <a:t>6/21/2023</a:t>
+              <a:t>6/27/2023</a:t>
             </a:fld>
             <a:endParaRPr lang="en-US"/>
           </a:p>
@@ -2937,7 +2937,7 @@
           <a:p>
             <a:fld id="{71E31649-FBC0-46BF-9FA8-1C68919ABA2D}" type="datetimeFigureOut">
               <a:rPr lang="en-US" smtClean="0"/>
-              <a:t>6/21/2023</a:t>
+              <a:t>6/27/2023</a:t>
             </a:fld>
             <a:endParaRPr lang="en-US"/>
           </a:p>
@@ -17522,7 +17522,7 @@
                   <a:effectLst/>
                   <a:latin typeface="Berlin Sans FB Demi" panose="020E0802020502020306" pitchFamily="34" charset="0"/>
                 </a:rPr>
-                <a:t>Understand how messages flow from producer to consumer</a:t>
+                <a:t>Understand how messages flow from producers to consumers</a:t>
               </a:r>
             </a:p>
           </p:txBody>
@@ -30749,7 +30749,7 @@
         </p:nvGrpSpPr>
         <p:grpSpPr>
           <a:xfrm>
-            <a:off x="838199" y="3205495"/>
+            <a:off x="838200" y="3087564"/>
             <a:ext cx="10879899" cy="830997"/>
             <a:chOff x="838199" y="3214680"/>
             <a:chExt cx="10879899" cy="830997"/>

--- a/Docs/RabbitMQ.pptx
+++ b/Docs/RabbitMQ.pptx
@@ -22,18 +22,19 @@
     <p:sldId id="312" r:id="rId16"/>
     <p:sldId id="329" r:id="rId17"/>
     <p:sldId id="282" r:id="rId18"/>
-    <p:sldId id="293" r:id="rId19"/>
-    <p:sldId id="296" r:id="rId20"/>
-    <p:sldId id="294" r:id="rId21"/>
-    <p:sldId id="297" r:id="rId22"/>
-    <p:sldId id="298" r:id="rId23"/>
-    <p:sldId id="299" r:id="rId24"/>
-    <p:sldId id="313" r:id="rId25"/>
-    <p:sldId id="286" r:id="rId26"/>
-    <p:sldId id="321" r:id="rId27"/>
-    <p:sldId id="323" r:id="rId28"/>
-    <p:sldId id="324" r:id="rId29"/>
-    <p:sldId id="325" r:id="rId30"/>
+    <p:sldId id="330" r:id="rId19"/>
+    <p:sldId id="293" r:id="rId20"/>
+    <p:sldId id="296" r:id="rId21"/>
+    <p:sldId id="294" r:id="rId22"/>
+    <p:sldId id="297" r:id="rId23"/>
+    <p:sldId id="298" r:id="rId24"/>
+    <p:sldId id="299" r:id="rId25"/>
+    <p:sldId id="313" r:id="rId26"/>
+    <p:sldId id="286" r:id="rId27"/>
+    <p:sldId id="321" r:id="rId28"/>
+    <p:sldId id="323" r:id="rId29"/>
+    <p:sldId id="324" r:id="rId30"/>
+    <p:sldId id="325" r:id="rId31"/>
   </p:sldIdLst>
   <p:sldSz cx="12192000" cy="6858000"/>
   <p:notesSz cx="6858000" cy="9144000"/>
@@ -14483,6 +14484,199 @@
       </p:grpSpPr>
       <p:sp>
         <p:nvSpPr>
+          <p:cNvPr id="6" name="TextBox 5">
+            <a:extLst>
+              <a:ext uri="{FF2B5EF4-FFF2-40B4-BE49-F238E27FC236}">
+                <a16:creationId xmlns:a16="http://schemas.microsoft.com/office/drawing/2014/main" id="{C47A60AA-361B-3C49-5532-CE1813C0AF61}"/>
+              </a:ext>
+            </a:extLst>
+          </p:cNvPr>
+          <p:cNvSpPr txBox="1"/>
+          <p:nvPr/>
+        </p:nvSpPr>
+        <p:spPr>
+          <a:xfrm>
+            <a:off x="383393" y="322775"/>
+            <a:ext cx="1925527" cy="584775"/>
+          </a:xfrm>
+          <a:prstGeom prst="rect">
+            <a:avLst/>
+          </a:prstGeom>
+          <a:noFill/>
+        </p:spPr>
+        <p:txBody>
+          <a:bodyPr wrap="none" rtlCol="0">
+            <a:spAutoFit/>
+          </a:bodyPr>
+          <a:lstStyle/>
+          <a:p>
+            <a:r>
+              <a:rPr lang="en-US" sz="3200" dirty="0">
+                <a:latin typeface="Berlin Sans FB Demi" panose="020E0802020502020306" pitchFamily="34" charset="0"/>
+              </a:rPr>
+              <a:t>Examples</a:t>
+            </a:r>
+          </a:p>
+        </p:txBody>
+      </p:sp>
+      <p:sp>
+        <p:nvSpPr>
+          <p:cNvPr id="9" name="TextBox 8">
+            <a:extLst>
+              <a:ext uri="{FF2B5EF4-FFF2-40B4-BE49-F238E27FC236}">
+                <a16:creationId xmlns:a16="http://schemas.microsoft.com/office/drawing/2014/main" id="{04DB6761-EEB4-9A54-0EC1-C50EF22EAC47}"/>
+              </a:ext>
+            </a:extLst>
+          </p:cNvPr>
+          <p:cNvSpPr txBox="1"/>
+          <p:nvPr/>
+        </p:nvSpPr>
+        <p:spPr>
+          <a:xfrm>
+            <a:off x="383393" y="1427278"/>
+            <a:ext cx="11159858" cy="461665"/>
+          </a:xfrm>
+          <a:prstGeom prst="rect">
+            <a:avLst/>
+          </a:prstGeom>
+          <a:noFill/>
+        </p:spPr>
+        <p:txBody>
+          <a:bodyPr wrap="square" rtlCol="0">
+            <a:spAutoFit/>
+          </a:bodyPr>
+          <a:lstStyle/>
+          <a:p>
+            <a:r>
+              <a:rPr lang="en-US" sz="2400" dirty="0">
+                <a:latin typeface="Berlin Sans FB Demi" panose="020E0802020502020306" pitchFamily="34" charset="0"/>
+              </a:rPr>
+              <a:t>https://github.com/roblappcoupa/rabbitmq-presentation</a:t>
+            </a:r>
+            <a:endParaRPr lang="en-US" sz="2000" dirty="0">
+              <a:latin typeface="Berlin Sans FB Demi" panose="020E0802020502020306" pitchFamily="34" charset="0"/>
+            </a:endParaRPr>
+          </a:p>
+        </p:txBody>
+      </p:sp>
+    </p:spTree>
+    <p:extLst>
+      <p:ext uri="{BB962C8B-B14F-4D97-AF65-F5344CB8AC3E}">
+        <p14:creationId xmlns:p14="http://schemas.microsoft.com/office/powerpoint/2010/main" val="1515542388"/>
+      </p:ext>
+    </p:extLst>
+  </p:cSld>
+  <p:clrMapOvr>
+    <a:masterClrMapping/>
+  </p:clrMapOvr>
+  <p:timing>
+    <p:tnLst>
+      <p:par>
+        <p:cTn id="1" dur="indefinite" restart="never" nodeType="tmRoot">
+          <p:childTnLst>
+            <p:seq concurrent="1" nextAc="seek">
+              <p:cTn id="2" dur="indefinite" nodeType="mainSeq">
+                <p:childTnLst>
+                  <p:par>
+                    <p:cTn id="3" fill="hold">
+                      <p:stCondLst>
+                        <p:cond delay="indefinite"/>
+                      </p:stCondLst>
+                      <p:childTnLst>
+                        <p:par>
+                          <p:cTn id="4" fill="hold">
+                            <p:stCondLst>
+                              <p:cond delay="0"/>
+                            </p:stCondLst>
+                            <p:childTnLst>
+                              <p:par>
+                                <p:cTn id="5" presetID="10" presetClass="entr" presetSubtype="0" fill="hold" grpId="0" nodeType="clickEffect">
+                                  <p:stCondLst>
+                                    <p:cond delay="0"/>
+                                  </p:stCondLst>
+                                  <p:childTnLst>
+                                    <p:set>
+                                      <p:cBhvr>
+                                        <p:cTn id="6" dur="1" fill="hold">
+                                          <p:stCondLst>
+                                            <p:cond delay="0"/>
+                                          </p:stCondLst>
+                                        </p:cTn>
+                                        <p:tgtEl>
+                                          <p:spTgt spid="9"/>
+                                        </p:tgtEl>
+                                        <p:attrNameLst>
+                                          <p:attrName>style.visibility</p:attrName>
+                                        </p:attrNameLst>
+                                      </p:cBhvr>
+                                      <p:to>
+                                        <p:strVal val="visible"/>
+                                      </p:to>
+                                    </p:set>
+                                    <p:animEffect transition="in" filter="fade">
+                                      <p:cBhvr>
+                                        <p:cTn id="7" dur="500"/>
+                                        <p:tgtEl>
+                                          <p:spTgt spid="9"/>
+                                        </p:tgtEl>
+                                      </p:cBhvr>
+                                    </p:animEffect>
+                                  </p:childTnLst>
+                                </p:cTn>
+                              </p:par>
+                            </p:childTnLst>
+                          </p:cTn>
+                        </p:par>
+                      </p:childTnLst>
+                    </p:cTn>
+                  </p:par>
+                </p:childTnLst>
+              </p:cTn>
+              <p:prevCondLst>
+                <p:cond evt="onPrev" delay="0">
+                  <p:tgtEl>
+                    <p:sldTgt/>
+                  </p:tgtEl>
+                </p:cond>
+              </p:prevCondLst>
+              <p:nextCondLst>
+                <p:cond evt="onNext" delay="0">
+                  <p:tgtEl>
+                    <p:sldTgt/>
+                  </p:tgtEl>
+                </p:cond>
+              </p:nextCondLst>
+            </p:seq>
+          </p:childTnLst>
+        </p:cTn>
+      </p:par>
+    </p:tnLst>
+    <p:bldLst>
+      <p:bldP spid="9" grpId="0"/>
+    </p:bldLst>
+  </p:timing>
+</p:sld>
+</file>
+
+<file path=ppt/slides/slide19.xml><?xml version="1.0" encoding="utf-8"?>
+<p:sld xmlns:a="http://schemas.openxmlformats.org/drawingml/2006/main" xmlns:r="http://schemas.openxmlformats.org/officeDocument/2006/relationships" xmlns:p="http://schemas.openxmlformats.org/presentationml/2006/main">
+  <p:cSld>
+    <p:spTree>
+      <p:nvGrpSpPr>
+        <p:cNvPr id="1" name=""/>
+        <p:cNvGrpSpPr/>
+        <p:nvPr/>
+      </p:nvGrpSpPr>
+      <p:grpSpPr>
+        <a:xfrm>
+          <a:off x="0" y="0"/>
+          <a:ext cx="0" cy="0"/>
+          <a:chOff x="0" y="0"/>
+          <a:chExt cx="0" cy="0"/>
+        </a:xfrm>
+      </p:grpSpPr>
+      <p:sp>
+        <p:nvSpPr>
           <p:cNvPr id="30" name="TextBox 29">
             <a:extLst>
               <a:ext uri="{FF2B5EF4-FFF2-40B4-BE49-F238E27FC236}">
@@ -15742,1459 +15936,6 @@
     <p:extLst>
       <p:ext uri="{BB962C8B-B14F-4D97-AF65-F5344CB8AC3E}">
         <p14:creationId xmlns:p14="http://schemas.microsoft.com/office/powerpoint/2010/main" val="3792510858"/>
-      </p:ext>
-    </p:extLst>
-  </p:cSld>
-  <p:clrMapOvr>
-    <a:masterClrMapping/>
-  </p:clrMapOvr>
-</p:sld>
-</file>
-
-<file path=ppt/slides/slide19.xml><?xml version="1.0" encoding="utf-8"?>
-<p:sld xmlns:a="http://schemas.openxmlformats.org/drawingml/2006/main" xmlns:r="http://schemas.openxmlformats.org/officeDocument/2006/relationships" xmlns:p="http://schemas.openxmlformats.org/presentationml/2006/main">
-  <p:cSld>
-    <p:spTree>
-      <p:nvGrpSpPr>
-        <p:cNvPr id="1" name=""/>
-        <p:cNvGrpSpPr/>
-        <p:nvPr/>
-      </p:nvGrpSpPr>
-      <p:grpSpPr>
-        <a:xfrm>
-          <a:off x="0" y="0"/>
-          <a:ext cx="0" cy="0"/>
-          <a:chOff x="0" y="0"/>
-          <a:chExt cx="0" cy="0"/>
-        </a:xfrm>
-      </p:grpSpPr>
-      <p:sp>
-        <p:nvSpPr>
-          <p:cNvPr id="30" name="TextBox 29">
-            <a:extLst>
-              <a:ext uri="{FF2B5EF4-FFF2-40B4-BE49-F238E27FC236}">
-                <a16:creationId xmlns:a16="http://schemas.microsoft.com/office/drawing/2014/main" id="{CAD01761-FF55-7AB9-94C6-F00A38D7AFE8}"/>
-              </a:ext>
-            </a:extLst>
-          </p:cNvPr>
-          <p:cNvSpPr txBox="1"/>
-          <p:nvPr/>
-        </p:nvSpPr>
-        <p:spPr>
-          <a:xfrm>
-            <a:off x="198835" y="364720"/>
-            <a:ext cx="9714519" cy="584775"/>
-          </a:xfrm>
-          <a:prstGeom prst="rect">
-            <a:avLst/>
-          </a:prstGeom>
-          <a:noFill/>
-        </p:spPr>
-        <p:txBody>
-          <a:bodyPr wrap="none" rtlCol="0">
-            <a:spAutoFit/>
-          </a:bodyPr>
-          <a:lstStyle/>
-          <a:p>
-            <a:r>
-              <a:rPr lang="en-US" sz="3200" dirty="0">
-                <a:latin typeface="Berlin Sans FB Demi" panose="020E0802020502020306" pitchFamily="34" charset="0"/>
-              </a:rPr>
-              <a:t>Direct Exchange (Single Queue, Multiple Consumers)</a:t>
-            </a:r>
-          </a:p>
-        </p:txBody>
-      </p:sp>
-      <p:grpSp>
-        <p:nvGrpSpPr>
-          <p:cNvPr id="46" name="Group 45">
-            <a:extLst>
-              <a:ext uri="{FF2B5EF4-FFF2-40B4-BE49-F238E27FC236}">
-                <a16:creationId xmlns:a16="http://schemas.microsoft.com/office/drawing/2014/main" id="{2BF3610F-143F-C7FE-7A88-2420F6BA51D1}"/>
-              </a:ext>
-            </a:extLst>
-          </p:cNvPr>
-          <p:cNvGrpSpPr/>
-          <p:nvPr/>
-        </p:nvGrpSpPr>
-        <p:grpSpPr>
-          <a:xfrm>
-            <a:off x="341301" y="1819147"/>
-            <a:ext cx="1563667" cy="864295"/>
-            <a:chOff x="212941" y="1999803"/>
-            <a:chExt cx="1563667" cy="864295"/>
-          </a:xfrm>
-        </p:grpSpPr>
-        <p:sp>
-          <p:nvSpPr>
-            <p:cNvPr id="48" name="Rectangle: Rounded Corners 47">
-              <a:extLst>
-                <a:ext uri="{FF2B5EF4-FFF2-40B4-BE49-F238E27FC236}">
-                  <a16:creationId xmlns:a16="http://schemas.microsoft.com/office/drawing/2014/main" id="{386616B5-E5F8-B8AD-D846-317BBF2EEDF8}"/>
-                </a:ext>
-              </a:extLst>
-            </p:cNvPr>
-            <p:cNvSpPr/>
-            <p:nvPr/>
-          </p:nvSpPr>
-          <p:spPr>
-            <a:xfrm>
-              <a:off x="212941" y="1999803"/>
-              <a:ext cx="1563667" cy="864295"/>
-            </a:xfrm>
-            <a:prstGeom prst="roundRect">
-              <a:avLst>
-                <a:gd name="adj" fmla="val 5020"/>
-              </a:avLst>
-            </a:prstGeom>
-            <a:solidFill>
-              <a:schemeClr val="bg2">
-                <a:lumMod val="90000"/>
-              </a:schemeClr>
-            </a:solidFill>
-            <a:ln>
-              <a:solidFill>
-                <a:schemeClr val="tx1"/>
-              </a:solidFill>
-            </a:ln>
-          </p:spPr>
-          <p:style>
-            <a:lnRef idx="2">
-              <a:schemeClr val="accent1">
-                <a:shade val="15000"/>
-              </a:schemeClr>
-            </a:lnRef>
-            <a:fillRef idx="1">
-              <a:schemeClr val="accent1"/>
-            </a:fillRef>
-            <a:effectRef idx="0">
-              <a:schemeClr val="accent1"/>
-            </a:effectRef>
-            <a:fontRef idx="minor">
-              <a:schemeClr val="lt1"/>
-            </a:fontRef>
-          </p:style>
-          <p:txBody>
-            <a:bodyPr rtlCol="0" anchor="ctr"/>
-            <a:lstStyle/>
-            <a:p>
-              <a:pPr algn="ctr"/>
-              <a:endParaRPr lang="en-US" dirty="0"/>
-            </a:p>
-          </p:txBody>
-        </p:sp>
-        <p:sp>
-          <p:nvSpPr>
-            <p:cNvPr id="50" name="TextBox 49">
-              <a:extLst>
-                <a:ext uri="{FF2B5EF4-FFF2-40B4-BE49-F238E27FC236}">
-                  <a16:creationId xmlns:a16="http://schemas.microsoft.com/office/drawing/2014/main" id="{486DA591-53B9-E1BD-BDA9-6CB4EEB2775A}"/>
-                </a:ext>
-              </a:extLst>
-            </p:cNvPr>
-            <p:cNvSpPr txBox="1"/>
-            <p:nvPr/>
-          </p:nvSpPr>
-          <p:spPr>
-            <a:xfrm>
-              <a:off x="439841" y="2247284"/>
-              <a:ext cx="1109865" cy="369332"/>
-            </a:xfrm>
-            <a:prstGeom prst="rect">
-              <a:avLst/>
-            </a:prstGeom>
-            <a:noFill/>
-          </p:spPr>
-          <p:txBody>
-            <a:bodyPr wrap="square" rtlCol="0">
-              <a:spAutoFit/>
-            </a:bodyPr>
-            <a:lstStyle/>
-            <a:p>
-              <a:r>
-                <a:rPr lang="en-US" dirty="0">
-                  <a:latin typeface="Berlin Sans FB Demi" panose="020E0802020502020306" pitchFamily="34" charset="0"/>
-                </a:rPr>
-                <a:t>Producer </a:t>
-              </a:r>
-            </a:p>
-          </p:txBody>
-        </p:sp>
-      </p:grpSp>
-      <p:sp>
-        <p:nvSpPr>
-          <p:cNvPr id="52" name="Rectangle: Rounded Corners 51">
-            <a:extLst>
-              <a:ext uri="{FF2B5EF4-FFF2-40B4-BE49-F238E27FC236}">
-                <a16:creationId xmlns:a16="http://schemas.microsoft.com/office/drawing/2014/main" id="{C0F8DFD8-E56B-668A-248D-14559A4C2D14}"/>
-              </a:ext>
-            </a:extLst>
-          </p:cNvPr>
-          <p:cNvSpPr/>
-          <p:nvPr/>
-        </p:nvSpPr>
-        <p:spPr>
-          <a:xfrm>
-            <a:off x="3211265" y="1384184"/>
-            <a:ext cx="6062597" cy="2340526"/>
-          </a:xfrm>
-          <a:prstGeom prst="roundRect">
-            <a:avLst>
-              <a:gd name="adj" fmla="val 3129"/>
-            </a:avLst>
-          </a:prstGeom>
-          <a:solidFill>
-            <a:schemeClr val="accent1">
-              <a:lumMod val="20000"/>
-              <a:lumOff val="80000"/>
-            </a:schemeClr>
-          </a:solidFill>
-          <a:ln w="12700">
-            <a:solidFill>
-              <a:schemeClr val="tx1"/>
-            </a:solidFill>
-          </a:ln>
-        </p:spPr>
-        <p:style>
-          <a:lnRef idx="2">
-            <a:schemeClr val="accent1">
-              <a:shade val="15000"/>
-            </a:schemeClr>
-          </a:lnRef>
-          <a:fillRef idx="1">
-            <a:schemeClr val="accent1"/>
-          </a:fillRef>
-          <a:effectRef idx="0">
-            <a:schemeClr val="accent1"/>
-          </a:effectRef>
-          <a:fontRef idx="minor">
-            <a:schemeClr val="lt1"/>
-          </a:fontRef>
-        </p:style>
-        <p:txBody>
-          <a:bodyPr rtlCol="0" anchor="ctr"/>
-          <a:lstStyle/>
-          <a:p>
-            <a:pPr algn="ctr"/>
-            <a:endParaRPr lang="en-US" dirty="0"/>
-          </a:p>
-        </p:txBody>
-      </p:sp>
-      <p:sp>
-        <p:nvSpPr>
-          <p:cNvPr id="85" name="Rectangle: Rounded Corners 84">
-            <a:extLst>
-              <a:ext uri="{FF2B5EF4-FFF2-40B4-BE49-F238E27FC236}">
-                <a16:creationId xmlns:a16="http://schemas.microsoft.com/office/drawing/2014/main" id="{B2ECF235-6C7C-A3F2-B371-9DB8225803FB}"/>
-              </a:ext>
-            </a:extLst>
-          </p:cNvPr>
-          <p:cNvSpPr/>
-          <p:nvPr/>
-        </p:nvSpPr>
-        <p:spPr>
-          <a:xfrm>
-            <a:off x="3461521" y="1744909"/>
-            <a:ext cx="5562084" cy="1627464"/>
-          </a:xfrm>
-          <a:prstGeom prst="roundRect">
-            <a:avLst>
-              <a:gd name="adj" fmla="val 3934"/>
-            </a:avLst>
-          </a:prstGeom>
-          <a:solidFill>
-            <a:schemeClr val="bg1"/>
-          </a:solidFill>
-          <a:ln w="12700">
-            <a:solidFill>
-              <a:schemeClr val="tx1"/>
-            </a:solidFill>
-            <a:prstDash val="sysDot"/>
-          </a:ln>
-        </p:spPr>
-        <p:style>
-          <a:lnRef idx="2">
-            <a:schemeClr val="accent1">
-              <a:shade val="15000"/>
-            </a:schemeClr>
-          </a:lnRef>
-          <a:fillRef idx="1">
-            <a:schemeClr val="accent1"/>
-          </a:fillRef>
-          <a:effectRef idx="0">
-            <a:schemeClr val="accent1"/>
-          </a:effectRef>
-          <a:fontRef idx="minor">
-            <a:schemeClr val="lt1"/>
-          </a:fontRef>
-        </p:style>
-        <p:txBody>
-          <a:bodyPr rtlCol="0" anchor="ctr"/>
-          <a:lstStyle/>
-          <a:p>
-            <a:pPr algn="ctr"/>
-            <a:endParaRPr lang="en-US" dirty="0"/>
-          </a:p>
-        </p:txBody>
-      </p:sp>
-      <p:sp>
-        <p:nvSpPr>
-          <p:cNvPr id="104" name="Rectangle: Rounded Corners 103">
-            <a:extLst>
-              <a:ext uri="{FF2B5EF4-FFF2-40B4-BE49-F238E27FC236}">
-                <a16:creationId xmlns:a16="http://schemas.microsoft.com/office/drawing/2014/main" id="{D4343543-C635-4262-982B-42C5F018F9AE}"/>
-              </a:ext>
-            </a:extLst>
-          </p:cNvPr>
-          <p:cNvSpPr/>
-          <p:nvPr/>
-        </p:nvSpPr>
-        <p:spPr>
-          <a:xfrm>
-            <a:off x="3642034" y="1918396"/>
-            <a:ext cx="1580367" cy="659702"/>
-          </a:xfrm>
-          <a:prstGeom prst="roundRect">
-            <a:avLst/>
-          </a:prstGeom>
-          <a:solidFill>
-            <a:schemeClr val="accent5">
-              <a:lumMod val="60000"/>
-              <a:lumOff val="40000"/>
-            </a:schemeClr>
-          </a:solidFill>
-          <a:ln w="12700">
-            <a:solidFill>
-              <a:schemeClr val="tx1"/>
-            </a:solidFill>
-          </a:ln>
-        </p:spPr>
-        <p:style>
-          <a:lnRef idx="2">
-            <a:schemeClr val="accent1">
-              <a:shade val="15000"/>
-            </a:schemeClr>
-          </a:lnRef>
-          <a:fillRef idx="1">
-            <a:schemeClr val="accent1"/>
-          </a:fillRef>
-          <a:effectRef idx="0">
-            <a:schemeClr val="accent1"/>
-          </a:effectRef>
-          <a:fontRef idx="minor">
-            <a:schemeClr val="lt1"/>
-          </a:fontRef>
-        </p:style>
-        <p:txBody>
-          <a:bodyPr rtlCol="0" anchor="ctr"/>
-          <a:lstStyle/>
-          <a:p>
-            <a:pPr algn="ctr"/>
-            <a:r>
-              <a:rPr lang="en-US" dirty="0">
-                <a:solidFill>
-                  <a:schemeClr val="tx1"/>
-                </a:solidFill>
-                <a:latin typeface="Berlin Sans FB Demi" panose="020E0802020502020306" pitchFamily="34" charset="0"/>
-              </a:rPr>
-              <a:t>Exchange</a:t>
-            </a:r>
-          </a:p>
-        </p:txBody>
-      </p:sp>
-      <p:sp>
-        <p:nvSpPr>
-          <p:cNvPr id="132" name="TextBox 131">
-            <a:extLst>
-              <a:ext uri="{FF2B5EF4-FFF2-40B4-BE49-F238E27FC236}">
-                <a16:creationId xmlns:a16="http://schemas.microsoft.com/office/drawing/2014/main" id="{952DE949-2D49-313D-B473-B58C3EE7EC56}"/>
-              </a:ext>
-            </a:extLst>
-          </p:cNvPr>
-          <p:cNvSpPr txBox="1"/>
-          <p:nvPr/>
-        </p:nvSpPr>
-        <p:spPr>
-          <a:xfrm>
-            <a:off x="7570009" y="2533194"/>
-            <a:ext cx="857927" cy="369332"/>
-          </a:xfrm>
-          <a:prstGeom prst="rect">
-            <a:avLst/>
-          </a:prstGeom>
-          <a:noFill/>
-        </p:spPr>
-        <p:txBody>
-          <a:bodyPr wrap="none" rtlCol="0">
-            <a:spAutoFit/>
-          </a:bodyPr>
-          <a:lstStyle/>
-          <a:p>
-            <a:r>
-              <a:rPr lang="en-US" dirty="0">
-                <a:latin typeface="Berlin Sans FB Demi" panose="020E0802020502020306" pitchFamily="34" charset="0"/>
-              </a:rPr>
-              <a:t>Queue</a:t>
-            </a:r>
-          </a:p>
-        </p:txBody>
-      </p:sp>
-      <p:sp>
-        <p:nvSpPr>
-          <p:cNvPr id="134" name="Rectangle: Rounded Corners 133">
-            <a:extLst>
-              <a:ext uri="{FF2B5EF4-FFF2-40B4-BE49-F238E27FC236}">
-                <a16:creationId xmlns:a16="http://schemas.microsoft.com/office/drawing/2014/main" id="{10BF22CA-3A0E-EE80-7234-E2D12707E458}"/>
-              </a:ext>
-            </a:extLst>
-          </p:cNvPr>
-          <p:cNvSpPr/>
-          <p:nvPr/>
-        </p:nvSpPr>
-        <p:spPr>
-          <a:xfrm>
-            <a:off x="2485870" y="1615601"/>
-            <a:ext cx="169102" cy="567845"/>
-          </a:xfrm>
-          <a:prstGeom prst="roundRect">
-            <a:avLst/>
-          </a:prstGeom>
-          <a:solidFill>
-            <a:schemeClr val="accent2"/>
-          </a:solidFill>
-          <a:ln>
-            <a:noFill/>
-          </a:ln>
-        </p:spPr>
-        <p:style>
-          <a:lnRef idx="2">
-            <a:schemeClr val="accent1">
-              <a:shade val="15000"/>
-            </a:schemeClr>
-          </a:lnRef>
-          <a:fillRef idx="1">
-            <a:schemeClr val="accent1"/>
-          </a:fillRef>
-          <a:effectRef idx="0">
-            <a:schemeClr val="accent1"/>
-          </a:effectRef>
-          <a:fontRef idx="minor">
-            <a:schemeClr val="lt1"/>
-          </a:fontRef>
-        </p:style>
-        <p:txBody>
-          <a:bodyPr rtlCol="0" anchor="ctr"/>
-          <a:lstStyle/>
-          <a:p>
-            <a:pPr algn="ctr"/>
-            <a:endParaRPr lang="en-US" dirty="0"/>
-          </a:p>
-        </p:txBody>
-      </p:sp>
-      <p:sp>
-        <p:nvSpPr>
-          <p:cNvPr id="135" name="TextBox 134">
-            <a:extLst>
-              <a:ext uri="{FF2B5EF4-FFF2-40B4-BE49-F238E27FC236}">
-                <a16:creationId xmlns:a16="http://schemas.microsoft.com/office/drawing/2014/main" id="{69F2EB2C-D9D8-F76F-F732-21E59E952D41}"/>
-              </a:ext>
-            </a:extLst>
-          </p:cNvPr>
-          <p:cNvSpPr txBox="1"/>
-          <p:nvPr/>
-        </p:nvSpPr>
-        <p:spPr>
-          <a:xfrm>
-            <a:off x="3630704" y="2978530"/>
-            <a:ext cx="1425390" cy="369332"/>
-          </a:xfrm>
-          <a:prstGeom prst="rect">
-            <a:avLst/>
-          </a:prstGeom>
-          <a:noFill/>
-        </p:spPr>
-        <p:txBody>
-          <a:bodyPr wrap="none" rtlCol="0">
-            <a:spAutoFit/>
-          </a:bodyPr>
-          <a:lstStyle/>
-          <a:p>
-            <a:r>
-              <a:rPr lang="en-US" dirty="0">
-                <a:latin typeface="Berlin Sans FB Demi" panose="020E0802020502020306" pitchFamily="34" charset="0"/>
-              </a:rPr>
-              <a:t>Virtual Host</a:t>
-            </a:r>
-          </a:p>
-        </p:txBody>
-      </p:sp>
-      <p:sp>
-        <p:nvSpPr>
-          <p:cNvPr id="139" name="TextBox 138">
-            <a:extLst>
-              <a:ext uri="{FF2B5EF4-FFF2-40B4-BE49-F238E27FC236}">
-                <a16:creationId xmlns:a16="http://schemas.microsoft.com/office/drawing/2014/main" id="{1C043044-A19B-ED6A-500A-BEFA1439A23D}"/>
-              </a:ext>
-            </a:extLst>
-          </p:cNvPr>
-          <p:cNvSpPr txBox="1"/>
-          <p:nvPr/>
-        </p:nvSpPr>
-        <p:spPr>
-          <a:xfrm>
-            <a:off x="5550639" y="2357073"/>
-            <a:ext cx="1439818" cy="369332"/>
-          </a:xfrm>
-          <a:prstGeom prst="rect">
-            <a:avLst/>
-          </a:prstGeom>
-          <a:noFill/>
-        </p:spPr>
-        <p:txBody>
-          <a:bodyPr wrap="none" rtlCol="0">
-            <a:spAutoFit/>
-          </a:bodyPr>
-          <a:lstStyle/>
-          <a:p>
-            <a:r>
-              <a:rPr lang="en-US" dirty="0">
-                <a:latin typeface="Berlin Sans FB Demi" panose="020E0802020502020306" pitchFamily="34" charset="0"/>
-              </a:rPr>
-              <a:t>Binding Key</a:t>
-            </a:r>
-          </a:p>
-        </p:txBody>
-      </p:sp>
-      <p:cxnSp>
-        <p:nvCxnSpPr>
-          <p:cNvPr id="141" name="Straight Arrow Connector 140">
-            <a:extLst>
-              <a:ext uri="{FF2B5EF4-FFF2-40B4-BE49-F238E27FC236}">
-                <a16:creationId xmlns:a16="http://schemas.microsoft.com/office/drawing/2014/main" id="{2F8BDC56-9B4C-7AB7-D49E-58D8E69DD7ED}"/>
-              </a:ext>
-            </a:extLst>
-          </p:cNvPr>
-          <p:cNvCxnSpPr>
-            <a:stCxn id="48" idx="3"/>
-            <a:endCxn id="104" idx="1"/>
-          </p:cNvCxnSpPr>
-          <p:nvPr/>
-        </p:nvCxnSpPr>
-        <p:spPr>
-          <a:xfrm flipV="1">
-            <a:off x="1904968" y="2248247"/>
-            <a:ext cx="1737066" cy="3048"/>
-          </a:xfrm>
-          <a:prstGeom prst="straightConnector1">
-            <a:avLst/>
-          </a:prstGeom>
-          <a:ln w="38100">
-            <a:solidFill>
-              <a:schemeClr val="accent6">
-                <a:lumMod val="75000"/>
-              </a:schemeClr>
-            </a:solidFill>
-            <a:tailEnd type="triangle"/>
-          </a:ln>
-        </p:spPr>
-        <p:style>
-          <a:lnRef idx="1">
-            <a:schemeClr val="accent1"/>
-          </a:lnRef>
-          <a:fillRef idx="0">
-            <a:schemeClr val="accent1"/>
-          </a:fillRef>
-          <a:effectRef idx="0">
-            <a:schemeClr val="accent1"/>
-          </a:effectRef>
-          <a:fontRef idx="minor">
-            <a:schemeClr val="tx1"/>
-          </a:fontRef>
-        </p:style>
-      </p:cxnSp>
-      <p:sp>
-        <p:nvSpPr>
-          <p:cNvPr id="20" name="TextBox 19">
-            <a:extLst>
-              <a:ext uri="{FF2B5EF4-FFF2-40B4-BE49-F238E27FC236}">
-                <a16:creationId xmlns:a16="http://schemas.microsoft.com/office/drawing/2014/main" id="{5FC80679-916F-63D7-CFD8-628C3315BA76}"/>
-              </a:ext>
-            </a:extLst>
-          </p:cNvPr>
-          <p:cNvSpPr txBox="1"/>
-          <p:nvPr/>
-        </p:nvSpPr>
-        <p:spPr>
-          <a:xfrm>
-            <a:off x="1115244" y="1306201"/>
-            <a:ext cx="2141933" cy="276999"/>
-          </a:xfrm>
-          <a:prstGeom prst="rect">
-            <a:avLst/>
-          </a:prstGeom>
-          <a:noFill/>
-        </p:spPr>
-        <p:txBody>
-          <a:bodyPr wrap="none" rtlCol="0">
-            <a:spAutoFit/>
-          </a:bodyPr>
-          <a:lstStyle/>
-          <a:p>
-            <a:r>
-              <a:rPr lang="en-US" sz="1200" dirty="0">
-                <a:latin typeface="Berlin Sans FB Demi" panose="020E0802020502020306" pitchFamily="34" charset="0"/>
-              </a:rPr>
-              <a:t>Message Routing Key = Key0</a:t>
-            </a:r>
-          </a:p>
-        </p:txBody>
-      </p:sp>
-      <p:sp>
-        <p:nvSpPr>
-          <p:cNvPr id="22" name="TextBox 21">
-            <a:extLst>
-              <a:ext uri="{FF2B5EF4-FFF2-40B4-BE49-F238E27FC236}">
-                <a16:creationId xmlns:a16="http://schemas.microsoft.com/office/drawing/2014/main" id="{FF58C1EA-0D1A-A84E-B97B-9BE0BA1CB09F}"/>
-              </a:ext>
-            </a:extLst>
-          </p:cNvPr>
-          <p:cNvSpPr txBox="1"/>
-          <p:nvPr/>
-        </p:nvSpPr>
-        <p:spPr>
-          <a:xfrm>
-            <a:off x="5954655" y="1933398"/>
-            <a:ext cx="542136" cy="276999"/>
-          </a:xfrm>
-          <a:prstGeom prst="rect">
-            <a:avLst/>
-          </a:prstGeom>
-          <a:noFill/>
-        </p:spPr>
-        <p:txBody>
-          <a:bodyPr wrap="none" rtlCol="0">
-            <a:spAutoFit/>
-          </a:bodyPr>
-          <a:lstStyle/>
-          <a:p>
-            <a:r>
-              <a:rPr lang="en-US" sz="1200" dirty="0">
-                <a:latin typeface="Berlin Sans FB Demi" panose="020E0802020502020306" pitchFamily="34" charset="0"/>
-              </a:rPr>
-              <a:t>Key0</a:t>
-            </a:r>
-          </a:p>
-        </p:txBody>
-      </p:sp>
-      <p:sp>
-        <p:nvSpPr>
-          <p:cNvPr id="23" name="TextBox 22">
-            <a:extLst>
-              <a:ext uri="{FF2B5EF4-FFF2-40B4-BE49-F238E27FC236}">
-                <a16:creationId xmlns:a16="http://schemas.microsoft.com/office/drawing/2014/main" id="{AD77C306-A7CC-D086-48C0-A6E646CFFB07}"/>
-              </a:ext>
-            </a:extLst>
-          </p:cNvPr>
-          <p:cNvSpPr txBox="1"/>
-          <p:nvPr/>
-        </p:nvSpPr>
-        <p:spPr>
-          <a:xfrm>
-            <a:off x="852232" y="4145818"/>
-            <a:ext cx="10547858" cy="707886"/>
-          </a:xfrm>
-          <a:prstGeom prst="rect">
-            <a:avLst/>
-          </a:prstGeom>
-          <a:noFill/>
-        </p:spPr>
-        <p:txBody>
-          <a:bodyPr wrap="square" rtlCol="0">
-            <a:spAutoFit/>
-          </a:bodyPr>
-          <a:lstStyle/>
-          <a:p>
-            <a:r>
-              <a:rPr lang="en-US" sz="2000" dirty="0">
-                <a:latin typeface="Berlin Sans FB Demi" panose="020E0802020502020306" pitchFamily="34" charset="0"/>
-              </a:rPr>
-              <a:t>A queue can have multiple consumers which in case messages will be round robin’d across consumers</a:t>
-            </a:r>
-          </a:p>
-        </p:txBody>
-      </p:sp>
-      <p:grpSp>
-        <p:nvGrpSpPr>
-          <p:cNvPr id="24" name="Group 23">
-            <a:extLst>
-              <a:ext uri="{FF2B5EF4-FFF2-40B4-BE49-F238E27FC236}">
-                <a16:creationId xmlns:a16="http://schemas.microsoft.com/office/drawing/2014/main" id="{ED76583F-2FED-550B-7342-B542C9D5E13C}"/>
-              </a:ext>
-            </a:extLst>
-          </p:cNvPr>
-          <p:cNvGrpSpPr/>
-          <p:nvPr/>
-        </p:nvGrpSpPr>
-        <p:grpSpPr>
-          <a:xfrm>
-            <a:off x="7238893" y="1914339"/>
-            <a:ext cx="1580367" cy="659702"/>
-            <a:chOff x="6904973" y="2110636"/>
-            <a:chExt cx="1580367" cy="659702"/>
-          </a:xfrm>
-        </p:grpSpPr>
-        <p:sp>
-          <p:nvSpPr>
-            <p:cNvPr id="25" name="Rectangle: Rounded Corners 24">
-              <a:extLst>
-                <a:ext uri="{FF2B5EF4-FFF2-40B4-BE49-F238E27FC236}">
-                  <a16:creationId xmlns:a16="http://schemas.microsoft.com/office/drawing/2014/main" id="{62C939AD-04E7-9FA8-1014-E763F075B5F4}"/>
-                </a:ext>
-              </a:extLst>
-            </p:cNvPr>
-            <p:cNvSpPr/>
-            <p:nvPr/>
-          </p:nvSpPr>
-          <p:spPr>
-            <a:xfrm>
-              <a:off x="6904973" y="2110636"/>
-              <a:ext cx="1580367" cy="659702"/>
-            </a:xfrm>
-            <a:prstGeom prst="roundRect">
-              <a:avLst/>
-            </a:prstGeom>
-            <a:solidFill>
-              <a:schemeClr val="accent1">
-                <a:lumMod val="20000"/>
-                <a:lumOff val="80000"/>
-              </a:schemeClr>
-            </a:solidFill>
-            <a:ln w="12700">
-              <a:solidFill>
-                <a:schemeClr val="tx1"/>
-              </a:solidFill>
-            </a:ln>
-          </p:spPr>
-          <p:style>
-            <a:lnRef idx="2">
-              <a:schemeClr val="accent1">
-                <a:shade val="15000"/>
-              </a:schemeClr>
-            </a:lnRef>
-            <a:fillRef idx="1">
-              <a:schemeClr val="accent1"/>
-            </a:fillRef>
-            <a:effectRef idx="0">
-              <a:schemeClr val="accent1"/>
-            </a:effectRef>
-            <a:fontRef idx="minor">
-              <a:schemeClr val="lt1"/>
-            </a:fontRef>
-          </p:style>
-          <p:txBody>
-            <a:bodyPr rtlCol="0" anchor="ctr"/>
-            <a:lstStyle/>
-            <a:p>
-              <a:pPr algn="ctr"/>
-              <a:endParaRPr lang="en-US" dirty="0"/>
-            </a:p>
-          </p:txBody>
-        </p:sp>
-        <p:sp>
-          <p:nvSpPr>
-            <p:cNvPr id="26" name="Rectangle: Rounded Corners 25">
-              <a:extLst>
-                <a:ext uri="{FF2B5EF4-FFF2-40B4-BE49-F238E27FC236}">
-                  <a16:creationId xmlns:a16="http://schemas.microsoft.com/office/drawing/2014/main" id="{C5084D5D-5063-19FC-5FA9-D68B66F0AE9C}"/>
-                </a:ext>
-              </a:extLst>
-            </p:cNvPr>
-            <p:cNvSpPr/>
-            <p:nvPr/>
-          </p:nvSpPr>
-          <p:spPr>
-            <a:xfrm>
-              <a:off x="7014575" y="2153433"/>
-              <a:ext cx="169102" cy="567845"/>
-            </a:xfrm>
-            <a:prstGeom prst="roundRect">
-              <a:avLst/>
-            </a:prstGeom>
-            <a:solidFill>
-              <a:schemeClr val="accent2"/>
-            </a:solidFill>
-            <a:ln>
-              <a:noFill/>
-            </a:ln>
-          </p:spPr>
-          <p:style>
-            <a:lnRef idx="2">
-              <a:schemeClr val="accent1">
-                <a:shade val="15000"/>
-              </a:schemeClr>
-            </a:lnRef>
-            <a:fillRef idx="1">
-              <a:schemeClr val="accent1"/>
-            </a:fillRef>
-            <a:effectRef idx="0">
-              <a:schemeClr val="accent1"/>
-            </a:effectRef>
-            <a:fontRef idx="minor">
-              <a:schemeClr val="lt1"/>
-            </a:fontRef>
-          </p:style>
-          <p:txBody>
-            <a:bodyPr rtlCol="0" anchor="ctr"/>
-            <a:lstStyle/>
-            <a:p>
-              <a:pPr algn="ctr"/>
-              <a:endParaRPr lang="en-US"/>
-            </a:p>
-          </p:txBody>
-        </p:sp>
-        <p:sp>
-          <p:nvSpPr>
-            <p:cNvPr id="27" name="Rectangle: Rounded Corners 26">
-              <a:extLst>
-                <a:ext uri="{FF2B5EF4-FFF2-40B4-BE49-F238E27FC236}">
-                  <a16:creationId xmlns:a16="http://schemas.microsoft.com/office/drawing/2014/main" id="{4E6E4360-58AF-BA1B-083A-FAC4E99F7A4A}"/>
-                </a:ext>
-              </a:extLst>
-            </p:cNvPr>
-            <p:cNvSpPr/>
-            <p:nvPr/>
-          </p:nvSpPr>
-          <p:spPr>
-            <a:xfrm>
-              <a:off x="7258833" y="2153432"/>
-              <a:ext cx="169102" cy="567845"/>
-            </a:xfrm>
-            <a:prstGeom prst="roundRect">
-              <a:avLst/>
-            </a:prstGeom>
-            <a:solidFill>
-              <a:schemeClr val="accent2"/>
-            </a:solidFill>
-            <a:ln>
-              <a:noFill/>
-            </a:ln>
-          </p:spPr>
-          <p:style>
-            <a:lnRef idx="2">
-              <a:schemeClr val="accent1">
-                <a:shade val="15000"/>
-              </a:schemeClr>
-            </a:lnRef>
-            <a:fillRef idx="1">
-              <a:schemeClr val="accent1"/>
-            </a:fillRef>
-            <a:effectRef idx="0">
-              <a:schemeClr val="accent1"/>
-            </a:effectRef>
-            <a:fontRef idx="minor">
-              <a:schemeClr val="lt1"/>
-            </a:fontRef>
-          </p:style>
-          <p:txBody>
-            <a:bodyPr rtlCol="0" anchor="ctr"/>
-            <a:lstStyle/>
-            <a:p>
-              <a:pPr algn="ctr"/>
-              <a:endParaRPr lang="en-US" dirty="0"/>
-            </a:p>
-          </p:txBody>
-        </p:sp>
-        <p:sp>
-          <p:nvSpPr>
-            <p:cNvPr id="28" name="Rectangle: Rounded Corners 27">
-              <a:extLst>
-                <a:ext uri="{FF2B5EF4-FFF2-40B4-BE49-F238E27FC236}">
-                  <a16:creationId xmlns:a16="http://schemas.microsoft.com/office/drawing/2014/main" id="{CE1D0960-B191-FD78-953A-8196E7D40E4F}"/>
-                </a:ext>
-              </a:extLst>
-            </p:cNvPr>
-            <p:cNvSpPr/>
-            <p:nvPr/>
-          </p:nvSpPr>
-          <p:spPr>
-            <a:xfrm>
-              <a:off x="7505699" y="2153433"/>
-              <a:ext cx="169102" cy="567845"/>
-            </a:xfrm>
-            <a:prstGeom prst="roundRect">
-              <a:avLst/>
-            </a:prstGeom>
-            <a:solidFill>
-              <a:schemeClr val="accent2"/>
-            </a:solidFill>
-            <a:ln>
-              <a:noFill/>
-            </a:ln>
-          </p:spPr>
-          <p:style>
-            <a:lnRef idx="2">
-              <a:schemeClr val="accent1">
-                <a:shade val="15000"/>
-              </a:schemeClr>
-            </a:lnRef>
-            <a:fillRef idx="1">
-              <a:schemeClr val="accent1"/>
-            </a:fillRef>
-            <a:effectRef idx="0">
-              <a:schemeClr val="accent1"/>
-            </a:effectRef>
-            <a:fontRef idx="minor">
-              <a:schemeClr val="lt1"/>
-            </a:fontRef>
-          </p:style>
-          <p:txBody>
-            <a:bodyPr rtlCol="0" anchor="ctr"/>
-            <a:lstStyle/>
-            <a:p>
-              <a:pPr algn="ctr"/>
-              <a:endParaRPr lang="en-US"/>
-            </a:p>
-          </p:txBody>
-        </p:sp>
-        <p:sp>
-          <p:nvSpPr>
-            <p:cNvPr id="29" name="Rectangle: Rounded Corners 28">
-              <a:extLst>
-                <a:ext uri="{FF2B5EF4-FFF2-40B4-BE49-F238E27FC236}">
-                  <a16:creationId xmlns:a16="http://schemas.microsoft.com/office/drawing/2014/main" id="{007B1314-197A-41B5-A587-976533BCF129}"/>
-                </a:ext>
-              </a:extLst>
-            </p:cNvPr>
-            <p:cNvSpPr/>
-            <p:nvPr/>
-          </p:nvSpPr>
-          <p:spPr>
-            <a:xfrm>
-              <a:off x="7749957" y="2153432"/>
-              <a:ext cx="169102" cy="567845"/>
-            </a:xfrm>
-            <a:prstGeom prst="roundRect">
-              <a:avLst/>
-            </a:prstGeom>
-            <a:solidFill>
-              <a:schemeClr val="accent2"/>
-            </a:solidFill>
-            <a:ln>
-              <a:noFill/>
-            </a:ln>
-          </p:spPr>
-          <p:style>
-            <a:lnRef idx="2">
-              <a:schemeClr val="accent1">
-                <a:shade val="15000"/>
-              </a:schemeClr>
-            </a:lnRef>
-            <a:fillRef idx="1">
-              <a:schemeClr val="accent1"/>
-            </a:fillRef>
-            <a:effectRef idx="0">
-              <a:schemeClr val="accent1"/>
-            </a:effectRef>
-            <a:fontRef idx="minor">
-              <a:schemeClr val="lt1"/>
-            </a:fontRef>
-          </p:style>
-          <p:txBody>
-            <a:bodyPr rtlCol="0" anchor="ctr"/>
-            <a:lstStyle/>
-            <a:p>
-              <a:pPr algn="ctr"/>
-              <a:endParaRPr lang="en-US" dirty="0"/>
-            </a:p>
-          </p:txBody>
-        </p:sp>
-        <p:sp>
-          <p:nvSpPr>
-            <p:cNvPr id="31" name="Rectangle: Rounded Corners 30">
-              <a:extLst>
-                <a:ext uri="{FF2B5EF4-FFF2-40B4-BE49-F238E27FC236}">
-                  <a16:creationId xmlns:a16="http://schemas.microsoft.com/office/drawing/2014/main" id="{CB82F6A3-919A-57B9-9384-4B9B4DB8AA24}"/>
-                </a:ext>
-              </a:extLst>
-            </p:cNvPr>
-            <p:cNvSpPr/>
-            <p:nvPr/>
-          </p:nvSpPr>
-          <p:spPr>
-            <a:xfrm>
-              <a:off x="8009465" y="2153432"/>
-              <a:ext cx="169102" cy="567845"/>
-            </a:xfrm>
-            <a:prstGeom prst="roundRect">
-              <a:avLst/>
-            </a:prstGeom>
-            <a:solidFill>
-              <a:schemeClr val="accent4">
-                <a:lumMod val="20000"/>
-                <a:lumOff val="80000"/>
-              </a:schemeClr>
-            </a:solidFill>
-            <a:ln>
-              <a:noFill/>
-            </a:ln>
-          </p:spPr>
-          <p:style>
-            <a:lnRef idx="2">
-              <a:schemeClr val="accent1">
-                <a:shade val="15000"/>
-              </a:schemeClr>
-            </a:lnRef>
-            <a:fillRef idx="1">
-              <a:schemeClr val="accent1"/>
-            </a:fillRef>
-            <a:effectRef idx="0">
-              <a:schemeClr val="accent1"/>
-            </a:effectRef>
-            <a:fontRef idx="minor">
-              <a:schemeClr val="lt1"/>
-            </a:fontRef>
-          </p:style>
-          <p:txBody>
-            <a:bodyPr rtlCol="0" anchor="ctr"/>
-            <a:lstStyle/>
-            <a:p>
-              <a:pPr algn="ctr"/>
-              <a:endParaRPr lang="en-US"/>
-            </a:p>
-          </p:txBody>
-        </p:sp>
-      </p:grpSp>
-      <p:cxnSp>
-        <p:nvCxnSpPr>
-          <p:cNvPr id="41" name="Straight Arrow Connector 40">
-            <a:extLst>
-              <a:ext uri="{FF2B5EF4-FFF2-40B4-BE49-F238E27FC236}">
-                <a16:creationId xmlns:a16="http://schemas.microsoft.com/office/drawing/2014/main" id="{892859A2-BFA0-9260-5B9B-C40C90626963}"/>
-              </a:ext>
-            </a:extLst>
-          </p:cNvPr>
-          <p:cNvCxnSpPr>
-            <a:cxnSpLocks/>
-            <a:stCxn id="104" idx="3"/>
-            <a:endCxn id="25" idx="1"/>
-          </p:cNvCxnSpPr>
-          <p:nvPr/>
-        </p:nvCxnSpPr>
-        <p:spPr>
-          <a:xfrm flipV="1">
-            <a:off x="5222401" y="2244190"/>
-            <a:ext cx="2016492" cy="4057"/>
-          </a:xfrm>
-          <a:prstGeom prst="straightConnector1">
-            <a:avLst/>
-          </a:prstGeom>
-          <a:ln w="28575">
-            <a:prstDash val="sysDot"/>
-            <a:headEnd type="none" w="med" len="med"/>
-            <a:tailEnd type="none" w="med" len="med"/>
-          </a:ln>
-        </p:spPr>
-        <p:style>
-          <a:lnRef idx="1">
-            <a:schemeClr val="dk1"/>
-          </a:lnRef>
-          <a:fillRef idx="0">
-            <a:schemeClr val="dk1"/>
-          </a:fillRef>
-          <a:effectRef idx="0">
-            <a:schemeClr val="dk1"/>
-          </a:effectRef>
-          <a:fontRef idx="minor">
-            <a:schemeClr val="tx1"/>
-          </a:fontRef>
-        </p:style>
-      </p:cxnSp>
-      <p:grpSp>
-        <p:nvGrpSpPr>
-          <p:cNvPr id="49" name="Group 48">
-            <a:extLst>
-              <a:ext uri="{FF2B5EF4-FFF2-40B4-BE49-F238E27FC236}">
-                <a16:creationId xmlns:a16="http://schemas.microsoft.com/office/drawing/2014/main" id="{7F2FFEE3-EC88-7CB8-DF47-320097737674}"/>
-              </a:ext>
-            </a:extLst>
-          </p:cNvPr>
-          <p:cNvGrpSpPr/>
-          <p:nvPr/>
-        </p:nvGrpSpPr>
-        <p:grpSpPr>
-          <a:xfrm>
-            <a:off x="10258263" y="1489296"/>
-            <a:ext cx="1563667" cy="659702"/>
-            <a:chOff x="10349223" y="1285199"/>
-            <a:chExt cx="1563667" cy="864295"/>
-          </a:xfrm>
-        </p:grpSpPr>
-        <p:sp>
-          <p:nvSpPr>
-            <p:cNvPr id="51" name="Rectangle: Rounded Corners 50">
-              <a:extLst>
-                <a:ext uri="{FF2B5EF4-FFF2-40B4-BE49-F238E27FC236}">
-                  <a16:creationId xmlns:a16="http://schemas.microsoft.com/office/drawing/2014/main" id="{65B96A62-EDB6-E5C1-31B7-E25DE2157A4C}"/>
-                </a:ext>
-              </a:extLst>
-            </p:cNvPr>
-            <p:cNvSpPr/>
-            <p:nvPr/>
-          </p:nvSpPr>
-          <p:spPr>
-            <a:xfrm>
-              <a:off x="10349223" y="1285199"/>
-              <a:ext cx="1563667" cy="864295"/>
-            </a:xfrm>
-            <a:prstGeom prst="roundRect">
-              <a:avLst>
-                <a:gd name="adj" fmla="val 8902"/>
-              </a:avLst>
-            </a:prstGeom>
-            <a:solidFill>
-              <a:schemeClr val="accent2">
-                <a:lumMod val="20000"/>
-                <a:lumOff val="80000"/>
-              </a:schemeClr>
-            </a:solidFill>
-            <a:ln>
-              <a:solidFill>
-                <a:schemeClr val="tx1"/>
-              </a:solidFill>
-            </a:ln>
-          </p:spPr>
-          <p:style>
-            <a:lnRef idx="2">
-              <a:schemeClr val="accent1">
-                <a:shade val="15000"/>
-              </a:schemeClr>
-            </a:lnRef>
-            <a:fillRef idx="1">
-              <a:schemeClr val="accent1"/>
-            </a:fillRef>
-            <a:effectRef idx="0">
-              <a:schemeClr val="accent1"/>
-            </a:effectRef>
-            <a:fontRef idx="minor">
-              <a:schemeClr val="lt1"/>
-            </a:fontRef>
-          </p:style>
-          <p:txBody>
-            <a:bodyPr rtlCol="0" anchor="ctr"/>
-            <a:lstStyle/>
-            <a:p>
-              <a:pPr algn="ctr"/>
-              <a:endParaRPr lang="en-US"/>
-            </a:p>
-          </p:txBody>
-        </p:sp>
-        <p:sp>
-          <p:nvSpPr>
-            <p:cNvPr id="53" name="TextBox 52">
-              <a:extLst>
-                <a:ext uri="{FF2B5EF4-FFF2-40B4-BE49-F238E27FC236}">
-                  <a16:creationId xmlns:a16="http://schemas.microsoft.com/office/drawing/2014/main" id="{3EEB1E05-2CD9-83A3-140F-55A871DE909F}"/>
-                </a:ext>
-              </a:extLst>
-            </p:cNvPr>
-            <p:cNvSpPr txBox="1"/>
-            <p:nvPr/>
-          </p:nvSpPr>
-          <p:spPr>
-            <a:xfrm>
-              <a:off x="10528968" y="1424864"/>
-              <a:ext cx="1204176" cy="369331"/>
-            </a:xfrm>
-            <a:prstGeom prst="rect">
-              <a:avLst/>
-            </a:prstGeom>
-            <a:noFill/>
-          </p:spPr>
-          <p:txBody>
-            <a:bodyPr wrap="none" rtlCol="0">
-              <a:spAutoFit/>
-            </a:bodyPr>
-            <a:lstStyle/>
-            <a:p>
-              <a:r>
-                <a:rPr lang="en-US" dirty="0">
-                  <a:latin typeface="Berlin Sans FB Demi" panose="020E0802020502020306" pitchFamily="34" charset="0"/>
-                </a:rPr>
-                <a:t>Consumer</a:t>
-              </a:r>
-            </a:p>
-          </p:txBody>
-        </p:sp>
-      </p:grpSp>
-      <p:sp>
-        <p:nvSpPr>
-          <p:cNvPr id="54" name="Rectangle: Rounded Corners 53">
-            <a:extLst>
-              <a:ext uri="{FF2B5EF4-FFF2-40B4-BE49-F238E27FC236}">
-                <a16:creationId xmlns:a16="http://schemas.microsoft.com/office/drawing/2014/main" id="{4BF7A28E-B608-DEA8-D35A-0F40B043F6A9}"/>
-              </a:ext>
-            </a:extLst>
-          </p:cNvPr>
-          <p:cNvSpPr/>
-          <p:nvPr/>
-        </p:nvSpPr>
-        <p:spPr>
-          <a:xfrm>
-            <a:off x="9538761" y="2639950"/>
-            <a:ext cx="169102" cy="567845"/>
-          </a:xfrm>
-          <a:prstGeom prst="roundRect">
-            <a:avLst/>
-          </a:prstGeom>
-          <a:solidFill>
-            <a:schemeClr val="accent2"/>
-          </a:solidFill>
-          <a:ln>
-            <a:noFill/>
-          </a:ln>
-        </p:spPr>
-        <p:style>
-          <a:lnRef idx="2">
-            <a:schemeClr val="accent1">
-              <a:shade val="15000"/>
-            </a:schemeClr>
-          </a:lnRef>
-          <a:fillRef idx="1">
-            <a:schemeClr val="accent1"/>
-          </a:fillRef>
-          <a:effectRef idx="0">
-            <a:schemeClr val="accent1"/>
-          </a:effectRef>
-          <a:fontRef idx="minor">
-            <a:schemeClr val="lt1"/>
-          </a:fontRef>
-        </p:style>
-        <p:txBody>
-          <a:bodyPr rtlCol="0" anchor="ctr"/>
-          <a:lstStyle/>
-          <a:p>
-            <a:pPr algn="ctr"/>
-            <a:endParaRPr lang="en-US" dirty="0"/>
-          </a:p>
-        </p:txBody>
-      </p:sp>
-      <p:cxnSp>
-        <p:nvCxnSpPr>
-          <p:cNvPr id="55" name="Straight Arrow Connector 54">
-            <a:extLst>
-              <a:ext uri="{FF2B5EF4-FFF2-40B4-BE49-F238E27FC236}">
-                <a16:creationId xmlns:a16="http://schemas.microsoft.com/office/drawing/2014/main" id="{0A4185D0-05CE-0DBF-D252-B619897BAAA0}"/>
-              </a:ext>
-            </a:extLst>
-          </p:cNvPr>
-          <p:cNvCxnSpPr>
-            <a:cxnSpLocks/>
-            <a:stCxn id="25" idx="3"/>
-            <a:endCxn id="51" idx="1"/>
-          </p:cNvCxnSpPr>
-          <p:nvPr/>
-        </p:nvCxnSpPr>
-        <p:spPr>
-          <a:xfrm flipV="1">
-            <a:off x="8819260" y="1819147"/>
-            <a:ext cx="1439003" cy="425043"/>
-          </a:xfrm>
-          <a:prstGeom prst="straightConnector1">
-            <a:avLst/>
-          </a:prstGeom>
-          <a:ln w="38100">
-            <a:solidFill>
-              <a:schemeClr val="accent6">
-                <a:lumMod val="75000"/>
-              </a:schemeClr>
-            </a:solidFill>
-            <a:tailEnd type="triangle"/>
-          </a:ln>
-        </p:spPr>
-        <p:style>
-          <a:lnRef idx="1">
-            <a:schemeClr val="accent1"/>
-          </a:lnRef>
-          <a:fillRef idx="0">
-            <a:schemeClr val="accent1"/>
-          </a:fillRef>
-          <a:effectRef idx="0">
-            <a:schemeClr val="accent1"/>
-          </a:effectRef>
-          <a:fontRef idx="minor">
-            <a:schemeClr val="tx1"/>
-          </a:fontRef>
-        </p:style>
-      </p:cxnSp>
-      <p:grpSp>
-        <p:nvGrpSpPr>
-          <p:cNvPr id="3" name="Group 2">
-            <a:extLst>
-              <a:ext uri="{FF2B5EF4-FFF2-40B4-BE49-F238E27FC236}">
-                <a16:creationId xmlns:a16="http://schemas.microsoft.com/office/drawing/2014/main" id="{9B6718A2-B186-96A1-6017-536605CFBED6}"/>
-              </a:ext>
-            </a:extLst>
-          </p:cNvPr>
-          <p:cNvGrpSpPr/>
-          <p:nvPr/>
-        </p:nvGrpSpPr>
-        <p:grpSpPr>
-          <a:xfrm>
-            <a:off x="10287032" y="2478849"/>
-            <a:ext cx="1563667" cy="659702"/>
-            <a:chOff x="10349223" y="1285199"/>
-            <a:chExt cx="1563667" cy="864295"/>
-          </a:xfrm>
-        </p:grpSpPr>
-        <p:sp>
-          <p:nvSpPr>
-            <p:cNvPr id="4" name="Rectangle: Rounded Corners 3">
-              <a:extLst>
-                <a:ext uri="{FF2B5EF4-FFF2-40B4-BE49-F238E27FC236}">
-                  <a16:creationId xmlns:a16="http://schemas.microsoft.com/office/drawing/2014/main" id="{F9100E11-7AFC-89E0-20C2-7BDFD5A15C1C}"/>
-                </a:ext>
-              </a:extLst>
-            </p:cNvPr>
-            <p:cNvSpPr/>
-            <p:nvPr/>
-          </p:nvSpPr>
-          <p:spPr>
-            <a:xfrm>
-              <a:off x="10349223" y="1285199"/>
-              <a:ext cx="1563667" cy="864295"/>
-            </a:xfrm>
-            <a:prstGeom prst="roundRect">
-              <a:avLst>
-                <a:gd name="adj" fmla="val 8902"/>
-              </a:avLst>
-            </a:prstGeom>
-            <a:solidFill>
-              <a:schemeClr val="accent2">
-                <a:lumMod val="20000"/>
-                <a:lumOff val="80000"/>
-              </a:schemeClr>
-            </a:solidFill>
-            <a:ln>
-              <a:solidFill>
-                <a:schemeClr val="tx1"/>
-              </a:solidFill>
-            </a:ln>
-          </p:spPr>
-          <p:style>
-            <a:lnRef idx="2">
-              <a:schemeClr val="accent1">
-                <a:shade val="15000"/>
-              </a:schemeClr>
-            </a:lnRef>
-            <a:fillRef idx="1">
-              <a:schemeClr val="accent1"/>
-            </a:fillRef>
-            <a:effectRef idx="0">
-              <a:schemeClr val="accent1"/>
-            </a:effectRef>
-            <a:fontRef idx="minor">
-              <a:schemeClr val="lt1"/>
-            </a:fontRef>
-          </p:style>
-          <p:txBody>
-            <a:bodyPr rtlCol="0" anchor="ctr"/>
-            <a:lstStyle/>
-            <a:p>
-              <a:pPr algn="ctr"/>
-              <a:endParaRPr lang="en-US"/>
-            </a:p>
-          </p:txBody>
-        </p:sp>
-        <p:sp>
-          <p:nvSpPr>
-            <p:cNvPr id="5" name="TextBox 4">
-              <a:extLst>
-                <a:ext uri="{FF2B5EF4-FFF2-40B4-BE49-F238E27FC236}">
-                  <a16:creationId xmlns:a16="http://schemas.microsoft.com/office/drawing/2014/main" id="{3DE19714-1AC4-D28C-EE8C-8B1029E936BB}"/>
-                </a:ext>
-              </a:extLst>
-            </p:cNvPr>
-            <p:cNvSpPr txBox="1"/>
-            <p:nvPr/>
-          </p:nvSpPr>
-          <p:spPr>
-            <a:xfrm>
-              <a:off x="10528968" y="1424864"/>
-              <a:ext cx="1204176" cy="369331"/>
-            </a:xfrm>
-            <a:prstGeom prst="rect">
-              <a:avLst/>
-            </a:prstGeom>
-            <a:noFill/>
-          </p:spPr>
-          <p:txBody>
-            <a:bodyPr wrap="none" rtlCol="0">
-              <a:spAutoFit/>
-            </a:bodyPr>
-            <a:lstStyle/>
-            <a:p>
-              <a:r>
-                <a:rPr lang="en-US" dirty="0">
-                  <a:latin typeface="Berlin Sans FB Demi" panose="020E0802020502020306" pitchFamily="34" charset="0"/>
-                </a:rPr>
-                <a:t>Consumer</a:t>
-              </a:r>
-            </a:p>
-          </p:txBody>
-        </p:sp>
-      </p:grpSp>
-      <p:cxnSp>
-        <p:nvCxnSpPr>
-          <p:cNvPr id="6" name="Straight Arrow Connector 5">
-            <a:extLst>
-              <a:ext uri="{FF2B5EF4-FFF2-40B4-BE49-F238E27FC236}">
-                <a16:creationId xmlns:a16="http://schemas.microsoft.com/office/drawing/2014/main" id="{F106FFA9-359D-C42E-9ED5-90B3C0879E74}"/>
-              </a:ext>
-            </a:extLst>
-          </p:cNvPr>
-          <p:cNvCxnSpPr>
-            <a:cxnSpLocks/>
-            <a:stCxn id="25" idx="3"/>
-            <a:endCxn id="4" idx="1"/>
-          </p:cNvCxnSpPr>
-          <p:nvPr/>
-        </p:nvCxnSpPr>
-        <p:spPr>
-          <a:xfrm>
-            <a:off x="8819260" y="2244190"/>
-            <a:ext cx="1467772" cy="564510"/>
-          </a:xfrm>
-          <a:prstGeom prst="straightConnector1">
-            <a:avLst/>
-          </a:prstGeom>
-          <a:ln w="38100">
-            <a:solidFill>
-              <a:schemeClr val="accent6">
-                <a:lumMod val="75000"/>
-              </a:schemeClr>
-            </a:solidFill>
-            <a:tailEnd type="triangle"/>
-          </a:ln>
-        </p:spPr>
-        <p:style>
-          <a:lnRef idx="1">
-            <a:schemeClr val="accent1"/>
-          </a:lnRef>
-          <a:fillRef idx="0">
-            <a:schemeClr val="accent1"/>
-          </a:fillRef>
-          <a:effectRef idx="0">
-            <a:schemeClr val="accent1"/>
-          </a:effectRef>
-          <a:fontRef idx="minor">
-            <a:schemeClr val="tx1"/>
-          </a:fontRef>
-        </p:style>
-      </p:cxnSp>
-    </p:spTree>
-    <p:extLst>
-      <p:ext uri="{BB962C8B-B14F-4D97-AF65-F5344CB8AC3E}">
-        <p14:creationId xmlns:p14="http://schemas.microsoft.com/office/powerpoint/2010/main" val="1636948097"/>
       </p:ext>
     </p:extLst>
   </p:cSld>
@@ -17905,6 +16646,1459 @@
         <p:spPr>
           <a:xfrm>
             <a:off x="198835" y="364720"/>
+            <a:ext cx="9714519" cy="584775"/>
+          </a:xfrm>
+          <a:prstGeom prst="rect">
+            <a:avLst/>
+          </a:prstGeom>
+          <a:noFill/>
+        </p:spPr>
+        <p:txBody>
+          <a:bodyPr wrap="none" rtlCol="0">
+            <a:spAutoFit/>
+          </a:bodyPr>
+          <a:lstStyle/>
+          <a:p>
+            <a:r>
+              <a:rPr lang="en-US" sz="3200" dirty="0">
+                <a:latin typeface="Berlin Sans FB Demi" panose="020E0802020502020306" pitchFamily="34" charset="0"/>
+              </a:rPr>
+              <a:t>Direct Exchange (Single Queue, Multiple Consumers)</a:t>
+            </a:r>
+          </a:p>
+        </p:txBody>
+      </p:sp>
+      <p:grpSp>
+        <p:nvGrpSpPr>
+          <p:cNvPr id="46" name="Group 45">
+            <a:extLst>
+              <a:ext uri="{FF2B5EF4-FFF2-40B4-BE49-F238E27FC236}">
+                <a16:creationId xmlns:a16="http://schemas.microsoft.com/office/drawing/2014/main" id="{2BF3610F-143F-C7FE-7A88-2420F6BA51D1}"/>
+              </a:ext>
+            </a:extLst>
+          </p:cNvPr>
+          <p:cNvGrpSpPr/>
+          <p:nvPr/>
+        </p:nvGrpSpPr>
+        <p:grpSpPr>
+          <a:xfrm>
+            <a:off x="341301" y="1819147"/>
+            <a:ext cx="1563667" cy="864295"/>
+            <a:chOff x="212941" y="1999803"/>
+            <a:chExt cx="1563667" cy="864295"/>
+          </a:xfrm>
+        </p:grpSpPr>
+        <p:sp>
+          <p:nvSpPr>
+            <p:cNvPr id="48" name="Rectangle: Rounded Corners 47">
+              <a:extLst>
+                <a:ext uri="{FF2B5EF4-FFF2-40B4-BE49-F238E27FC236}">
+                  <a16:creationId xmlns:a16="http://schemas.microsoft.com/office/drawing/2014/main" id="{386616B5-E5F8-B8AD-D846-317BBF2EEDF8}"/>
+                </a:ext>
+              </a:extLst>
+            </p:cNvPr>
+            <p:cNvSpPr/>
+            <p:nvPr/>
+          </p:nvSpPr>
+          <p:spPr>
+            <a:xfrm>
+              <a:off x="212941" y="1999803"/>
+              <a:ext cx="1563667" cy="864295"/>
+            </a:xfrm>
+            <a:prstGeom prst="roundRect">
+              <a:avLst>
+                <a:gd name="adj" fmla="val 5020"/>
+              </a:avLst>
+            </a:prstGeom>
+            <a:solidFill>
+              <a:schemeClr val="bg2">
+                <a:lumMod val="90000"/>
+              </a:schemeClr>
+            </a:solidFill>
+            <a:ln>
+              <a:solidFill>
+                <a:schemeClr val="tx1"/>
+              </a:solidFill>
+            </a:ln>
+          </p:spPr>
+          <p:style>
+            <a:lnRef idx="2">
+              <a:schemeClr val="accent1">
+                <a:shade val="15000"/>
+              </a:schemeClr>
+            </a:lnRef>
+            <a:fillRef idx="1">
+              <a:schemeClr val="accent1"/>
+            </a:fillRef>
+            <a:effectRef idx="0">
+              <a:schemeClr val="accent1"/>
+            </a:effectRef>
+            <a:fontRef idx="minor">
+              <a:schemeClr val="lt1"/>
+            </a:fontRef>
+          </p:style>
+          <p:txBody>
+            <a:bodyPr rtlCol="0" anchor="ctr"/>
+            <a:lstStyle/>
+            <a:p>
+              <a:pPr algn="ctr"/>
+              <a:endParaRPr lang="en-US" dirty="0"/>
+            </a:p>
+          </p:txBody>
+        </p:sp>
+        <p:sp>
+          <p:nvSpPr>
+            <p:cNvPr id="50" name="TextBox 49">
+              <a:extLst>
+                <a:ext uri="{FF2B5EF4-FFF2-40B4-BE49-F238E27FC236}">
+                  <a16:creationId xmlns:a16="http://schemas.microsoft.com/office/drawing/2014/main" id="{486DA591-53B9-E1BD-BDA9-6CB4EEB2775A}"/>
+                </a:ext>
+              </a:extLst>
+            </p:cNvPr>
+            <p:cNvSpPr txBox="1"/>
+            <p:nvPr/>
+          </p:nvSpPr>
+          <p:spPr>
+            <a:xfrm>
+              <a:off x="439841" y="2247284"/>
+              <a:ext cx="1109865" cy="369332"/>
+            </a:xfrm>
+            <a:prstGeom prst="rect">
+              <a:avLst/>
+            </a:prstGeom>
+            <a:noFill/>
+          </p:spPr>
+          <p:txBody>
+            <a:bodyPr wrap="square" rtlCol="0">
+              <a:spAutoFit/>
+            </a:bodyPr>
+            <a:lstStyle/>
+            <a:p>
+              <a:r>
+                <a:rPr lang="en-US" dirty="0">
+                  <a:latin typeface="Berlin Sans FB Demi" panose="020E0802020502020306" pitchFamily="34" charset="0"/>
+                </a:rPr>
+                <a:t>Producer </a:t>
+              </a:r>
+            </a:p>
+          </p:txBody>
+        </p:sp>
+      </p:grpSp>
+      <p:sp>
+        <p:nvSpPr>
+          <p:cNvPr id="52" name="Rectangle: Rounded Corners 51">
+            <a:extLst>
+              <a:ext uri="{FF2B5EF4-FFF2-40B4-BE49-F238E27FC236}">
+                <a16:creationId xmlns:a16="http://schemas.microsoft.com/office/drawing/2014/main" id="{C0F8DFD8-E56B-668A-248D-14559A4C2D14}"/>
+              </a:ext>
+            </a:extLst>
+          </p:cNvPr>
+          <p:cNvSpPr/>
+          <p:nvPr/>
+        </p:nvSpPr>
+        <p:spPr>
+          <a:xfrm>
+            <a:off x="3211265" y="1384184"/>
+            <a:ext cx="6062597" cy="2340526"/>
+          </a:xfrm>
+          <a:prstGeom prst="roundRect">
+            <a:avLst>
+              <a:gd name="adj" fmla="val 3129"/>
+            </a:avLst>
+          </a:prstGeom>
+          <a:solidFill>
+            <a:schemeClr val="accent1">
+              <a:lumMod val="20000"/>
+              <a:lumOff val="80000"/>
+            </a:schemeClr>
+          </a:solidFill>
+          <a:ln w="12700">
+            <a:solidFill>
+              <a:schemeClr val="tx1"/>
+            </a:solidFill>
+          </a:ln>
+        </p:spPr>
+        <p:style>
+          <a:lnRef idx="2">
+            <a:schemeClr val="accent1">
+              <a:shade val="15000"/>
+            </a:schemeClr>
+          </a:lnRef>
+          <a:fillRef idx="1">
+            <a:schemeClr val="accent1"/>
+          </a:fillRef>
+          <a:effectRef idx="0">
+            <a:schemeClr val="accent1"/>
+          </a:effectRef>
+          <a:fontRef idx="minor">
+            <a:schemeClr val="lt1"/>
+          </a:fontRef>
+        </p:style>
+        <p:txBody>
+          <a:bodyPr rtlCol="0" anchor="ctr"/>
+          <a:lstStyle/>
+          <a:p>
+            <a:pPr algn="ctr"/>
+            <a:endParaRPr lang="en-US" dirty="0"/>
+          </a:p>
+        </p:txBody>
+      </p:sp>
+      <p:sp>
+        <p:nvSpPr>
+          <p:cNvPr id="85" name="Rectangle: Rounded Corners 84">
+            <a:extLst>
+              <a:ext uri="{FF2B5EF4-FFF2-40B4-BE49-F238E27FC236}">
+                <a16:creationId xmlns:a16="http://schemas.microsoft.com/office/drawing/2014/main" id="{B2ECF235-6C7C-A3F2-B371-9DB8225803FB}"/>
+              </a:ext>
+            </a:extLst>
+          </p:cNvPr>
+          <p:cNvSpPr/>
+          <p:nvPr/>
+        </p:nvSpPr>
+        <p:spPr>
+          <a:xfrm>
+            <a:off x="3461521" y="1744909"/>
+            <a:ext cx="5562084" cy="1627464"/>
+          </a:xfrm>
+          <a:prstGeom prst="roundRect">
+            <a:avLst>
+              <a:gd name="adj" fmla="val 3934"/>
+            </a:avLst>
+          </a:prstGeom>
+          <a:solidFill>
+            <a:schemeClr val="bg1"/>
+          </a:solidFill>
+          <a:ln w="12700">
+            <a:solidFill>
+              <a:schemeClr val="tx1"/>
+            </a:solidFill>
+            <a:prstDash val="sysDot"/>
+          </a:ln>
+        </p:spPr>
+        <p:style>
+          <a:lnRef idx="2">
+            <a:schemeClr val="accent1">
+              <a:shade val="15000"/>
+            </a:schemeClr>
+          </a:lnRef>
+          <a:fillRef idx="1">
+            <a:schemeClr val="accent1"/>
+          </a:fillRef>
+          <a:effectRef idx="0">
+            <a:schemeClr val="accent1"/>
+          </a:effectRef>
+          <a:fontRef idx="minor">
+            <a:schemeClr val="lt1"/>
+          </a:fontRef>
+        </p:style>
+        <p:txBody>
+          <a:bodyPr rtlCol="0" anchor="ctr"/>
+          <a:lstStyle/>
+          <a:p>
+            <a:pPr algn="ctr"/>
+            <a:endParaRPr lang="en-US" dirty="0"/>
+          </a:p>
+        </p:txBody>
+      </p:sp>
+      <p:sp>
+        <p:nvSpPr>
+          <p:cNvPr id="104" name="Rectangle: Rounded Corners 103">
+            <a:extLst>
+              <a:ext uri="{FF2B5EF4-FFF2-40B4-BE49-F238E27FC236}">
+                <a16:creationId xmlns:a16="http://schemas.microsoft.com/office/drawing/2014/main" id="{D4343543-C635-4262-982B-42C5F018F9AE}"/>
+              </a:ext>
+            </a:extLst>
+          </p:cNvPr>
+          <p:cNvSpPr/>
+          <p:nvPr/>
+        </p:nvSpPr>
+        <p:spPr>
+          <a:xfrm>
+            <a:off x="3642034" y="1918396"/>
+            <a:ext cx="1580367" cy="659702"/>
+          </a:xfrm>
+          <a:prstGeom prst="roundRect">
+            <a:avLst/>
+          </a:prstGeom>
+          <a:solidFill>
+            <a:schemeClr val="accent5">
+              <a:lumMod val="60000"/>
+              <a:lumOff val="40000"/>
+            </a:schemeClr>
+          </a:solidFill>
+          <a:ln w="12700">
+            <a:solidFill>
+              <a:schemeClr val="tx1"/>
+            </a:solidFill>
+          </a:ln>
+        </p:spPr>
+        <p:style>
+          <a:lnRef idx="2">
+            <a:schemeClr val="accent1">
+              <a:shade val="15000"/>
+            </a:schemeClr>
+          </a:lnRef>
+          <a:fillRef idx="1">
+            <a:schemeClr val="accent1"/>
+          </a:fillRef>
+          <a:effectRef idx="0">
+            <a:schemeClr val="accent1"/>
+          </a:effectRef>
+          <a:fontRef idx="minor">
+            <a:schemeClr val="lt1"/>
+          </a:fontRef>
+        </p:style>
+        <p:txBody>
+          <a:bodyPr rtlCol="0" anchor="ctr"/>
+          <a:lstStyle/>
+          <a:p>
+            <a:pPr algn="ctr"/>
+            <a:r>
+              <a:rPr lang="en-US" dirty="0">
+                <a:solidFill>
+                  <a:schemeClr val="tx1"/>
+                </a:solidFill>
+                <a:latin typeface="Berlin Sans FB Demi" panose="020E0802020502020306" pitchFamily="34" charset="0"/>
+              </a:rPr>
+              <a:t>Exchange</a:t>
+            </a:r>
+          </a:p>
+        </p:txBody>
+      </p:sp>
+      <p:sp>
+        <p:nvSpPr>
+          <p:cNvPr id="132" name="TextBox 131">
+            <a:extLst>
+              <a:ext uri="{FF2B5EF4-FFF2-40B4-BE49-F238E27FC236}">
+                <a16:creationId xmlns:a16="http://schemas.microsoft.com/office/drawing/2014/main" id="{952DE949-2D49-313D-B473-B58C3EE7EC56}"/>
+              </a:ext>
+            </a:extLst>
+          </p:cNvPr>
+          <p:cNvSpPr txBox="1"/>
+          <p:nvPr/>
+        </p:nvSpPr>
+        <p:spPr>
+          <a:xfrm>
+            <a:off x="7570009" y="2533194"/>
+            <a:ext cx="857927" cy="369332"/>
+          </a:xfrm>
+          <a:prstGeom prst="rect">
+            <a:avLst/>
+          </a:prstGeom>
+          <a:noFill/>
+        </p:spPr>
+        <p:txBody>
+          <a:bodyPr wrap="none" rtlCol="0">
+            <a:spAutoFit/>
+          </a:bodyPr>
+          <a:lstStyle/>
+          <a:p>
+            <a:r>
+              <a:rPr lang="en-US" dirty="0">
+                <a:latin typeface="Berlin Sans FB Demi" panose="020E0802020502020306" pitchFamily="34" charset="0"/>
+              </a:rPr>
+              <a:t>Queue</a:t>
+            </a:r>
+          </a:p>
+        </p:txBody>
+      </p:sp>
+      <p:sp>
+        <p:nvSpPr>
+          <p:cNvPr id="134" name="Rectangle: Rounded Corners 133">
+            <a:extLst>
+              <a:ext uri="{FF2B5EF4-FFF2-40B4-BE49-F238E27FC236}">
+                <a16:creationId xmlns:a16="http://schemas.microsoft.com/office/drawing/2014/main" id="{10BF22CA-3A0E-EE80-7234-E2D12707E458}"/>
+              </a:ext>
+            </a:extLst>
+          </p:cNvPr>
+          <p:cNvSpPr/>
+          <p:nvPr/>
+        </p:nvSpPr>
+        <p:spPr>
+          <a:xfrm>
+            <a:off x="2485870" y="1615601"/>
+            <a:ext cx="169102" cy="567845"/>
+          </a:xfrm>
+          <a:prstGeom prst="roundRect">
+            <a:avLst/>
+          </a:prstGeom>
+          <a:solidFill>
+            <a:schemeClr val="accent2"/>
+          </a:solidFill>
+          <a:ln>
+            <a:noFill/>
+          </a:ln>
+        </p:spPr>
+        <p:style>
+          <a:lnRef idx="2">
+            <a:schemeClr val="accent1">
+              <a:shade val="15000"/>
+            </a:schemeClr>
+          </a:lnRef>
+          <a:fillRef idx="1">
+            <a:schemeClr val="accent1"/>
+          </a:fillRef>
+          <a:effectRef idx="0">
+            <a:schemeClr val="accent1"/>
+          </a:effectRef>
+          <a:fontRef idx="minor">
+            <a:schemeClr val="lt1"/>
+          </a:fontRef>
+        </p:style>
+        <p:txBody>
+          <a:bodyPr rtlCol="0" anchor="ctr"/>
+          <a:lstStyle/>
+          <a:p>
+            <a:pPr algn="ctr"/>
+            <a:endParaRPr lang="en-US" dirty="0"/>
+          </a:p>
+        </p:txBody>
+      </p:sp>
+      <p:sp>
+        <p:nvSpPr>
+          <p:cNvPr id="135" name="TextBox 134">
+            <a:extLst>
+              <a:ext uri="{FF2B5EF4-FFF2-40B4-BE49-F238E27FC236}">
+                <a16:creationId xmlns:a16="http://schemas.microsoft.com/office/drawing/2014/main" id="{69F2EB2C-D9D8-F76F-F732-21E59E952D41}"/>
+              </a:ext>
+            </a:extLst>
+          </p:cNvPr>
+          <p:cNvSpPr txBox="1"/>
+          <p:nvPr/>
+        </p:nvSpPr>
+        <p:spPr>
+          <a:xfrm>
+            <a:off x="3630704" y="2978530"/>
+            <a:ext cx="1425390" cy="369332"/>
+          </a:xfrm>
+          <a:prstGeom prst="rect">
+            <a:avLst/>
+          </a:prstGeom>
+          <a:noFill/>
+        </p:spPr>
+        <p:txBody>
+          <a:bodyPr wrap="none" rtlCol="0">
+            <a:spAutoFit/>
+          </a:bodyPr>
+          <a:lstStyle/>
+          <a:p>
+            <a:r>
+              <a:rPr lang="en-US" dirty="0">
+                <a:latin typeface="Berlin Sans FB Demi" panose="020E0802020502020306" pitchFamily="34" charset="0"/>
+              </a:rPr>
+              <a:t>Virtual Host</a:t>
+            </a:r>
+          </a:p>
+        </p:txBody>
+      </p:sp>
+      <p:sp>
+        <p:nvSpPr>
+          <p:cNvPr id="139" name="TextBox 138">
+            <a:extLst>
+              <a:ext uri="{FF2B5EF4-FFF2-40B4-BE49-F238E27FC236}">
+                <a16:creationId xmlns:a16="http://schemas.microsoft.com/office/drawing/2014/main" id="{1C043044-A19B-ED6A-500A-BEFA1439A23D}"/>
+              </a:ext>
+            </a:extLst>
+          </p:cNvPr>
+          <p:cNvSpPr txBox="1"/>
+          <p:nvPr/>
+        </p:nvSpPr>
+        <p:spPr>
+          <a:xfrm>
+            <a:off x="5550639" y="2357073"/>
+            <a:ext cx="1439818" cy="369332"/>
+          </a:xfrm>
+          <a:prstGeom prst="rect">
+            <a:avLst/>
+          </a:prstGeom>
+          <a:noFill/>
+        </p:spPr>
+        <p:txBody>
+          <a:bodyPr wrap="none" rtlCol="0">
+            <a:spAutoFit/>
+          </a:bodyPr>
+          <a:lstStyle/>
+          <a:p>
+            <a:r>
+              <a:rPr lang="en-US" dirty="0">
+                <a:latin typeface="Berlin Sans FB Demi" panose="020E0802020502020306" pitchFamily="34" charset="0"/>
+              </a:rPr>
+              <a:t>Binding Key</a:t>
+            </a:r>
+          </a:p>
+        </p:txBody>
+      </p:sp>
+      <p:cxnSp>
+        <p:nvCxnSpPr>
+          <p:cNvPr id="141" name="Straight Arrow Connector 140">
+            <a:extLst>
+              <a:ext uri="{FF2B5EF4-FFF2-40B4-BE49-F238E27FC236}">
+                <a16:creationId xmlns:a16="http://schemas.microsoft.com/office/drawing/2014/main" id="{2F8BDC56-9B4C-7AB7-D49E-58D8E69DD7ED}"/>
+              </a:ext>
+            </a:extLst>
+          </p:cNvPr>
+          <p:cNvCxnSpPr>
+            <a:stCxn id="48" idx="3"/>
+            <a:endCxn id="104" idx="1"/>
+          </p:cNvCxnSpPr>
+          <p:nvPr/>
+        </p:nvCxnSpPr>
+        <p:spPr>
+          <a:xfrm flipV="1">
+            <a:off x="1904968" y="2248247"/>
+            <a:ext cx="1737066" cy="3048"/>
+          </a:xfrm>
+          <a:prstGeom prst="straightConnector1">
+            <a:avLst/>
+          </a:prstGeom>
+          <a:ln w="38100">
+            <a:solidFill>
+              <a:schemeClr val="accent6">
+                <a:lumMod val="75000"/>
+              </a:schemeClr>
+            </a:solidFill>
+            <a:tailEnd type="triangle"/>
+          </a:ln>
+        </p:spPr>
+        <p:style>
+          <a:lnRef idx="1">
+            <a:schemeClr val="accent1"/>
+          </a:lnRef>
+          <a:fillRef idx="0">
+            <a:schemeClr val="accent1"/>
+          </a:fillRef>
+          <a:effectRef idx="0">
+            <a:schemeClr val="accent1"/>
+          </a:effectRef>
+          <a:fontRef idx="minor">
+            <a:schemeClr val="tx1"/>
+          </a:fontRef>
+        </p:style>
+      </p:cxnSp>
+      <p:sp>
+        <p:nvSpPr>
+          <p:cNvPr id="20" name="TextBox 19">
+            <a:extLst>
+              <a:ext uri="{FF2B5EF4-FFF2-40B4-BE49-F238E27FC236}">
+                <a16:creationId xmlns:a16="http://schemas.microsoft.com/office/drawing/2014/main" id="{5FC80679-916F-63D7-CFD8-628C3315BA76}"/>
+              </a:ext>
+            </a:extLst>
+          </p:cNvPr>
+          <p:cNvSpPr txBox="1"/>
+          <p:nvPr/>
+        </p:nvSpPr>
+        <p:spPr>
+          <a:xfrm>
+            <a:off x="1115244" y="1306201"/>
+            <a:ext cx="2141933" cy="276999"/>
+          </a:xfrm>
+          <a:prstGeom prst="rect">
+            <a:avLst/>
+          </a:prstGeom>
+          <a:noFill/>
+        </p:spPr>
+        <p:txBody>
+          <a:bodyPr wrap="none" rtlCol="0">
+            <a:spAutoFit/>
+          </a:bodyPr>
+          <a:lstStyle/>
+          <a:p>
+            <a:r>
+              <a:rPr lang="en-US" sz="1200" dirty="0">
+                <a:latin typeface="Berlin Sans FB Demi" panose="020E0802020502020306" pitchFamily="34" charset="0"/>
+              </a:rPr>
+              <a:t>Message Routing Key = Key0</a:t>
+            </a:r>
+          </a:p>
+        </p:txBody>
+      </p:sp>
+      <p:sp>
+        <p:nvSpPr>
+          <p:cNvPr id="22" name="TextBox 21">
+            <a:extLst>
+              <a:ext uri="{FF2B5EF4-FFF2-40B4-BE49-F238E27FC236}">
+                <a16:creationId xmlns:a16="http://schemas.microsoft.com/office/drawing/2014/main" id="{FF58C1EA-0D1A-A84E-B97B-9BE0BA1CB09F}"/>
+              </a:ext>
+            </a:extLst>
+          </p:cNvPr>
+          <p:cNvSpPr txBox="1"/>
+          <p:nvPr/>
+        </p:nvSpPr>
+        <p:spPr>
+          <a:xfrm>
+            <a:off x="5954655" y="1933398"/>
+            <a:ext cx="542136" cy="276999"/>
+          </a:xfrm>
+          <a:prstGeom prst="rect">
+            <a:avLst/>
+          </a:prstGeom>
+          <a:noFill/>
+        </p:spPr>
+        <p:txBody>
+          <a:bodyPr wrap="none" rtlCol="0">
+            <a:spAutoFit/>
+          </a:bodyPr>
+          <a:lstStyle/>
+          <a:p>
+            <a:r>
+              <a:rPr lang="en-US" sz="1200" dirty="0">
+                <a:latin typeface="Berlin Sans FB Demi" panose="020E0802020502020306" pitchFamily="34" charset="0"/>
+              </a:rPr>
+              <a:t>Key0</a:t>
+            </a:r>
+          </a:p>
+        </p:txBody>
+      </p:sp>
+      <p:sp>
+        <p:nvSpPr>
+          <p:cNvPr id="23" name="TextBox 22">
+            <a:extLst>
+              <a:ext uri="{FF2B5EF4-FFF2-40B4-BE49-F238E27FC236}">
+                <a16:creationId xmlns:a16="http://schemas.microsoft.com/office/drawing/2014/main" id="{AD77C306-A7CC-D086-48C0-A6E646CFFB07}"/>
+              </a:ext>
+            </a:extLst>
+          </p:cNvPr>
+          <p:cNvSpPr txBox="1"/>
+          <p:nvPr/>
+        </p:nvSpPr>
+        <p:spPr>
+          <a:xfrm>
+            <a:off x="852232" y="4145818"/>
+            <a:ext cx="10547858" cy="707886"/>
+          </a:xfrm>
+          <a:prstGeom prst="rect">
+            <a:avLst/>
+          </a:prstGeom>
+          <a:noFill/>
+        </p:spPr>
+        <p:txBody>
+          <a:bodyPr wrap="square" rtlCol="0">
+            <a:spAutoFit/>
+          </a:bodyPr>
+          <a:lstStyle/>
+          <a:p>
+            <a:r>
+              <a:rPr lang="en-US" sz="2000" dirty="0">
+                <a:latin typeface="Berlin Sans FB Demi" panose="020E0802020502020306" pitchFamily="34" charset="0"/>
+              </a:rPr>
+              <a:t>A queue can have multiple consumers which in case messages will be round robin’d across consumers</a:t>
+            </a:r>
+          </a:p>
+        </p:txBody>
+      </p:sp>
+      <p:grpSp>
+        <p:nvGrpSpPr>
+          <p:cNvPr id="24" name="Group 23">
+            <a:extLst>
+              <a:ext uri="{FF2B5EF4-FFF2-40B4-BE49-F238E27FC236}">
+                <a16:creationId xmlns:a16="http://schemas.microsoft.com/office/drawing/2014/main" id="{ED76583F-2FED-550B-7342-B542C9D5E13C}"/>
+              </a:ext>
+            </a:extLst>
+          </p:cNvPr>
+          <p:cNvGrpSpPr/>
+          <p:nvPr/>
+        </p:nvGrpSpPr>
+        <p:grpSpPr>
+          <a:xfrm>
+            <a:off x="7238893" y="1914339"/>
+            <a:ext cx="1580367" cy="659702"/>
+            <a:chOff x="6904973" y="2110636"/>
+            <a:chExt cx="1580367" cy="659702"/>
+          </a:xfrm>
+        </p:grpSpPr>
+        <p:sp>
+          <p:nvSpPr>
+            <p:cNvPr id="25" name="Rectangle: Rounded Corners 24">
+              <a:extLst>
+                <a:ext uri="{FF2B5EF4-FFF2-40B4-BE49-F238E27FC236}">
+                  <a16:creationId xmlns:a16="http://schemas.microsoft.com/office/drawing/2014/main" id="{62C939AD-04E7-9FA8-1014-E763F075B5F4}"/>
+                </a:ext>
+              </a:extLst>
+            </p:cNvPr>
+            <p:cNvSpPr/>
+            <p:nvPr/>
+          </p:nvSpPr>
+          <p:spPr>
+            <a:xfrm>
+              <a:off x="6904973" y="2110636"/>
+              <a:ext cx="1580367" cy="659702"/>
+            </a:xfrm>
+            <a:prstGeom prst="roundRect">
+              <a:avLst/>
+            </a:prstGeom>
+            <a:solidFill>
+              <a:schemeClr val="accent1">
+                <a:lumMod val="20000"/>
+                <a:lumOff val="80000"/>
+              </a:schemeClr>
+            </a:solidFill>
+            <a:ln w="12700">
+              <a:solidFill>
+                <a:schemeClr val="tx1"/>
+              </a:solidFill>
+            </a:ln>
+          </p:spPr>
+          <p:style>
+            <a:lnRef idx="2">
+              <a:schemeClr val="accent1">
+                <a:shade val="15000"/>
+              </a:schemeClr>
+            </a:lnRef>
+            <a:fillRef idx="1">
+              <a:schemeClr val="accent1"/>
+            </a:fillRef>
+            <a:effectRef idx="0">
+              <a:schemeClr val="accent1"/>
+            </a:effectRef>
+            <a:fontRef idx="minor">
+              <a:schemeClr val="lt1"/>
+            </a:fontRef>
+          </p:style>
+          <p:txBody>
+            <a:bodyPr rtlCol="0" anchor="ctr"/>
+            <a:lstStyle/>
+            <a:p>
+              <a:pPr algn="ctr"/>
+              <a:endParaRPr lang="en-US" dirty="0"/>
+            </a:p>
+          </p:txBody>
+        </p:sp>
+        <p:sp>
+          <p:nvSpPr>
+            <p:cNvPr id="26" name="Rectangle: Rounded Corners 25">
+              <a:extLst>
+                <a:ext uri="{FF2B5EF4-FFF2-40B4-BE49-F238E27FC236}">
+                  <a16:creationId xmlns:a16="http://schemas.microsoft.com/office/drawing/2014/main" id="{C5084D5D-5063-19FC-5FA9-D68B66F0AE9C}"/>
+                </a:ext>
+              </a:extLst>
+            </p:cNvPr>
+            <p:cNvSpPr/>
+            <p:nvPr/>
+          </p:nvSpPr>
+          <p:spPr>
+            <a:xfrm>
+              <a:off x="7014575" y="2153433"/>
+              <a:ext cx="169102" cy="567845"/>
+            </a:xfrm>
+            <a:prstGeom prst="roundRect">
+              <a:avLst/>
+            </a:prstGeom>
+            <a:solidFill>
+              <a:schemeClr val="accent2"/>
+            </a:solidFill>
+            <a:ln>
+              <a:noFill/>
+            </a:ln>
+          </p:spPr>
+          <p:style>
+            <a:lnRef idx="2">
+              <a:schemeClr val="accent1">
+                <a:shade val="15000"/>
+              </a:schemeClr>
+            </a:lnRef>
+            <a:fillRef idx="1">
+              <a:schemeClr val="accent1"/>
+            </a:fillRef>
+            <a:effectRef idx="0">
+              <a:schemeClr val="accent1"/>
+            </a:effectRef>
+            <a:fontRef idx="minor">
+              <a:schemeClr val="lt1"/>
+            </a:fontRef>
+          </p:style>
+          <p:txBody>
+            <a:bodyPr rtlCol="0" anchor="ctr"/>
+            <a:lstStyle/>
+            <a:p>
+              <a:pPr algn="ctr"/>
+              <a:endParaRPr lang="en-US"/>
+            </a:p>
+          </p:txBody>
+        </p:sp>
+        <p:sp>
+          <p:nvSpPr>
+            <p:cNvPr id="27" name="Rectangle: Rounded Corners 26">
+              <a:extLst>
+                <a:ext uri="{FF2B5EF4-FFF2-40B4-BE49-F238E27FC236}">
+                  <a16:creationId xmlns:a16="http://schemas.microsoft.com/office/drawing/2014/main" id="{4E6E4360-58AF-BA1B-083A-FAC4E99F7A4A}"/>
+                </a:ext>
+              </a:extLst>
+            </p:cNvPr>
+            <p:cNvSpPr/>
+            <p:nvPr/>
+          </p:nvSpPr>
+          <p:spPr>
+            <a:xfrm>
+              <a:off x="7258833" y="2153432"/>
+              <a:ext cx="169102" cy="567845"/>
+            </a:xfrm>
+            <a:prstGeom prst="roundRect">
+              <a:avLst/>
+            </a:prstGeom>
+            <a:solidFill>
+              <a:schemeClr val="accent2"/>
+            </a:solidFill>
+            <a:ln>
+              <a:noFill/>
+            </a:ln>
+          </p:spPr>
+          <p:style>
+            <a:lnRef idx="2">
+              <a:schemeClr val="accent1">
+                <a:shade val="15000"/>
+              </a:schemeClr>
+            </a:lnRef>
+            <a:fillRef idx="1">
+              <a:schemeClr val="accent1"/>
+            </a:fillRef>
+            <a:effectRef idx="0">
+              <a:schemeClr val="accent1"/>
+            </a:effectRef>
+            <a:fontRef idx="minor">
+              <a:schemeClr val="lt1"/>
+            </a:fontRef>
+          </p:style>
+          <p:txBody>
+            <a:bodyPr rtlCol="0" anchor="ctr"/>
+            <a:lstStyle/>
+            <a:p>
+              <a:pPr algn="ctr"/>
+              <a:endParaRPr lang="en-US" dirty="0"/>
+            </a:p>
+          </p:txBody>
+        </p:sp>
+        <p:sp>
+          <p:nvSpPr>
+            <p:cNvPr id="28" name="Rectangle: Rounded Corners 27">
+              <a:extLst>
+                <a:ext uri="{FF2B5EF4-FFF2-40B4-BE49-F238E27FC236}">
+                  <a16:creationId xmlns:a16="http://schemas.microsoft.com/office/drawing/2014/main" id="{CE1D0960-B191-FD78-953A-8196E7D40E4F}"/>
+                </a:ext>
+              </a:extLst>
+            </p:cNvPr>
+            <p:cNvSpPr/>
+            <p:nvPr/>
+          </p:nvSpPr>
+          <p:spPr>
+            <a:xfrm>
+              <a:off x="7505699" y="2153433"/>
+              <a:ext cx="169102" cy="567845"/>
+            </a:xfrm>
+            <a:prstGeom prst="roundRect">
+              <a:avLst/>
+            </a:prstGeom>
+            <a:solidFill>
+              <a:schemeClr val="accent2"/>
+            </a:solidFill>
+            <a:ln>
+              <a:noFill/>
+            </a:ln>
+          </p:spPr>
+          <p:style>
+            <a:lnRef idx="2">
+              <a:schemeClr val="accent1">
+                <a:shade val="15000"/>
+              </a:schemeClr>
+            </a:lnRef>
+            <a:fillRef idx="1">
+              <a:schemeClr val="accent1"/>
+            </a:fillRef>
+            <a:effectRef idx="0">
+              <a:schemeClr val="accent1"/>
+            </a:effectRef>
+            <a:fontRef idx="minor">
+              <a:schemeClr val="lt1"/>
+            </a:fontRef>
+          </p:style>
+          <p:txBody>
+            <a:bodyPr rtlCol="0" anchor="ctr"/>
+            <a:lstStyle/>
+            <a:p>
+              <a:pPr algn="ctr"/>
+              <a:endParaRPr lang="en-US"/>
+            </a:p>
+          </p:txBody>
+        </p:sp>
+        <p:sp>
+          <p:nvSpPr>
+            <p:cNvPr id="29" name="Rectangle: Rounded Corners 28">
+              <a:extLst>
+                <a:ext uri="{FF2B5EF4-FFF2-40B4-BE49-F238E27FC236}">
+                  <a16:creationId xmlns:a16="http://schemas.microsoft.com/office/drawing/2014/main" id="{007B1314-197A-41B5-A587-976533BCF129}"/>
+                </a:ext>
+              </a:extLst>
+            </p:cNvPr>
+            <p:cNvSpPr/>
+            <p:nvPr/>
+          </p:nvSpPr>
+          <p:spPr>
+            <a:xfrm>
+              <a:off x="7749957" y="2153432"/>
+              <a:ext cx="169102" cy="567845"/>
+            </a:xfrm>
+            <a:prstGeom prst="roundRect">
+              <a:avLst/>
+            </a:prstGeom>
+            <a:solidFill>
+              <a:schemeClr val="accent2"/>
+            </a:solidFill>
+            <a:ln>
+              <a:noFill/>
+            </a:ln>
+          </p:spPr>
+          <p:style>
+            <a:lnRef idx="2">
+              <a:schemeClr val="accent1">
+                <a:shade val="15000"/>
+              </a:schemeClr>
+            </a:lnRef>
+            <a:fillRef idx="1">
+              <a:schemeClr val="accent1"/>
+            </a:fillRef>
+            <a:effectRef idx="0">
+              <a:schemeClr val="accent1"/>
+            </a:effectRef>
+            <a:fontRef idx="minor">
+              <a:schemeClr val="lt1"/>
+            </a:fontRef>
+          </p:style>
+          <p:txBody>
+            <a:bodyPr rtlCol="0" anchor="ctr"/>
+            <a:lstStyle/>
+            <a:p>
+              <a:pPr algn="ctr"/>
+              <a:endParaRPr lang="en-US" dirty="0"/>
+            </a:p>
+          </p:txBody>
+        </p:sp>
+        <p:sp>
+          <p:nvSpPr>
+            <p:cNvPr id="31" name="Rectangle: Rounded Corners 30">
+              <a:extLst>
+                <a:ext uri="{FF2B5EF4-FFF2-40B4-BE49-F238E27FC236}">
+                  <a16:creationId xmlns:a16="http://schemas.microsoft.com/office/drawing/2014/main" id="{CB82F6A3-919A-57B9-9384-4B9B4DB8AA24}"/>
+                </a:ext>
+              </a:extLst>
+            </p:cNvPr>
+            <p:cNvSpPr/>
+            <p:nvPr/>
+          </p:nvSpPr>
+          <p:spPr>
+            <a:xfrm>
+              <a:off x="8009465" y="2153432"/>
+              <a:ext cx="169102" cy="567845"/>
+            </a:xfrm>
+            <a:prstGeom prst="roundRect">
+              <a:avLst/>
+            </a:prstGeom>
+            <a:solidFill>
+              <a:schemeClr val="accent4">
+                <a:lumMod val="20000"/>
+                <a:lumOff val="80000"/>
+              </a:schemeClr>
+            </a:solidFill>
+            <a:ln>
+              <a:noFill/>
+            </a:ln>
+          </p:spPr>
+          <p:style>
+            <a:lnRef idx="2">
+              <a:schemeClr val="accent1">
+                <a:shade val="15000"/>
+              </a:schemeClr>
+            </a:lnRef>
+            <a:fillRef idx="1">
+              <a:schemeClr val="accent1"/>
+            </a:fillRef>
+            <a:effectRef idx="0">
+              <a:schemeClr val="accent1"/>
+            </a:effectRef>
+            <a:fontRef idx="minor">
+              <a:schemeClr val="lt1"/>
+            </a:fontRef>
+          </p:style>
+          <p:txBody>
+            <a:bodyPr rtlCol="0" anchor="ctr"/>
+            <a:lstStyle/>
+            <a:p>
+              <a:pPr algn="ctr"/>
+              <a:endParaRPr lang="en-US"/>
+            </a:p>
+          </p:txBody>
+        </p:sp>
+      </p:grpSp>
+      <p:cxnSp>
+        <p:nvCxnSpPr>
+          <p:cNvPr id="41" name="Straight Arrow Connector 40">
+            <a:extLst>
+              <a:ext uri="{FF2B5EF4-FFF2-40B4-BE49-F238E27FC236}">
+                <a16:creationId xmlns:a16="http://schemas.microsoft.com/office/drawing/2014/main" id="{892859A2-BFA0-9260-5B9B-C40C90626963}"/>
+              </a:ext>
+            </a:extLst>
+          </p:cNvPr>
+          <p:cNvCxnSpPr>
+            <a:cxnSpLocks/>
+            <a:stCxn id="104" idx="3"/>
+            <a:endCxn id="25" idx="1"/>
+          </p:cNvCxnSpPr>
+          <p:nvPr/>
+        </p:nvCxnSpPr>
+        <p:spPr>
+          <a:xfrm flipV="1">
+            <a:off x="5222401" y="2244190"/>
+            <a:ext cx="2016492" cy="4057"/>
+          </a:xfrm>
+          <a:prstGeom prst="straightConnector1">
+            <a:avLst/>
+          </a:prstGeom>
+          <a:ln w="28575">
+            <a:prstDash val="sysDot"/>
+            <a:headEnd type="none" w="med" len="med"/>
+            <a:tailEnd type="none" w="med" len="med"/>
+          </a:ln>
+        </p:spPr>
+        <p:style>
+          <a:lnRef idx="1">
+            <a:schemeClr val="dk1"/>
+          </a:lnRef>
+          <a:fillRef idx="0">
+            <a:schemeClr val="dk1"/>
+          </a:fillRef>
+          <a:effectRef idx="0">
+            <a:schemeClr val="dk1"/>
+          </a:effectRef>
+          <a:fontRef idx="minor">
+            <a:schemeClr val="tx1"/>
+          </a:fontRef>
+        </p:style>
+      </p:cxnSp>
+      <p:grpSp>
+        <p:nvGrpSpPr>
+          <p:cNvPr id="49" name="Group 48">
+            <a:extLst>
+              <a:ext uri="{FF2B5EF4-FFF2-40B4-BE49-F238E27FC236}">
+                <a16:creationId xmlns:a16="http://schemas.microsoft.com/office/drawing/2014/main" id="{7F2FFEE3-EC88-7CB8-DF47-320097737674}"/>
+              </a:ext>
+            </a:extLst>
+          </p:cNvPr>
+          <p:cNvGrpSpPr/>
+          <p:nvPr/>
+        </p:nvGrpSpPr>
+        <p:grpSpPr>
+          <a:xfrm>
+            <a:off x="10258263" y="1489296"/>
+            <a:ext cx="1563667" cy="659702"/>
+            <a:chOff x="10349223" y="1285199"/>
+            <a:chExt cx="1563667" cy="864295"/>
+          </a:xfrm>
+        </p:grpSpPr>
+        <p:sp>
+          <p:nvSpPr>
+            <p:cNvPr id="51" name="Rectangle: Rounded Corners 50">
+              <a:extLst>
+                <a:ext uri="{FF2B5EF4-FFF2-40B4-BE49-F238E27FC236}">
+                  <a16:creationId xmlns:a16="http://schemas.microsoft.com/office/drawing/2014/main" id="{65B96A62-EDB6-E5C1-31B7-E25DE2157A4C}"/>
+                </a:ext>
+              </a:extLst>
+            </p:cNvPr>
+            <p:cNvSpPr/>
+            <p:nvPr/>
+          </p:nvSpPr>
+          <p:spPr>
+            <a:xfrm>
+              <a:off x="10349223" y="1285199"/>
+              <a:ext cx="1563667" cy="864295"/>
+            </a:xfrm>
+            <a:prstGeom prst="roundRect">
+              <a:avLst>
+                <a:gd name="adj" fmla="val 8902"/>
+              </a:avLst>
+            </a:prstGeom>
+            <a:solidFill>
+              <a:schemeClr val="accent2">
+                <a:lumMod val="20000"/>
+                <a:lumOff val="80000"/>
+              </a:schemeClr>
+            </a:solidFill>
+            <a:ln>
+              <a:solidFill>
+                <a:schemeClr val="tx1"/>
+              </a:solidFill>
+            </a:ln>
+          </p:spPr>
+          <p:style>
+            <a:lnRef idx="2">
+              <a:schemeClr val="accent1">
+                <a:shade val="15000"/>
+              </a:schemeClr>
+            </a:lnRef>
+            <a:fillRef idx="1">
+              <a:schemeClr val="accent1"/>
+            </a:fillRef>
+            <a:effectRef idx="0">
+              <a:schemeClr val="accent1"/>
+            </a:effectRef>
+            <a:fontRef idx="minor">
+              <a:schemeClr val="lt1"/>
+            </a:fontRef>
+          </p:style>
+          <p:txBody>
+            <a:bodyPr rtlCol="0" anchor="ctr"/>
+            <a:lstStyle/>
+            <a:p>
+              <a:pPr algn="ctr"/>
+              <a:endParaRPr lang="en-US"/>
+            </a:p>
+          </p:txBody>
+        </p:sp>
+        <p:sp>
+          <p:nvSpPr>
+            <p:cNvPr id="53" name="TextBox 52">
+              <a:extLst>
+                <a:ext uri="{FF2B5EF4-FFF2-40B4-BE49-F238E27FC236}">
+                  <a16:creationId xmlns:a16="http://schemas.microsoft.com/office/drawing/2014/main" id="{3EEB1E05-2CD9-83A3-140F-55A871DE909F}"/>
+                </a:ext>
+              </a:extLst>
+            </p:cNvPr>
+            <p:cNvSpPr txBox="1"/>
+            <p:nvPr/>
+          </p:nvSpPr>
+          <p:spPr>
+            <a:xfrm>
+              <a:off x="10528968" y="1424864"/>
+              <a:ext cx="1204176" cy="369331"/>
+            </a:xfrm>
+            <a:prstGeom prst="rect">
+              <a:avLst/>
+            </a:prstGeom>
+            <a:noFill/>
+          </p:spPr>
+          <p:txBody>
+            <a:bodyPr wrap="none" rtlCol="0">
+              <a:spAutoFit/>
+            </a:bodyPr>
+            <a:lstStyle/>
+            <a:p>
+              <a:r>
+                <a:rPr lang="en-US" dirty="0">
+                  <a:latin typeface="Berlin Sans FB Demi" panose="020E0802020502020306" pitchFamily="34" charset="0"/>
+                </a:rPr>
+                <a:t>Consumer</a:t>
+              </a:r>
+            </a:p>
+          </p:txBody>
+        </p:sp>
+      </p:grpSp>
+      <p:sp>
+        <p:nvSpPr>
+          <p:cNvPr id="54" name="Rectangle: Rounded Corners 53">
+            <a:extLst>
+              <a:ext uri="{FF2B5EF4-FFF2-40B4-BE49-F238E27FC236}">
+                <a16:creationId xmlns:a16="http://schemas.microsoft.com/office/drawing/2014/main" id="{4BF7A28E-B608-DEA8-D35A-0F40B043F6A9}"/>
+              </a:ext>
+            </a:extLst>
+          </p:cNvPr>
+          <p:cNvSpPr/>
+          <p:nvPr/>
+        </p:nvSpPr>
+        <p:spPr>
+          <a:xfrm>
+            <a:off x="9538761" y="2639950"/>
+            <a:ext cx="169102" cy="567845"/>
+          </a:xfrm>
+          <a:prstGeom prst="roundRect">
+            <a:avLst/>
+          </a:prstGeom>
+          <a:solidFill>
+            <a:schemeClr val="accent2"/>
+          </a:solidFill>
+          <a:ln>
+            <a:noFill/>
+          </a:ln>
+        </p:spPr>
+        <p:style>
+          <a:lnRef idx="2">
+            <a:schemeClr val="accent1">
+              <a:shade val="15000"/>
+            </a:schemeClr>
+          </a:lnRef>
+          <a:fillRef idx="1">
+            <a:schemeClr val="accent1"/>
+          </a:fillRef>
+          <a:effectRef idx="0">
+            <a:schemeClr val="accent1"/>
+          </a:effectRef>
+          <a:fontRef idx="minor">
+            <a:schemeClr val="lt1"/>
+          </a:fontRef>
+        </p:style>
+        <p:txBody>
+          <a:bodyPr rtlCol="0" anchor="ctr"/>
+          <a:lstStyle/>
+          <a:p>
+            <a:pPr algn="ctr"/>
+            <a:endParaRPr lang="en-US" dirty="0"/>
+          </a:p>
+        </p:txBody>
+      </p:sp>
+      <p:cxnSp>
+        <p:nvCxnSpPr>
+          <p:cNvPr id="55" name="Straight Arrow Connector 54">
+            <a:extLst>
+              <a:ext uri="{FF2B5EF4-FFF2-40B4-BE49-F238E27FC236}">
+                <a16:creationId xmlns:a16="http://schemas.microsoft.com/office/drawing/2014/main" id="{0A4185D0-05CE-0DBF-D252-B619897BAAA0}"/>
+              </a:ext>
+            </a:extLst>
+          </p:cNvPr>
+          <p:cNvCxnSpPr>
+            <a:cxnSpLocks/>
+            <a:stCxn id="25" idx="3"/>
+            <a:endCxn id="51" idx="1"/>
+          </p:cNvCxnSpPr>
+          <p:nvPr/>
+        </p:nvCxnSpPr>
+        <p:spPr>
+          <a:xfrm flipV="1">
+            <a:off x="8819260" y="1819147"/>
+            <a:ext cx="1439003" cy="425043"/>
+          </a:xfrm>
+          <a:prstGeom prst="straightConnector1">
+            <a:avLst/>
+          </a:prstGeom>
+          <a:ln w="38100">
+            <a:solidFill>
+              <a:schemeClr val="accent6">
+                <a:lumMod val="75000"/>
+              </a:schemeClr>
+            </a:solidFill>
+            <a:tailEnd type="triangle"/>
+          </a:ln>
+        </p:spPr>
+        <p:style>
+          <a:lnRef idx="1">
+            <a:schemeClr val="accent1"/>
+          </a:lnRef>
+          <a:fillRef idx="0">
+            <a:schemeClr val="accent1"/>
+          </a:fillRef>
+          <a:effectRef idx="0">
+            <a:schemeClr val="accent1"/>
+          </a:effectRef>
+          <a:fontRef idx="minor">
+            <a:schemeClr val="tx1"/>
+          </a:fontRef>
+        </p:style>
+      </p:cxnSp>
+      <p:grpSp>
+        <p:nvGrpSpPr>
+          <p:cNvPr id="3" name="Group 2">
+            <a:extLst>
+              <a:ext uri="{FF2B5EF4-FFF2-40B4-BE49-F238E27FC236}">
+                <a16:creationId xmlns:a16="http://schemas.microsoft.com/office/drawing/2014/main" id="{9B6718A2-B186-96A1-6017-536605CFBED6}"/>
+              </a:ext>
+            </a:extLst>
+          </p:cNvPr>
+          <p:cNvGrpSpPr/>
+          <p:nvPr/>
+        </p:nvGrpSpPr>
+        <p:grpSpPr>
+          <a:xfrm>
+            <a:off x="10287032" y="2478849"/>
+            <a:ext cx="1563667" cy="659702"/>
+            <a:chOff x="10349223" y="1285199"/>
+            <a:chExt cx="1563667" cy="864295"/>
+          </a:xfrm>
+        </p:grpSpPr>
+        <p:sp>
+          <p:nvSpPr>
+            <p:cNvPr id="4" name="Rectangle: Rounded Corners 3">
+              <a:extLst>
+                <a:ext uri="{FF2B5EF4-FFF2-40B4-BE49-F238E27FC236}">
+                  <a16:creationId xmlns:a16="http://schemas.microsoft.com/office/drawing/2014/main" id="{F9100E11-7AFC-89E0-20C2-7BDFD5A15C1C}"/>
+                </a:ext>
+              </a:extLst>
+            </p:cNvPr>
+            <p:cNvSpPr/>
+            <p:nvPr/>
+          </p:nvSpPr>
+          <p:spPr>
+            <a:xfrm>
+              <a:off x="10349223" y="1285199"/>
+              <a:ext cx="1563667" cy="864295"/>
+            </a:xfrm>
+            <a:prstGeom prst="roundRect">
+              <a:avLst>
+                <a:gd name="adj" fmla="val 8902"/>
+              </a:avLst>
+            </a:prstGeom>
+            <a:solidFill>
+              <a:schemeClr val="accent2">
+                <a:lumMod val="20000"/>
+                <a:lumOff val="80000"/>
+              </a:schemeClr>
+            </a:solidFill>
+            <a:ln>
+              <a:solidFill>
+                <a:schemeClr val="tx1"/>
+              </a:solidFill>
+            </a:ln>
+          </p:spPr>
+          <p:style>
+            <a:lnRef idx="2">
+              <a:schemeClr val="accent1">
+                <a:shade val="15000"/>
+              </a:schemeClr>
+            </a:lnRef>
+            <a:fillRef idx="1">
+              <a:schemeClr val="accent1"/>
+            </a:fillRef>
+            <a:effectRef idx="0">
+              <a:schemeClr val="accent1"/>
+            </a:effectRef>
+            <a:fontRef idx="minor">
+              <a:schemeClr val="lt1"/>
+            </a:fontRef>
+          </p:style>
+          <p:txBody>
+            <a:bodyPr rtlCol="0" anchor="ctr"/>
+            <a:lstStyle/>
+            <a:p>
+              <a:pPr algn="ctr"/>
+              <a:endParaRPr lang="en-US"/>
+            </a:p>
+          </p:txBody>
+        </p:sp>
+        <p:sp>
+          <p:nvSpPr>
+            <p:cNvPr id="5" name="TextBox 4">
+              <a:extLst>
+                <a:ext uri="{FF2B5EF4-FFF2-40B4-BE49-F238E27FC236}">
+                  <a16:creationId xmlns:a16="http://schemas.microsoft.com/office/drawing/2014/main" id="{3DE19714-1AC4-D28C-EE8C-8B1029E936BB}"/>
+                </a:ext>
+              </a:extLst>
+            </p:cNvPr>
+            <p:cNvSpPr txBox="1"/>
+            <p:nvPr/>
+          </p:nvSpPr>
+          <p:spPr>
+            <a:xfrm>
+              <a:off x="10528968" y="1424864"/>
+              <a:ext cx="1204176" cy="369331"/>
+            </a:xfrm>
+            <a:prstGeom prst="rect">
+              <a:avLst/>
+            </a:prstGeom>
+            <a:noFill/>
+          </p:spPr>
+          <p:txBody>
+            <a:bodyPr wrap="none" rtlCol="0">
+              <a:spAutoFit/>
+            </a:bodyPr>
+            <a:lstStyle/>
+            <a:p>
+              <a:r>
+                <a:rPr lang="en-US" dirty="0">
+                  <a:latin typeface="Berlin Sans FB Demi" panose="020E0802020502020306" pitchFamily="34" charset="0"/>
+                </a:rPr>
+                <a:t>Consumer</a:t>
+              </a:r>
+            </a:p>
+          </p:txBody>
+        </p:sp>
+      </p:grpSp>
+      <p:cxnSp>
+        <p:nvCxnSpPr>
+          <p:cNvPr id="6" name="Straight Arrow Connector 5">
+            <a:extLst>
+              <a:ext uri="{FF2B5EF4-FFF2-40B4-BE49-F238E27FC236}">
+                <a16:creationId xmlns:a16="http://schemas.microsoft.com/office/drawing/2014/main" id="{F106FFA9-359D-C42E-9ED5-90B3C0879E74}"/>
+              </a:ext>
+            </a:extLst>
+          </p:cNvPr>
+          <p:cNvCxnSpPr>
+            <a:cxnSpLocks/>
+            <a:stCxn id="25" idx="3"/>
+            <a:endCxn id="4" idx="1"/>
+          </p:cNvCxnSpPr>
+          <p:nvPr/>
+        </p:nvCxnSpPr>
+        <p:spPr>
+          <a:xfrm>
+            <a:off x="8819260" y="2244190"/>
+            <a:ext cx="1467772" cy="564510"/>
+          </a:xfrm>
+          <a:prstGeom prst="straightConnector1">
+            <a:avLst/>
+          </a:prstGeom>
+          <a:ln w="38100">
+            <a:solidFill>
+              <a:schemeClr val="accent6">
+                <a:lumMod val="75000"/>
+              </a:schemeClr>
+            </a:solidFill>
+            <a:tailEnd type="triangle"/>
+          </a:ln>
+        </p:spPr>
+        <p:style>
+          <a:lnRef idx="1">
+            <a:schemeClr val="accent1"/>
+          </a:lnRef>
+          <a:fillRef idx="0">
+            <a:schemeClr val="accent1"/>
+          </a:fillRef>
+          <a:effectRef idx="0">
+            <a:schemeClr val="accent1"/>
+          </a:effectRef>
+          <a:fontRef idx="minor">
+            <a:schemeClr val="tx1"/>
+          </a:fontRef>
+        </p:style>
+      </p:cxnSp>
+    </p:spTree>
+    <p:extLst>
+      <p:ext uri="{BB962C8B-B14F-4D97-AF65-F5344CB8AC3E}">
+        <p14:creationId xmlns:p14="http://schemas.microsoft.com/office/powerpoint/2010/main" val="1636948097"/>
+      </p:ext>
+    </p:extLst>
+  </p:cSld>
+  <p:clrMapOvr>
+    <a:masterClrMapping/>
+  </p:clrMapOvr>
+</p:sld>
+</file>
+
+<file path=ppt/slides/slide21.xml><?xml version="1.0" encoding="utf-8"?>
+<p:sld xmlns:a="http://schemas.openxmlformats.org/drawingml/2006/main" xmlns:r="http://schemas.openxmlformats.org/officeDocument/2006/relationships" xmlns:p="http://schemas.openxmlformats.org/presentationml/2006/main">
+  <p:cSld>
+    <p:spTree>
+      <p:nvGrpSpPr>
+        <p:cNvPr id="1" name=""/>
+        <p:cNvGrpSpPr/>
+        <p:nvPr/>
+      </p:nvGrpSpPr>
+      <p:grpSpPr>
+        <a:xfrm>
+          <a:off x="0" y="0"/>
+          <a:ext cx="0" cy="0"/>
+          <a:chOff x="0" y="0"/>
+          <a:chExt cx="0" cy="0"/>
+        </a:xfrm>
+      </p:grpSpPr>
+      <p:sp>
+        <p:nvSpPr>
+          <p:cNvPr id="30" name="TextBox 29">
+            <a:extLst>
+              <a:ext uri="{FF2B5EF4-FFF2-40B4-BE49-F238E27FC236}">
+                <a16:creationId xmlns:a16="http://schemas.microsoft.com/office/drawing/2014/main" id="{CAD01761-FF55-7AB9-94C6-F00A38D7AFE8}"/>
+              </a:ext>
+            </a:extLst>
+          </p:cNvPr>
+          <p:cNvSpPr txBox="1"/>
+          <p:nvPr/>
+        </p:nvSpPr>
+        <p:spPr>
+          <a:xfrm>
+            <a:off x="198835" y="364720"/>
             <a:ext cx="10189008" cy="584775"/>
           </a:xfrm>
           <a:prstGeom prst="rect">
@@ -20437,7 +20631,7 @@
 </p:sld>
 </file>
 
-<file path=ppt/slides/slide21.xml><?xml version="1.0" encoding="utf-8"?>
+<file path=ppt/slides/slide22.xml><?xml version="1.0" encoding="utf-8"?>
 <p:sld xmlns:a="http://schemas.openxmlformats.org/drawingml/2006/main" xmlns:r="http://schemas.openxmlformats.org/officeDocument/2006/relationships" xmlns:p="http://schemas.openxmlformats.org/presentationml/2006/main">
   <p:cSld>
     <p:spTree>
@@ -22228,7 +22422,7 @@
 </p:sld>
 </file>
 
-<file path=ppt/slides/slide22.xml><?xml version="1.0" encoding="utf-8"?>
+<file path=ppt/slides/slide23.xml><?xml version="1.0" encoding="utf-8"?>
 <p:sld xmlns:a="http://schemas.openxmlformats.org/drawingml/2006/main" xmlns:r="http://schemas.openxmlformats.org/officeDocument/2006/relationships" xmlns:p="http://schemas.openxmlformats.org/presentationml/2006/main">
   <p:cSld>
     <p:spTree>
@@ -24126,7 +24320,7 @@
 </p:sld>
 </file>
 
-<file path=ppt/slides/slide23.xml><?xml version="1.0" encoding="utf-8"?>
+<file path=ppt/slides/slide24.xml><?xml version="1.0" encoding="utf-8"?>
 <p:sld xmlns:a="http://schemas.openxmlformats.org/drawingml/2006/main" xmlns:r="http://schemas.openxmlformats.org/officeDocument/2006/relationships" xmlns:p="http://schemas.openxmlformats.org/presentationml/2006/main">
   <p:cSld>
     <p:spTree>
@@ -25896,7 +26090,7 @@
 </p:sld>
 </file>
 
-<file path=ppt/slides/slide24.xml><?xml version="1.0" encoding="utf-8"?>
+<file path=ppt/slides/slide25.xml><?xml version="1.0" encoding="utf-8"?>
 <p:sld xmlns:a="http://schemas.openxmlformats.org/drawingml/2006/main" xmlns:r="http://schemas.openxmlformats.org/officeDocument/2006/relationships" xmlns:p="http://schemas.openxmlformats.org/presentationml/2006/main">
   <p:cSld>
     <p:spTree>
@@ -27741,7 +27935,7 @@
 </p:sld>
 </file>
 
-<file path=ppt/slides/slide25.xml><?xml version="1.0" encoding="utf-8"?>
+<file path=ppt/slides/slide26.xml><?xml version="1.0" encoding="utf-8"?>
 <p:sld xmlns:a="http://schemas.openxmlformats.org/drawingml/2006/main" xmlns:r="http://schemas.openxmlformats.org/officeDocument/2006/relationships" xmlns:p="http://schemas.openxmlformats.org/presentationml/2006/main">
   <p:cSld>
     <p:spTree>
@@ -29171,7 +29365,7 @@
 </p:sld>
 </file>
 
-<file path=ppt/slides/slide26.xml><?xml version="1.0" encoding="utf-8"?>
+<file path=ppt/slides/slide27.xml><?xml version="1.0" encoding="utf-8"?>
 <p:sld xmlns:a="http://schemas.openxmlformats.org/drawingml/2006/main" xmlns:r="http://schemas.openxmlformats.org/officeDocument/2006/relationships" xmlns:p="http://schemas.openxmlformats.org/presentationml/2006/main">
   <p:cSld>
     <p:spTree>
@@ -29458,7 +29652,7 @@
 </p:sld>
 </file>
 
-<file path=ppt/slides/slide27.xml><?xml version="1.0" encoding="utf-8"?>
+<file path=ppt/slides/slide28.xml><?xml version="1.0" encoding="utf-8"?>
 <p:sld xmlns:a="http://schemas.openxmlformats.org/drawingml/2006/main" xmlns:r="http://schemas.openxmlformats.org/officeDocument/2006/relationships" xmlns:p="http://schemas.openxmlformats.org/presentationml/2006/main">
   <p:cSld>
     <p:spTree>
@@ -29887,7 +30081,7 @@
 </p:sld>
 </file>
 
-<file path=ppt/slides/slide28.xml><?xml version="1.0" encoding="utf-8"?>
+<file path=ppt/slides/slide29.xml><?xml version="1.0" encoding="utf-8"?>
 <p:sld xmlns:a="http://schemas.openxmlformats.org/drawingml/2006/main" xmlns:r="http://schemas.openxmlformats.org/officeDocument/2006/relationships" xmlns:p="http://schemas.openxmlformats.org/presentationml/2006/main">
   <p:cSld>
     <p:spTree>
@@ -30170,7 +30364,682 @@
 </p:sld>
 </file>
 
-<file path=ppt/slides/slide29.xml><?xml version="1.0" encoding="utf-8"?>
+<file path=ppt/slides/slide3.xml><?xml version="1.0" encoding="utf-8"?>
+<p:sld xmlns:a="http://schemas.openxmlformats.org/drawingml/2006/main" xmlns:r="http://schemas.openxmlformats.org/officeDocument/2006/relationships" xmlns:p="http://schemas.openxmlformats.org/presentationml/2006/main">
+  <p:cSld>
+    <p:spTree>
+      <p:nvGrpSpPr>
+        <p:cNvPr id="1" name=""/>
+        <p:cNvGrpSpPr/>
+        <p:nvPr/>
+      </p:nvGrpSpPr>
+      <p:grpSpPr>
+        <a:xfrm>
+          <a:off x="0" y="0"/>
+          <a:ext cx="0" cy="0"/>
+          <a:chOff x="0" y="0"/>
+          <a:chExt cx="0" cy="0"/>
+        </a:xfrm>
+      </p:grpSpPr>
+      <p:sp>
+        <p:nvSpPr>
+          <p:cNvPr id="2" name="Title 1">
+            <a:extLst>
+              <a:ext uri="{FF2B5EF4-FFF2-40B4-BE49-F238E27FC236}">
+                <a16:creationId xmlns:a16="http://schemas.microsoft.com/office/drawing/2014/main" id="{E06DB941-4652-40C3-56A7-D17AAAD086AA}"/>
+              </a:ext>
+            </a:extLst>
+          </p:cNvPr>
+          <p:cNvSpPr>
+            <a:spLocks noGrp="1"/>
+          </p:cNvSpPr>
+          <p:nvPr>
+            <p:ph type="title"/>
+          </p:nvPr>
+        </p:nvSpPr>
+        <p:spPr>
+          <a:xfrm>
+            <a:off x="838200" y="365125"/>
+            <a:ext cx="4153422" cy="674535"/>
+          </a:xfrm>
+        </p:spPr>
+        <p:txBody>
+          <a:bodyPr>
+            <a:normAutofit/>
+          </a:bodyPr>
+          <a:lstStyle/>
+          <a:p>
+            <a:r>
+              <a:rPr lang="en-US" sz="3600" dirty="0">
+                <a:latin typeface="Berlin Sans FB Demi" panose="020E0802020502020306" pitchFamily="34" charset="0"/>
+              </a:rPr>
+              <a:t>What is RabbitMQ?</a:t>
+            </a:r>
+          </a:p>
+        </p:txBody>
+      </p:sp>
+      <p:grpSp>
+        <p:nvGrpSpPr>
+          <p:cNvPr id="17" name="Group 16">
+            <a:extLst>
+              <a:ext uri="{FF2B5EF4-FFF2-40B4-BE49-F238E27FC236}">
+                <a16:creationId xmlns:a16="http://schemas.microsoft.com/office/drawing/2014/main" id="{F67E8D32-2FBD-4300-FDB5-64D59A49609A}"/>
+              </a:ext>
+            </a:extLst>
+          </p:cNvPr>
+          <p:cNvGrpSpPr/>
+          <p:nvPr/>
+        </p:nvGrpSpPr>
+        <p:grpSpPr>
+          <a:xfrm>
+            <a:off x="838200" y="1735845"/>
+            <a:ext cx="10879899" cy="830997"/>
+            <a:chOff x="838200" y="1735845"/>
+            <a:chExt cx="10879899" cy="830997"/>
+          </a:xfrm>
+        </p:grpSpPr>
+        <p:pic>
+          <p:nvPicPr>
+            <p:cNvPr id="5" name="Picture 4">
+              <a:extLst>
+                <a:ext uri="{FF2B5EF4-FFF2-40B4-BE49-F238E27FC236}">
+                  <a16:creationId xmlns:a16="http://schemas.microsoft.com/office/drawing/2014/main" id="{430C219E-F71F-645D-B275-189EF8845037}"/>
+                </a:ext>
+              </a:extLst>
+            </p:cNvPr>
+            <p:cNvPicPr>
+              <a:picLocks noChangeAspect="1"/>
+            </p:cNvPicPr>
+            <p:nvPr/>
+          </p:nvPicPr>
+          <p:blipFill>
+            <a:blip r:embed="rId2"/>
+            <a:stretch>
+              <a:fillRect/>
+            </a:stretch>
+          </p:blipFill>
+          <p:spPr>
+            <a:xfrm>
+              <a:off x="838200" y="1823579"/>
+              <a:ext cx="655529" cy="655529"/>
+            </a:xfrm>
+            <a:prstGeom prst="rect">
+              <a:avLst/>
+            </a:prstGeom>
+          </p:spPr>
+        </p:pic>
+        <p:sp>
+          <p:nvSpPr>
+            <p:cNvPr id="6" name="TextBox 5">
+              <a:extLst>
+                <a:ext uri="{FF2B5EF4-FFF2-40B4-BE49-F238E27FC236}">
+                  <a16:creationId xmlns:a16="http://schemas.microsoft.com/office/drawing/2014/main" id="{C0FA21B4-23EB-56B8-5F12-7A700E4A83D5}"/>
+                </a:ext>
+              </a:extLst>
+            </p:cNvPr>
+            <p:cNvSpPr txBox="1"/>
+            <p:nvPr/>
+          </p:nvSpPr>
+          <p:spPr>
+            <a:xfrm>
+              <a:off x="1839760" y="1735845"/>
+              <a:ext cx="9878339" cy="830997"/>
+            </a:xfrm>
+            <a:prstGeom prst="rect">
+              <a:avLst/>
+            </a:prstGeom>
+            <a:noFill/>
+          </p:spPr>
+          <p:txBody>
+            <a:bodyPr wrap="square">
+              <a:spAutoFit/>
+            </a:bodyPr>
+            <a:lstStyle/>
+            <a:p>
+              <a:pPr algn="l"/>
+              <a:r>
+                <a:rPr lang="en-US" sz="2400" b="1" i="0" dirty="0">
+                  <a:effectLst/>
+                  <a:latin typeface="Berlin Sans FB Demi" panose="020E0802020502020306" pitchFamily="34" charset="0"/>
+                </a:rPr>
+                <a:t>Open-source messaging system that enables applications to communicate with each other through “messaging”</a:t>
+              </a:r>
+              <a:endParaRPr lang="en-US" sz="2000" b="0" i="0" dirty="0">
+                <a:effectLst/>
+                <a:latin typeface="Berlin Sans FB Demi" panose="020E0802020502020306" pitchFamily="34" charset="0"/>
+              </a:endParaRPr>
+            </a:p>
+          </p:txBody>
+        </p:sp>
+      </p:grpSp>
+      <p:sp>
+        <p:nvSpPr>
+          <p:cNvPr id="12" name="TextBox 11">
+            <a:extLst>
+              <a:ext uri="{FF2B5EF4-FFF2-40B4-BE49-F238E27FC236}">
+                <a16:creationId xmlns:a16="http://schemas.microsoft.com/office/drawing/2014/main" id="{D6973D76-D1EA-52AC-E30A-FB5844D69E6D}"/>
+              </a:ext>
+            </a:extLst>
+          </p:cNvPr>
+          <p:cNvSpPr txBox="1"/>
+          <p:nvPr/>
+        </p:nvSpPr>
+        <p:spPr>
+          <a:xfrm>
+            <a:off x="2371726" y="6123543"/>
+            <a:ext cx="7448549" cy="369332"/>
+          </a:xfrm>
+          <a:prstGeom prst="rect">
+            <a:avLst/>
+          </a:prstGeom>
+          <a:noFill/>
+        </p:spPr>
+        <p:txBody>
+          <a:bodyPr wrap="square">
+            <a:spAutoFit/>
+          </a:bodyPr>
+          <a:lstStyle/>
+          <a:p>
+            <a:r>
+              <a:rPr lang="en-US" dirty="0"/>
+              <a:t>Great documentation on protocols: </a:t>
+            </a:r>
+            <a:r>
+              <a:rPr lang="en-US" dirty="0">
+                <a:hlinkClick r:id="rId3"/>
+              </a:rPr>
+              <a:t>https://www.rabbitmq.com/protocol.html</a:t>
+            </a:r>
+            <a:endParaRPr lang="en-US" dirty="0"/>
+          </a:p>
+        </p:txBody>
+      </p:sp>
+      <p:grpSp>
+        <p:nvGrpSpPr>
+          <p:cNvPr id="18" name="Group 17">
+            <a:extLst>
+              <a:ext uri="{FF2B5EF4-FFF2-40B4-BE49-F238E27FC236}">
+                <a16:creationId xmlns:a16="http://schemas.microsoft.com/office/drawing/2014/main" id="{860B6033-923C-A01A-2852-70EF68013E94}"/>
+              </a:ext>
+            </a:extLst>
+          </p:cNvPr>
+          <p:cNvGrpSpPr/>
+          <p:nvPr/>
+        </p:nvGrpSpPr>
+        <p:grpSpPr>
+          <a:xfrm>
+            <a:off x="838200" y="3087564"/>
+            <a:ext cx="10879899" cy="830997"/>
+            <a:chOff x="838199" y="3214680"/>
+            <a:chExt cx="10879899" cy="830997"/>
+          </a:xfrm>
+        </p:grpSpPr>
+        <p:sp>
+          <p:nvSpPr>
+            <p:cNvPr id="7" name="TextBox 6">
+              <a:extLst>
+                <a:ext uri="{FF2B5EF4-FFF2-40B4-BE49-F238E27FC236}">
+                  <a16:creationId xmlns:a16="http://schemas.microsoft.com/office/drawing/2014/main" id="{A9A87204-EBBB-29AC-C567-8FFE87712880}"/>
+                </a:ext>
+              </a:extLst>
+            </p:cNvPr>
+            <p:cNvSpPr txBox="1"/>
+            <p:nvPr/>
+          </p:nvSpPr>
+          <p:spPr>
+            <a:xfrm>
+              <a:off x="1839759" y="3214680"/>
+              <a:ext cx="9878339" cy="830997"/>
+            </a:xfrm>
+            <a:prstGeom prst="rect">
+              <a:avLst/>
+            </a:prstGeom>
+            <a:noFill/>
+          </p:spPr>
+          <p:txBody>
+            <a:bodyPr wrap="square">
+              <a:spAutoFit/>
+            </a:bodyPr>
+            <a:lstStyle/>
+            <a:p>
+              <a:pPr algn="l"/>
+              <a:r>
+                <a:rPr lang="en-US" sz="2400" b="1" dirty="0">
+                  <a:latin typeface="Berlin Sans FB Demi" panose="020E0802020502020306" pitchFamily="34" charset="0"/>
+                </a:rPr>
+                <a:t>Server-based application that i</a:t>
+              </a:r>
+              <a:r>
+                <a:rPr lang="en-US" sz="2400" b="1" i="0" dirty="0">
+                  <a:effectLst/>
+                  <a:latin typeface="Berlin Sans FB Demi" panose="020E0802020502020306" pitchFamily="34" charset="0"/>
+                </a:rPr>
+                <a:t>mplements messaging standards such as the Advanced Message Queueing Protocol (AMQP)</a:t>
+              </a:r>
+              <a:endParaRPr lang="en-US" sz="2000" b="0" i="0" dirty="0">
+                <a:effectLst/>
+                <a:latin typeface="Berlin Sans FB Demi" panose="020E0802020502020306" pitchFamily="34" charset="0"/>
+              </a:endParaRPr>
+            </a:p>
+          </p:txBody>
+        </p:sp>
+        <p:pic>
+          <p:nvPicPr>
+            <p:cNvPr id="14" name="Picture 13">
+              <a:extLst>
+                <a:ext uri="{FF2B5EF4-FFF2-40B4-BE49-F238E27FC236}">
+                  <a16:creationId xmlns:a16="http://schemas.microsoft.com/office/drawing/2014/main" id="{6C737F34-9776-3D17-60C3-64A6C3076EA3}"/>
+                </a:ext>
+              </a:extLst>
+            </p:cNvPr>
+            <p:cNvPicPr>
+              <a:picLocks noChangeAspect="1"/>
+            </p:cNvPicPr>
+            <p:nvPr/>
+          </p:nvPicPr>
+          <p:blipFill>
+            <a:blip r:embed="rId4"/>
+            <a:stretch>
+              <a:fillRect/>
+            </a:stretch>
+          </p:blipFill>
+          <p:spPr>
+            <a:xfrm>
+              <a:off x="838199" y="3302415"/>
+              <a:ext cx="655529" cy="655529"/>
+            </a:xfrm>
+            <a:prstGeom prst="rect">
+              <a:avLst/>
+            </a:prstGeom>
+          </p:spPr>
+        </p:pic>
+      </p:grpSp>
+      <p:grpSp>
+        <p:nvGrpSpPr>
+          <p:cNvPr id="9" name="Group 8">
+            <a:extLst>
+              <a:ext uri="{FF2B5EF4-FFF2-40B4-BE49-F238E27FC236}">
+                <a16:creationId xmlns:a16="http://schemas.microsoft.com/office/drawing/2014/main" id="{9C2EB0AC-0FF4-3711-11D1-B057CAE7BA01}"/>
+              </a:ext>
+            </a:extLst>
+          </p:cNvPr>
+          <p:cNvGrpSpPr/>
+          <p:nvPr/>
+        </p:nvGrpSpPr>
+        <p:grpSpPr>
+          <a:xfrm>
+            <a:off x="838199" y="4439284"/>
+            <a:ext cx="11236891" cy="830997"/>
+            <a:chOff x="838199" y="4439284"/>
+            <a:chExt cx="11236891" cy="830997"/>
+          </a:xfrm>
+        </p:grpSpPr>
+        <p:sp>
+          <p:nvSpPr>
+            <p:cNvPr id="8" name="TextBox 7">
+              <a:extLst>
+                <a:ext uri="{FF2B5EF4-FFF2-40B4-BE49-F238E27FC236}">
+                  <a16:creationId xmlns:a16="http://schemas.microsoft.com/office/drawing/2014/main" id="{E30A55CF-BB53-B873-9267-5FF34B5A4BAD}"/>
+                </a:ext>
+              </a:extLst>
+            </p:cNvPr>
+            <p:cNvSpPr txBox="1"/>
+            <p:nvPr/>
+          </p:nvSpPr>
+          <p:spPr>
+            <a:xfrm>
+              <a:off x="1839759" y="4439284"/>
+              <a:ext cx="10235331" cy="830997"/>
+            </a:xfrm>
+            <a:prstGeom prst="rect">
+              <a:avLst/>
+            </a:prstGeom>
+            <a:noFill/>
+          </p:spPr>
+          <p:txBody>
+            <a:bodyPr wrap="square">
+              <a:spAutoFit/>
+            </a:bodyPr>
+            <a:lstStyle/>
+            <a:p>
+              <a:r>
+                <a:rPr lang="en-US" sz="2400" b="0" i="0" dirty="0">
+                  <a:effectLst/>
+                  <a:latin typeface="Berlin Sans FB Demi" panose="020E0802020502020306" pitchFamily="34" charset="0"/>
+                </a:rPr>
+                <a:t>Acts as a message broker and facilitates communication between producers and consumers by providing reliable messaging infrastructure</a:t>
+              </a:r>
+            </a:p>
+          </p:txBody>
+        </p:sp>
+        <p:pic>
+          <p:nvPicPr>
+            <p:cNvPr id="4" name="Picture 3">
+              <a:extLst>
+                <a:ext uri="{FF2B5EF4-FFF2-40B4-BE49-F238E27FC236}">
+                  <a16:creationId xmlns:a16="http://schemas.microsoft.com/office/drawing/2014/main" id="{1D81F110-ED16-48DC-DDCA-A7987334F76C}"/>
+                </a:ext>
+              </a:extLst>
+            </p:cNvPr>
+            <p:cNvPicPr>
+              <a:picLocks noChangeAspect="1"/>
+            </p:cNvPicPr>
+            <p:nvPr/>
+          </p:nvPicPr>
+          <p:blipFill>
+            <a:blip r:embed="rId5"/>
+            <a:stretch>
+              <a:fillRect/>
+            </a:stretch>
+          </p:blipFill>
+          <p:spPr>
+            <a:xfrm>
+              <a:off x="838199" y="4527019"/>
+              <a:ext cx="655530" cy="655530"/>
+            </a:xfrm>
+            <a:prstGeom prst="rect">
+              <a:avLst/>
+            </a:prstGeom>
+          </p:spPr>
+        </p:pic>
+      </p:grpSp>
+    </p:spTree>
+    <p:extLst>
+      <p:ext uri="{BB962C8B-B14F-4D97-AF65-F5344CB8AC3E}">
+        <p14:creationId xmlns:p14="http://schemas.microsoft.com/office/powerpoint/2010/main" val="1887370981"/>
+      </p:ext>
+    </p:extLst>
+  </p:cSld>
+  <p:clrMapOvr>
+    <a:masterClrMapping/>
+  </p:clrMapOvr>
+  <p:timing>
+    <p:tnLst>
+      <p:par>
+        <p:cTn id="1" dur="indefinite" restart="never" nodeType="tmRoot">
+          <p:childTnLst>
+            <p:seq concurrent="1" nextAc="seek">
+              <p:cTn id="2" dur="indefinite" nodeType="mainSeq">
+                <p:childTnLst>
+                  <p:par>
+                    <p:cTn id="3" fill="hold">
+                      <p:stCondLst>
+                        <p:cond delay="indefinite"/>
+                      </p:stCondLst>
+                      <p:childTnLst>
+                        <p:par>
+                          <p:cTn id="4" fill="hold">
+                            <p:stCondLst>
+                              <p:cond delay="0"/>
+                            </p:stCondLst>
+                            <p:childTnLst>
+                              <p:par>
+                                <p:cTn id="5" presetID="10" presetClass="entr" presetSubtype="0" fill="hold" nodeType="clickEffect">
+                                  <p:stCondLst>
+                                    <p:cond delay="0"/>
+                                  </p:stCondLst>
+                                  <p:childTnLst>
+                                    <p:set>
+                                      <p:cBhvr>
+                                        <p:cTn id="6" dur="1" fill="hold">
+                                          <p:stCondLst>
+                                            <p:cond delay="0"/>
+                                          </p:stCondLst>
+                                        </p:cTn>
+                                        <p:tgtEl>
+                                          <p:spTgt spid="17"/>
+                                        </p:tgtEl>
+                                        <p:attrNameLst>
+                                          <p:attrName>style.visibility</p:attrName>
+                                        </p:attrNameLst>
+                                      </p:cBhvr>
+                                      <p:to>
+                                        <p:strVal val="visible"/>
+                                      </p:to>
+                                    </p:set>
+                                    <p:animEffect transition="in" filter="fade">
+                                      <p:cBhvr>
+                                        <p:cTn id="7" dur="500"/>
+                                        <p:tgtEl>
+                                          <p:spTgt spid="17"/>
+                                        </p:tgtEl>
+                                      </p:cBhvr>
+                                    </p:animEffect>
+                                  </p:childTnLst>
+                                </p:cTn>
+                              </p:par>
+                            </p:childTnLst>
+                          </p:cTn>
+                        </p:par>
+                      </p:childTnLst>
+                    </p:cTn>
+                  </p:par>
+                  <p:par>
+                    <p:cTn id="8" fill="hold">
+                      <p:stCondLst>
+                        <p:cond delay="indefinite"/>
+                      </p:stCondLst>
+                      <p:childTnLst>
+                        <p:par>
+                          <p:cTn id="9" fill="hold">
+                            <p:stCondLst>
+                              <p:cond delay="0"/>
+                            </p:stCondLst>
+                            <p:childTnLst>
+                              <p:par>
+                                <p:cTn id="10" presetID="10" presetClass="entr" presetSubtype="0" fill="hold" nodeType="clickEffect">
+                                  <p:stCondLst>
+                                    <p:cond delay="0"/>
+                                  </p:stCondLst>
+                                  <p:childTnLst>
+                                    <p:set>
+                                      <p:cBhvr>
+                                        <p:cTn id="11" dur="1" fill="hold">
+                                          <p:stCondLst>
+                                            <p:cond delay="0"/>
+                                          </p:stCondLst>
+                                        </p:cTn>
+                                        <p:tgtEl>
+                                          <p:spTgt spid="18"/>
+                                        </p:tgtEl>
+                                        <p:attrNameLst>
+                                          <p:attrName>style.visibility</p:attrName>
+                                        </p:attrNameLst>
+                                      </p:cBhvr>
+                                      <p:to>
+                                        <p:strVal val="visible"/>
+                                      </p:to>
+                                    </p:set>
+                                    <p:animEffect transition="in" filter="fade">
+                                      <p:cBhvr>
+                                        <p:cTn id="12" dur="500"/>
+                                        <p:tgtEl>
+                                          <p:spTgt spid="18"/>
+                                        </p:tgtEl>
+                                      </p:cBhvr>
+                                    </p:animEffect>
+                                  </p:childTnLst>
+                                </p:cTn>
+                              </p:par>
+                            </p:childTnLst>
+                          </p:cTn>
+                        </p:par>
+                      </p:childTnLst>
+                    </p:cTn>
+                  </p:par>
+                  <p:par>
+                    <p:cTn id="13" fill="hold">
+                      <p:stCondLst>
+                        <p:cond delay="indefinite"/>
+                      </p:stCondLst>
+                      <p:childTnLst>
+                        <p:par>
+                          <p:cTn id="14" fill="hold">
+                            <p:stCondLst>
+                              <p:cond delay="0"/>
+                            </p:stCondLst>
+                            <p:childTnLst>
+                              <p:par>
+                                <p:cTn id="15" presetID="10" presetClass="entr" presetSubtype="0" fill="hold" nodeType="clickEffect">
+                                  <p:stCondLst>
+                                    <p:cond delay="0"/>
+                                  </p:stCondLst>
+                                  <p:childTnLst>
+                                    <p:set>
+                                      <p:cBhvr>
+                                        <p:cTn id="16" dur="1" fill="hold">
+                                          <p:stCondLst>
+                                            <p:cond delay="0"/>
+                                          </p:stCondLst>
+                                        </p:cTn>
+                                        <p:tgtEl>
+                                          <p:spTgt spid="9"/>
+                                        </p:tgtEl>
+                                        <p:attrNameLst>
+                                          <p:attrName>style.visibility</p:attrName>
+                                        </p:attrNameLst>
+                                      </p:cBhvr>
+                                      <p:to>
+                                        <p:strVal val="visible"/>
+                                      </p:to>
+                                    </p:set>
+                                    <p:animEffect transition="in" filter="fade">
+                                      <p:cBhvr>
+                                        <p:cTn id="17" dur="500"/>
+                                        <p:tgtEl>
+                                          <p:spTgt spid="9"/>
+                                        </p:tgtEl>
+                                      </p:cBhvr>
+                                    </p:animEffect>
+                                  </p:childTnLst>
+                                </p:cTn>
+                              </p:par>
+                            </p:childTnLst>
+                          </p:cTn>
+                        </p:par>
+                      </p:childTnLst>
+                    </p:cTn>
+                  </p:par>
+                  <p:par>
+                    <p:cTn id="18" fill="hold">
+                      <p:stCondLst>
+                        <p:cond delay="indefinite"/>
+                      </p:stCondLst>
+                      <p:childTnLst>
+                        <p:par>
+                          <p:cTn id="19" fill="hold">
+                            <p:stCondLst>
+                              <p:cond delay="0"/>
+                            </p:stCondLst>
+                            <p:childTnLst>
+                              <p:par>
+                                <p:cTn id="20" presetID="2" presetClass="entr" presetSubtype="4" fill="hold" grpId="0" nodeType="clickEffect">
+                                  <p:stCondLst>
+                                    <p:cond delay="0"/>
+                                  </p:stCondLst>
+                                  <p:childTnLst>
+                                    <p:set>
+                                      <p:cBhvr>
+                                        <p:cTn id="21" dur="1" fill="hold">
+                                          <p:stCondLst>
+                                            <p:cond delay="0"/>
+                                          </p:stCondLst>
+                                        </p:cTn>
+                                        <p:tgtEl>
+                                          <p:spTgt spid="12"/>
+                                        </p:tgtEl>
+                                        <p:attrNameLst>
+                                          <p:attrName>style.visibility</p:attrName>
+                                        </p:attrNameLst>
+                                      </p:cBhvr>
+                                      <p:to>
+                                        <p:strVal val="visible"/>
+                                      </p:to>
+                                    </p:set>
+                                    <p:anim calcmode="lin" valueType="num">
+                                      <p:cBhvr additive="base">
+                                        <p:cTn id="22" dur="500" fill="hold"/>
+                                        <p:tgtEl>
+                                          <p:spTgt spid="12"/>
+                                        </p:tgtEl>
+                                        <p:attrNameLst>
+                                          <p:attrName>ppt_x</p:attrName>
+                                        </p:attrNameLst>
+                                      </p:cBhvr>
+                                      <p:tavLst>
+                                        <p:tav tm="0">
+                                          <p:val>
+                                            <p:strVal val="#ppt_x"/>
+                                          </p:val>
+                                        </p:tav>
+                                        <p:tav tm="100000">
+                                          <p:val>
+                                            <p:strVal val="#ppt_x"/>
+                                          </p:val>
+                                        </p:tav>
+                                      </p:tavLst>
+                                    </p:anim>
+                                    <p:anim calcmode="lin" valueType="num">
+                                      <p:cBhvr additive="base">
+                                        <p:cTn id="23" dur="500" fill="hold"/>
+                                        <p:tgtEl>
+                                          <p:spTgt spid="12"/>
+                                        </p:tgtEl>
+                                        <p:attrNameLst>
+                                          <p:attrName>ppt_y</p:attrName>
+                                        </p:attrNameLst>
+                                      </p:cBhvr>
+                                      <p:tavLst>
+                                        <p:tav tm="0">
+                                          <p:val>
+                                            <p:strVal val="1+#ppt_h/2"/>
+                                          </p:val>
+                                        </p:tav>
+                                        <p:tav tm="100000">
+                                          <p:val>
+                                            <p:strVal val="#ppt_y"/>
+                                          </p:val>
+                                        </p:tav>
+                                      </p:tavLst>
+                                    </p:anim>
+                                  </p:childTnLst>
+                                </p:cTn>
+                              </p:par>
+                            </p:childTnLst>
+                          </p:cTn>
+                        </p:par>
+                      </p:childTnLst>
+                    </p:cTn>
+                  </p:par>
+                </p:childTnLst>
+              </p:cTn>
+              <p:prevCondLst>
+                <p:cond evt="onPrev" delay="0">
+                  <p:tgtEl>
+                    <p:sldTgt/>
+                  </p:tgtEl>
+                </p:cond>
+              </p:prevCondLst>
+              <p:nextCondLst>
+                <p:cond evt="onNext" delay="0">
+                  <p:tgtEl>
+                    <p:sldTgt/>
+                  </p:tgtEl>
+                </p:cond>
+              </p:nextCondLst>
+            </p:seq>
+          </p:childTnLst>
+        </p:cTn>
+      </p:par>
+    </p:tnLst>
+    <p:bldLst>
+      <p:bldP spid="12" grpId="0"/>
+    </p:bldLst>
+  </p:timing>
+</p:sld>
+</file>
+
+<file path=ppt/slides/slide30.xml><?xml version="1.0" encoding="utf-8"?>
 <p:sld xmlns:a="http://schemas.openxmlformats.org/drawingml/2006/main" xmlns:r="http://schemas.openxmlformats.org/officeDocument/2006/relationships" xmlns:p="http://schemas.openxmlformats.org/presentationml/2006/main">
   <p:cSld>
     <p:spTree>
@@ -30545,694 +31414,6 @@
 </p:sld>
 </file>
 
-<file path=ppt/slides/slide3.xml><?xml version="1.0" encoding="utf-8"?>
-<p:sld xmlns:a="http://schemas.openxmlformats.org/drawingml/2006/main" xmlns:r="http://schemas.openxmlformats.org/officeDocument/2006/relationships" xmlns:p="http://schemas.openxmlformats.org/presentationml/2006/main">
-  <p:cSld>
-    <p:spTree>
-      <p:nvGrpSpPr>
-        <p:cNvPr id="1" name=""/>
-        <p:cNvGrpSpPr/>
-        <p:nvPr/>
-      </p:nvGrpSpPr>
-      <p:grpSpPr>
-        <a:xfrm>
-          <a:off x="0" y="0"/>
-          <a:ext cx="0" cy="0"/>
-          <a:chOff x="0" y="0"/>
-          <a:chExt cx="0" cy="0"/>
-        </a:xfrm>
-      </p:grpSpPr>
-      <p:sp>
-        <p:nvSpPr>
-          <p:cNvPr id="2" name="Title 1">
-            <a:extLst>
-              <a:ext uri="{FF2B5EF4-FFF2-40B4-BE49-F238E27FC236}">
-                <a16:creationId xmlns:a16="http://schemas.microsoft.com/office/drawing/2014/main" id="{E06DB941-4652-40C3-56A7-D17AAAD086AA}"/>
-              </a:ext>
-            </a:extLst>
-          </p:cNvPr>
-          <p:cNvSpPr>
-            <a:spLocks noGrp="1"/>
-          </p:cNvSpPr>
-          <p:nvPr>
-            <p:ph type="title"/>
-          </p:nvPr>
-        </p:nvSpPr>
-        <p:spPr>
-          <a:xfrm>
-            <a:off x="838200" y="365125"/>
-            <a:ext cx="4153422" cy="674535"/>
-          </a:xfrm>
-        </p:spPr>
-        <p:txBody>
-          <a:bodyPr>
-            <a:normAutofit/>
-          </a:bodyPr>
-          <a:lstStyle/>
-          <a:p>
-            <a:r>
-              <a:rPr lang="en-US" sz="3600" dirty="0">
-                <a:latin typeface="Berlin Sans FB Demi" panose="020E0802020502020306" pitchFamily="34" charset="0"/>
-              </a:rPr>
-              <a:t>What is RabbitMQ?</a:t>
-            </a:r>
-          </a:p>
-        </p:txBody>
-      </p:sp>
-      <p:grpSp>
-        <p:nvGrpSpPr>
-          <p:cNvPr id="17" name="Group 16">
-            <a:extLst>
-              <a:ext uri="{FF2B5EF4-FFF2-40B4-BE49-F238E27FC236}">
-                <a16:creationId xmlns:a16="http://schemas.microsoft.com/office/drawing/2014/main" id="{F67E8D32-2FBD-4300-FDB5-64D59A49609A}"/>
-              </a:ext>
-            </a:extLst>
-          </p:cNvPr>
-          <p:cNvGrpSpPr/>
-          <p:nvPr/>
-        </p:nvGrpSpPr>
-        <p:grpSpPr>
-          <a:xfrm>
-            <a:off x="838200" y="1735845"/>
-            <a:ext cx="10879899" cy="830997"/>
-            <a:chOff x="838200" y="1735845"/>
-            <a:chExt cx="10879899" cy="830997"/>
-          </a:xfrm>
-        </p:grpSpPr>
-        <p:pic>
-          <p:nvPicPr>
-            <p:cNvPr id="5" name="Picture 4">
-              <a:extLst>
-                <a:ext uri="{FF2B5EF4-FFF2-40B4-BE49-F238E27FC236}">
-                  <a16:creationId xmlns:a16="http://schemas.microsoft.com/office/drawing/2014/main" id="{430C219E-F71F-645D-B275-189EF8845037}"/>
-                </a:ext>
-              </a:extLst>
-            </p:cNvPr>
-            <p:cNvPicPr>
-              <a:picLocks noChangeAspect="1"/>
-            </p:cNvPicPr>
-            <p:nvPr/>
-          </p:nvPicPr>
-          <p:blipFill>
-            <a:blip r:embed="rId2"/>
-            <a:stretch>
-              <a:fillRect/>
-            </a:stretch>
-          </p:blipFill>
-          <p:spPr>
-            <a:xfrm>
-              <a:off x="838200" y="1823579"/>
-              <a:ext cx="655529" cy="655529"/>
-            </a:xfrm>
-            <a:prstGeom prst="rect">
-              <a:avLst/>
-            </a:prstGeom>
-          </p:spPr>
-        </p:pic>
-        <p:sp>
-          <p:nvSpPr>
-            <p:cNvPr id="6" name="TextBox 5">
-              <a:extLst>
-                <a:ext uri="{FF2B5EF4-FFF2-40B4-BE49-F238E27FC236}">
-                  <a16:creationId xmlns:a16="http://schemas.microsoft.com/office/drawing/2014/main" id="{C0FA21B4-23EB-56B8-5F12-7A700E4A83D5}"/>
-                </a:ext>
-              </a:extLst>
-            </p:cNvPr>
-            <p:cNvSpPr txBox="1"/>
-            <p:nvPr/>
-          </p:nvSpPr>
-          <p:spPr>
-            <a:xfrm>
-              <a:off x="1839760" y="1735845"/>
-              <a:ext cx="9878339" cy="830997"/>
-            </a:xfrm>
-            <a:prstGeom prst="rect">
-              <a:avLst/>
-            </a:prstGeom>
-            <a:noFill/>
-          </p:spPr>
-          <p:txBody>
-            <a:bodyPr wrap="square">
-              <a:spAutoFit/>
-            </a:bodyPr>
-            <a:lstStyle/>
-            <a:p>
-              <a:pPr algn="l"/>
-              <a:r>
-                <a:rPr lang="en-US" sz="2400" b="1" i="0" dirty="0">
-                  <a:effectLst/>
-                  <a:latin typeface="Berlin Sans FB Demi" panose="020E0802020502020306" pitchFamily="34" charset="0"/>
-                </a:rPr>
-                <a:t>Open-source messaging system that enables applications to communicate with each other through “messaging”</a:t>
-              </a:r>
-              <a:endParaRPr lang="en-US" sz="2000" b="0" i="0" dirty="0">
-                <a:effectLst/>
-                <a:latin typeface="Berlin Sans FB Demi" panose="020E0802020502020306" pitchFamily="34" charset="0"/>
-              </a:endParaRPr>
-            </a:p>
-          </p:txBody>
-        </p:sp>
-      </p:grpSp>
-      <p:sp>
-        <p:nvSpPr>
-          <p:cNvPr id="12" name="TextBox 11">
-            <a:extLst>
-              <a:ext uri="{FF2B5EF4-FFF2-40B4-BE49-F238E27FC236}">
-                <a16:creationId xmlns:a16="http://schemas.microsoft.com/office/drawing/2014/main" id="{D6973D76-D1EA-52AC-E30A-FB5844D69E6D}"/>
-              </a:ext>
-            </a:extLst>
-          </p:cNvPr>
-          <p:cNvSpPr txBox="1"/>
-          <p:nvPr/>
-        </p:nvSpPr>
-        <p:spPr>
-          <a:xfrm>
-            <a:off x="2371726" y="6123543"/>
-            <a:ext cx="7448549" cy="369332"/>
-          </a:xfrm>
-          <a:prstGeom prst="rect">
-            <a:avLst/>
-          </a:prstGeom>
-          <a:noFill/>
-        </p:spPr>
-        <p:txBody>
-          <a:bodyPr wrap="square">
-            <a:spAutoFit/>
-          </a:bodyPr>
-          <a:lstStyle/>
-          <a:p>
-            <a:r>
-              <a:rPr lang="en-US" dirty="0"/>
-              <a:t>Great documentation on protocols: </a:t>
-            </a:r>
-            <a:r>
-              <a:rPr lang="en-US" dirty="0">
-                <a:hlinkClick r:id="rId3"/>
-              </a:rPr>
-              <a:t>https://www.rabbitmq.com/protocol.html</a:t>
-            </a:r>
-            <a:endParaRPr lang="en-US" dirty="0"/>
-          </a:p>
-        </p:txBody>
-      </p:sp>
-      <p:grpSp>
-        <p:nvGrpSpPr>
-          <p:cNvPr id="18" name="Group 17">
-            <a:extLst>
-              <a:ext uri="{FF2B5EF4-FFF2-40B4-BE49-F238E27FC236}">
-                <a16:creationId xmlns:a16="http://schemas.microsoft.com/office/drawing/2014/main" id="{860B6033-923C-A01A-2852-70EF68013E94}"/>
-              </a:ext>
-            </a:extLst>
-          </p:cNvPr>
-          <p:cNvGrpSpPr/>
-          <p:nvPr/>
-        </p:nvGrpSpPr>
-        <p:grpSpPr>
-          <a:xfrm>
-            <a:off x="838200" y="3087564"/>
-            <a:ext cx="10879899" cy="830997"/>
-            <a:chOff x="838199" y="3214680"/>
-            <a:chExt cx="10879899" cy="830997"/>
-          </a:xfrm>
-        </p:grpSpPr>
-        <p:sp>
-          <p:nvSpPr>
-            <p:cNvPr id="7" name="TextBox 6">
-              <a:extLst>
-                <a:ext uri="{FF2B5EF4-FFF2-40B4-BE49-F238E27FC236}">
-                  <a16:creationId xmlns:a16="http://schemas.microsoft.com/office/drawing/2014/main" id="{A9A87204-EBBB-29AC-C567-8FFE87712880}"/>
-                </a:ext>
-              </a:extLst>
-            </p:cNvPr>
-            <p:cNvSpPr txBox="1"/>
-            <p:nvPr/>
-          </p:nvSpPr>
-          <p:spPr>
-            <a:xfrm>
-              <a:off x="1839759" y="3214680"/>
-              <a:ext cx="9878339" cy="830997"/>
-            </a:xfrm>
-            <a:prstGeom prst="rect">
-              <a:avLst/>
-            </a:prstGeom>
-            <a:noFill/>
-          </p:spPr>
-          <p:txBody>
-            <a:bodyPr wrap="square">
-              <a:spAutoFit/>
-            </a:bodyPr>
-            <a:lstStyle/>
-            <a:p>
-              <a:pPr algn="l"/>
-              <a:r>
-                <a:rPr lang="en-US" sz="2400" b="1" dirty="0">
-                  <a:latin typeface="Berlin Sans FB Demi" panose="020E0802020502020306" pitchFamily="34" charset="0"/>
-                </a:rPr>
-                <a:t>Server-based application that i</a:t>
-              </a:r>
-              <a:r>
-                <a:rPr lang="en-US" sz="2400" b="1" i="0" dirty="0">
-                  <a:effectLst/>
-                  <a:latin typeface="Berlin Sans FB Demi" panose="020E0802020502020306" pitchFamily="34" charset="0"/>
-                </a:rPr>
-                <a:t>mplements messaging standards such as the Advanced Message Queueing Protocol (AMQP)</a:t>
-              </a:r>
-              <a:endParaRPr lang="en-US" sz="2000" b="0" i="0" dirty="0">
-                <a:effectLst/>
-                <a:latin typeface="Berlin Sans FB Demi" panose="020E0802020502020306" pitchFamily="34" charset="0"/>
-              </a:endParaRPr>
-            </a:p>
-          </p:txBody>
-        </p:sp>
-        <p:pic>
-          <p:nvPicPr>
-            <p:cNvPr id="14" name="Picture 13">
-              <a:extLst>
-                <a:ext uri="{FF2B5EF4-FFF2-40B4-BE49-F238E27FC236}">
-                  <a16:creationId xmlns:a16="http://schemas.microsoft.com/office/drawing/2014/main" id="{6C737F34-9776-3D17-60C3-64A6C3076EA3}"/>
-                </a:ext>
-              </a:extLst>
-            </p:cNvPr>
-            <p:cNvPicPr>
-              <a:picLocks noChangeAspect="1"/>
-            </p:cNvPicPr>
-            <p:nvPr/>
-          </p:nvPicPr>
-          <p:blipFill>
-            <a:blip r:embed="rId4"/>
-            <a:stretch>
-              <a:fillRect/>
-            </a:stretch>
-          </p:blipFill>
-          <p:spPr>
-            <a:xfrm>
-              <a:off x="838199" y="3302415"/>
-              <a:ext cx="655529" cy="655529"/>
-            </a:xfrm>
-            <a:prstGeom prst="rect">
-              <a:avLst/>
-            </a:prstGeom>
-          </p:spPr>
-        </p:pic>
-      </p:grpSp>
-      <p:grpSp>
-        <p:nvGrpSpPr>
-          <p:cNvPr id="19" name="Group 18">
-            <a:extLst>
-              <a:ext uri="{FF2B5EF4-FFF2-40B4-BE49-F238E27FC236}">
-                <a16:creationId xmlns:a16="http://schemas.microsoft.com/office/drawing/2014/main" id="{75577F65-CF69-F5D2-BF74-DC1E0841B916}"/>
-              </a:ext>
-            </a:extLst>
-          </p:cNvPr>
-          <p:cNvGrpSpPr/>
-          <p:nvPr/>
-        </p:nvGrpSpPr>
-        <p:grpSpPr>
-          <a:xfrm>
-            <a:off x="838200" y="4439284"/>
-            <a:ext cx="10879898" cy="830997"/>
-            <a:chOff x="838200" y="4439284"/>
-            <a:chExt cx="10879898" cy="830997"/>
-          </a:xfrm>
-        </p:grpSpPr>
-        <p:sp>
-          <p:nvSpPr>
-            <p:cNvPr id="8" name="TextBox 7">
-              <a:extLst>
-                <a:ext uri="{FF2B5EF4-FFF2-40B4-BE49-F238E27FC236}">
-                  <a16:creationId xmlns:a16="http://schemas.microsoft.com/office/drawing/2014/main" id="{E30A55CF-BB53-B873-9267-5FF34B5A4BAD}"/>
-                </a:ext>
-              </a:extLst>
-            </p:cNvPr>
-            <p:cNvSpPr txBox="1"/>
-            <p:nvPr/>
-          </p:nvSpPr>
-          <p:spPr>
-            <a:xfrm>
-              <a:off x="1839759" y="4439284"/>
-              <a:ext cx="9878339" cy="830997"/>
-            </a:xfrm>
-            <a:prstGeom prst="rect">
-              <a:avLst/>
-            </a:prstGeom>
-            <a:noFill/>
-          </p:spPr>
-          <p:txBody>
-            <a:bodyPr wrap="square">
-              <a:spAutoFit/>
-            </a:bodyPr>
-            <a:lstStyle/>
-            <a:p>
-              <a:r>
-                <a:rPr lang="en-US" sz="2400" b="0" i="0" dirty="0">
-                  <a:effectLst/>
-                  <a:latin typeface="Berlin Sans FB Demi" panose="020E0802020502020306" pitchFamily="34" charset="0"/>
-                </a:rPr>
-                <a:t>Used in systems that require decoupling, asynchronicity</a:t>
-              </a:r>
-              <a:r>
-                <a:rPr lang="en-US" sz="2400" dirty="0">
-                  <a:latin typeface="Berlin Sans FB Demi" panose="020E0802020502020306" pitchFamily="34" charset="0"/>
-                </a:rPr>
-                <a:t>, </a:t>
-              </a:r>
-              <a:r>
-                <a:rPr lang="en-US" sz="2400" b="0" i="0" dirty="0">
-                  <a:effectLst/>
-                  <a:latin typeface="Berlin Sans FB Demi" panose="020E0802020502020306" pitchFamily="34" charset="0"/>
-                </a:rPr>
-                <a:t>fault tolerance and scalability</a:t>
-              </a:r>
-            </a:p>
-          </p:txBody>
-        </p:sp>
-        <p:pic>
-          <p:nvPicPr>
-            <p:cNvPr id="16" name="Picture 15">
-              <a:extLst>
-                <a:ext uri="{FF2B5EF4-FFF2-40B4-BE49-F238E27FC236}">
-                  <a16:creationId xmlns:a16="http://schemas.microsoft.com/office/drawing/2014/main" id="{09993A6B-3604-A570-5602-F69FE80B30B0}"/>
-                </a:ext>
-              </a:extLst>
-            </p:cNvPr>
-            <p:cNvPicPr>
-              <a:picLocks noChangeAspect="1"/>
-            </p:cNvPicPr>
-            <p:nvPr/>
-          </p:nvPicPr>
-          <p:blipFill>
-            <a:blip r:embed="rId5"/>
-            <a:stretch>
-              <a:fillRect/>
-            </a:stretch>
-          </p:blipFill>
-          <p:spPr>
-            <a:xfrm>
-              <a:off x="838200" y="4527019"/>
-              <a:ext cx="655529" cy="655529"/>
-            </a:xfrm>
-            <a:prstGeom prst="rect">
-              <a:avLst/>
-            </a:prstGeom>
-          </p:spPr>
-        </p:pic>
-      </p:grpSp>
-    </p:spTree>
-    <p:extLst>
-      <p:ext uri="{BB962C8B-B14F-4D97-AF65-F5344CB8AC3E}">
-        <p14:creationId xmlns:p14="http://schemas.microsoft.com/office/powerpoint/2010/main" val="1887370981"/>
-      </p:ext>
-    </p:extLst>
-  </p:cSld>
-  <p:clrMapOvr>
-    <a:masterClrMapping/>
-  </p:clrMapOvr>
-  <p:timing>
-    <p:tnLst>
-      <p:par>
-        <p:cTn id="1" dur="indefinite" restart="never" nodeType="tmRoot">
-          <p:childTnLst>
-            <p:seq concurrent="1" nextAc="seek">
-              <p:cTn id="2" dur="indefinite" nodeType="mainSeq">
-                <p:childTnLst>
-                  <p:par>
-                    <p:cTn id="3" fill="hold">
-                      <p:stCondLst>
-                        <p:cond delay="indefinite"/>
-                      </p:stCondLst>
-                      <p:childTnLst>
-                        <p:par>
-                          <p:cTn id="4" fill="hold">
-                            <p:stCondLst>
-                              <p:cond delay="0"/>
-                            </p:stCondLst>
-                            <p:childTnLst>
-                              <p:par>
-                                <p:cTn id="5" presetID="10" presetClass="entr" presetSubtype="0" fill="hold" nodeType="clickEffect">
-                                  <p:stCondLst>
-                                    <p:cond delay="0"/>
-                                  </p:stCondLst>
-                                  <p:childTnLst>
-                                    <p:set>
-                                      <p:cBhvr>
-                                        <p:cTn id="6" dur="1" fill="hold">
-                                          <p:stCondLst>
-                                            <p:cond delay="0"/>
-                                          </p:stCondLst>
-                                        </p:cTn>
-                                        <p:tgtEl>
-                                          <p:spTgt spid="17"/>
-                                        </p:tgtEl>
-                                        <p:attrNameLst>
-                                          <p:attrName>style.visibility</p:attrName>
-                                        </p:attrNameLst>
-                                      </p:cBhvr>
-                                      <p:to>
-                                        <p:strVal val="visible"/>
-                                      </p:to>
-                                    </p:set>
-                                    <p:animEffect transition="in" filter="fade">
-                                      <p:cBhvr>
-                                        <p:cTn id="7" dur="500"/>
-                                        <p:tgtEl>
-                                          <p:spTgt spid="17"/>
-                                        </p:tgtEl>
-                                      </p:cBhvr>
-                                    </p:animEffect>
-                                  </p:childTnLst>
-                                </p:cTn>
-                              </p:par>
-                            </p:childTnLst>
-                          </p:cTn>
-                        </p:par>
-                      </p:childTnLst>
-                    </p:cTn>
-                  </p:par>
-                  <p:par>
-                    <p:cTn id="8" fill="hold">
-                      <p:stCondLst>
-                        <p:cond delay="indefinite"/>
-                      </p:stCondLst>
-                      <p:childTnLst>
-                        <p:par>
-                          <p:cTn id="9" fill="hold">
-                            <p:stCondLst>
-                              <p:cond delay="0"/>
-                            </p:stCondLst>
-                            <p:childTnLst>
-                              <p:par>
-                                <p:cTn id="10" presetID="10" presetClass="entr" presetSubtype="0" fill="hold" nodeType="clickEffect">
-                                  <p:stCondLst>
-                                    <p:cond delay="0"/>
-                                  </p:stCondLst>
-                                  <p:childTnLst>
-                                    <p:set>
-                                      <p:cBhvr>
-                                        <p:cTn id="11" dur="1" fill="hold">
-                                          <p:stCondLst>
-                                            <p:cond delay="0"/>
-                                          </p:stCondLst>
-                                        </p:cTn>
-                                        <p:tgtEl>
-                                          <p:spTgt spid="18"/>
-                                        </p:tgtEl>
-                                        <p:attrNameLst>
-                                          <p:attrName>style.visibility</p:attrName>
-                                        </p:attrNameLst>
-                                      </p:cBhvr>
-                                      <p:to>
-                                        <p:strVal val="visible"/>
-                                      </p:to>
-                                    </p:set>
-                                    <p:animEffect transition="in" filter="fade">
-                                      <p:cBhvr>
-                                        <p:cTn id="12" dur="500"/>
-                                        <p:tgtEl>
-                                          <p:spTgt spid="18"/>
-                                        </p:tgtEl>
-                                      </p:cBhvr>
-                                    </p:animEffect>
-                                  </p:childTnLst>
-                                </p:cTn>
-                              </p:par>
-                            </p:childTnLst>
-                          </p:cTn>
-                        </p:par>
-                      </p:childTnLst>
-                    </p:cTn>
-                  </p:par>
-                  <p:par>
-                    <p:cTn id="13" fill="hold">
-                      <p:stCondLst>
-                        <p:cond delay="indefinite"/>
-                      </p:stCondLst>
-                      <p:childTnLst>
-                        <p:par>
-                          <p:cTn id="14" fill="hold">
-                            <p:stCondLst>
-                              <p:cond delay="0"/>
-                            </p:stCondLst>
-                            <p:childTnLst>
-                              <p:par>
-                                <p:cTn id="15" presetID="10" presetClass="entr" presetSubtype="0" fill="hold" nodeType="clickEffect">
-                                  <p:stCondLst>
-                                    <p:cond delay="0"/>
-                                  </p:stCondLst>
-                                  <p:childTnLst>
-                                    <p:set>
-                                      <p:cBhvr>
-                                        <p:cTn id="16" dur="1" fill="hold">
-                                          <p:stCondLst>
-                                            <p:cond delay="0"/>
-                                          </p:stCondLst>
-                                        </p:cTn>
-                                        <p:tgtEl>
-                                          <p:spTgt spid="19"/>
-                                        </p:tgtEl>
-                                        <p:attrNameLst>
-                                          <p:attrName>style.visibility</p:attrName>
-                                        </p:attrNameLst>
-                                      </p:cBhvr>
-                                      <p:to>
-                                        <p:strVal val="visible"/>
-                                      </p:to>
-                                    </p:set>
-                                    <p:animEffect transition="in" filter="fade">
-                                      <p:cBhvr>
-                                        <p:cTn id="17" dur="500"/>
-                                        <p:tgtEl>
-                                          <p:spTgt spid="19"/>
-                                        </p:tgtEl>
-                                      </p:cBhvr>
-                                    </p:animEffect>
-                                  </p:childTnLst>
-                                </p:cTn>
-                              </p:par>
-                            </p:childTnLst>
-                          </p:cTn>
-                        </p:par>
-                      </p:childTnLst>
-                    </p:cTn>
-                  </p:par>
-                  <p:par>
-                    <p:cTn id="18" fill="hold">
-                      <p:stCondLst>
-                        <p:cond delay="indefinite"/>
-                      </p:stCondLst>
-                      <p:childTnLst>
-                        <p:par>
-                          <p:cTn id="19" fill="hold">
-                            <p:stCondLst>
-                              <p:cond delay="0"/>
-                            </p:stCondLst>
-                            <p:childTnLst>
-                              <p:par>
-                                <p:cTn id="20" presetID="2" presetClass="entr" presetSubtype="4" fill="hold" grpId="0" nodeType="clickEffect">
-                                  <p:stCondLst>
-                                    <p:cond delay="0"/>
-                                  </p:stCondLst>
-                                  <p:childTnLst>
-                                    <p:set>
-                                      <p:cBhvr>
-                                        <p:cTn id="21" dur="1" fill="hold">
-                                          <p:stCondLst>
-                                            <p:cond delay="0"/>
-                                          </p:stCondLst>
-                                        </p:cTn>
-                                        <p:tgtEl>
-                                          <p:spTgt spid="12"/>
-                                        </p:tgtEl>
-                                        <p:attrNameLst>
-                                          <p:attrName>style.visibility</p:attrName>
-                                        </p:attrNameLst>
-                                      </p:cBhvr>
-                                      <p:to>
-                                        <p:strVal val="visible"/>
-                                      </p:to>
-                                    </p:set>
-                                    <p:anim calcmode="lin" valueType="num">
-                                      <p:cBhvr additive="base">
-                                        <p:cTn id="22" dur="500" fill="hold"/>
-                                        <p:tgtEl>
-                                          <p:spTgt spid="12"/>
-                                        </p:tgtEl>
-                                        <p:attrNameLst>
-                                          <p:attrName>ppt_x</p:attrName>
-                                        </p:attrNameLst>
-                                      </p:cBhvr>
-                                      <p:tavLst>
-                                        <p:tav tm="0">
-                                          <p:val>
-                                            <p:strVal val="#ppt_x"/>
-                                          </p:val>
-                                        </p:tav>
-                                        <p:tav tm="100000">
-                                          <p:val>
-                                            <p:strVal val="#ppt_x"/>
-                                          </p:val>
-                                        </p:tav>
-                                      </p:tavLst>
-                                    </p:anim>
-                                    <p:anim calcmode="lin" valueType="num">
-                                      <p:cBhvr additive="base">
-                                        <p:cTn id="23" dur="500" fill="hold"/>
-                                        <p:tgtEl>
-                                          <p:spTgt spid="12"/>
-                                        </p:tgtEl>
-                                        <p:attrNameLst>
-                                          <p:attrName>ppt_y</p:attrName>
-                                        </p:attrNameLst>
-                                      </p:cBhvr>
-                                      <p:tavLst>
-                                        <p:tav tm="0">
-                                          <p:val>
-                                            <p:strVal val="1+#ppt_h/2"/>
-                                          </p:val>
-                                        </p:tav>
-                                        <p:tav tm="100000">
-                                          <p:val>
-                                            <p:strVal val="#ppt_y"/>
-                                          </p:val>
-                                        </p:tav>
-                                      </p:tavLst>
-                                    </p:anim>
-                                  </p:childTnLst>
-                                </p:cTn>
-                              </p:par>
-                            </p:childTnLst>
-                          </p:cTn>
-                        </p:par>
-                      </p:childTnLst>
-                    </p:cTn>
-                  </p:par>
-                </p:childTnLst>
-              </p:cTn>
-              <p:prevCondLst>
-                <p:cond evt="onPrev" delay="0">
-                  <p:tgtEl>
-                    <p:sldTgt/>
-                  </p:tgtEl>
-                </p:cond>
-              </p:prevCondLst>
-              <p:nextCondLst>
-                <p:cond evt="onNext" delay="0">
-                  <p:tgtEl>
-                    <p:sldTgt/>
-                  </p:tgtEl>
-                </p:cond>
-              </p:nextCondLst>
-            </p:seq>
-          </p:childTnLst>
-        </p:cTn>
-      </p:par>
-    </p:tnLst>
-    <p:bldLst>
-      <p:bldP spid="12" grpId="0"/>
-    </p:bldLst>
-  </p:timing>
-</p:sld>
-</file>
-
 <file path=ppt/slides/slide4.xml><?xml version="1.0" encoding="utf-8"?>
 <p:sld xmlns:a="http://schemas.openxmlformats.org/drawingml/2006/main" xmlns:r="http://schemas.openxmlformats.org/officeDocument/2006/relationships" xmlns:p="http://schemas.openxmlformats.org/presentationml/2006/main">
   <p:cSld>
@@ -31268,13 +31449,13 @@
         </p:nvSpPr>
         <p:spPr>
           <a:xfrm>
-            <a:off x="838200" y="365125"/>
-            <a:ext cx="5399762" cy="674535"/>
+            <a:off x="838199" y="365125"/>
+            <a:ext cx="6088693" cy="674535"/>
           </a:xfrm>
         </p:spPr>
         <p:txBody>
           <a:bodyPr>
-            <a:normAutofit fontScale="90000"/>
+            <a:normAutofit/>
           </a:bodyPr>
           <a:lstStyle/>
           <a:p>
@@ -31282,7 +31463,7 @@
               <a:rPr lang="en-US" sz="3600" dirty="0">
                 <a:latin typeface="Berlin Sans FB Demi" panose="020E0802020502020306" pitchFamily="34" charset="0"/>
               </a:rPr>
-              <a:t>What is a messaging system?</a:t>
+              <a:t>What is a Messaging System?</a:t>
             </a:r>
           </a:p>
         </p:txBody>
@@ -31301,7 +31482,7 @@
         </p:nvSpPr>
         <p:spPr>
           <a:xfrm>
-            <a:off x="838200" y="1628506"/>
+            <a:off x="838198" y="2667652"/>
             <a:ext cx="9878339" cy="830997"/>
           </a:xfrm>
           <a:prstGeom prst="rect">
@@ -31344,7 +31525,7 @@
         </p:nvSpPr>
         <p:spPr>
           <a:xfrm>
-            <a:off x="838200" y="2770462"/>
+            <a:off x="838199" y="1547484"/>
             <a:ext cx="9878339" cy="830997"/>
           </a:xfrm>
           <a:prstGeom prst="rect">
@@ -32039,7 +32220,7 @@
                                           </p:stCondLst>
                                         </p:cTn>
                                         <p:tgtEl>
-                                          <p:spTgt spid="9"/>
+                                          <p:spTgt spid="10"/>
                                         </p:tgtEl>
                                         <p:attrNameLst>
                                           <p:attrName>style.visibility</p:attrName>
@@ -32053,7 +32234,7 @@
                                       <p:cBhvr>
                                         <p:cTn id="7" dur="500"/>
                                         <p:tgtEl>
-                                          <p:spTgt spid="9"/>
+                                          <p:spTgt spid="10"/>
                                         </p:tgtEl>
                                       </p:cBhvr>
                                     </p:animEffect>
@@ -32092,7 +32273,7 @@
                                           </p:stCondLst>
                                         </p:cTn>
                                         <p:tgtEl>
-                                          <p:spTgt spid="10"/>
+                                          <p:spTgt spid="9"/>
                                         </p:tgtEl>
                                         <p:attrNameLst>
                                           <p:attrName>style.visibility</p:attrName>
@@ -32106,7 +32287,7 @@
                                       <p:cBhvr>
                                         <p:cTn id="12" dur="500"/>
                                         <p:tgtEl>
-                                          <p:spTgt spid="10"/>
+                                          <p:spTgt spid="9"/>
                                         </p:tgtEl>
                                       </p:cBhvr>
                                     </p:animEffect>
@@ -32312,8 +32493,8 @@
         </p:nvSpPr>
         <p:spPr>
           <a:xfrm>
-            <a:off x="838199" y="2607399"/>
-            <a:ext cx="10253598" cy="830997"/>
+            <a:off x="838199" y="2678504"/>
+            <a:ext cx="10253598" cy="1200329"/>
           </a:xfrm>
           <a:prstGeom prst="rect">
             <a:avLst/>
@@ -32332,7 +32513,7 @@
                 <a:effectLst/>
                 <a:latin typeface="Berlin Sans FB Demi" panose="020E0802020502020306" pitchFamily="34" charset="0"/>
               </a:rPr>
-              <a:t>Initially developed by Rabbit Technologies Ltd, later became VMware, then acquired by Pivotal Software, currently part of VMware (again)</a:t>
+              <a:t>Initially developed by JPMorgan Chase, spun off as Rabbit Technologies Ltd, later became VMware, then acquired by Pivotal Software, currently part of VMware (again)</a:t>
             </a:r>
             <a:endParaRPr lang="en-US" sz="2000" b="0" i="0" dirty="0">
               <a:effectLst/>
@@ -32355,8 +32536,8 @@
         </p:nvSpPr>
         <p:spPr>
           <a:xfrm>
-            <a:off x="838199" y="3730381"/>
-            <a:ext cx="10253598" cy="1138773"/>
+            <a:off x="838199" y="4241923"/>
+            <a:ext cx="10253598" cy="830997"/>
           </a:xfrm>
           <a:prstGeom prst="rect">
             <a:avLst/>
@@ -32384,13 +32565,6 @@
               <a:t> w/protocol support, client libraries and plugins for extensibility</a:t>
             </a:r>
           </a:p>
-          <a:p>
-            <a:pPr algn="l"/>
-            <a:endParaRPr lang="en-US" sz="2000" b="0" i="0" dirty="0">
-              <a:effectLst/>
-              <a:latin typeface="Berlin Sans FB Demi" panose="020E0802020502020306" pitchFamily="34" charset="0"/>
-            </a:endParaRPr>
-          </a:p>
         </p:txBody>
       </p:sp>
       <p:sp>
@@ -32407,7 +32581,7 @@
         </p:nvSpPr>
         <p:spPr>
           <a:xfrm>
-            <a:off x="838199" y="4759602"/>
+            <a:off x="838199" y="5436009"/>
             <a:ext cx="10253598" cy="461665"/>
           </a:xfrm>
           <a:prstGeom prst="rect">
@@ -32746,7 +32920,7 @@
               <a:rPr lang="en-US" sz="3600" dirty="0">
                 <a:latin typeface="Berlin Sans FB Demi" panose="020E0802020502020306" pitchFamily="34" charset="0"/>
               </a:rPr>
-              <a:t>What problems does it solve?</a:t>
+              <a:t>What Problems Does it Solve?</a:t>
             </a:r>
           </a:p>
         </p:txBody>
@@ -33477,7 +33651,7 @@
               <a:rPr lang="en-US" sz="3600" dirty="0">
                 <a:latin typeface="Berlin Sans FB Demi" panose="020E0802020502020306" pitchFamily="34" charset="0"/>
               </a:rPr>
-              <a:t>RabbitMQ use cases</a:t>
+              <a:t>RabbitMQ Use Cases</a:t>
             </a:r>
           </a:p>
         </p:txBody>
@@ -33899,7 +34073,7 @@
         </p:spPr>
         <p:txBody>
           <a:bodyPr>
-            <a:normAutofit/>
+            <a:normAutofit fontScale="90000"/>
           </a:bodyPr>
           <a:lstStyle/>
           <a:p>
@@ -33907,7 +34081,7 @@
               <a:rPr lang="en-US" sz="3600" dirty="0">
                 <a:latin typeface="Berlin Sans FB Demi" panose="020E0802020502020306" pitchFamily="34" charset="0"/>
               </a:rPr>
-              <a:t>RabbitMQ in the broader landscape</a:t>
+              <a:t>RabbitMQ in the Broader Landscape</a:t>
             </a:r>
           </a:p>
         </p:txBody>
